--- a/wenjian/Excel数据分析（展示用）.pptx
+++ b/wenjian/Excel数据分析（展示用）.pptx
@@ -8,7 +8,7 @@
     <p:sldMasterId id="2147483653" r:id="rId4"/>
     <p:sldMasterId id="2147483655" r:id="rId5"/>
     <p:sldMasterId id="2147483657" r:id="rId6"/>
-    <p:sldMasterId id="2147483734" r:id="rId7"/>
+    <p:sldMasterId id="2147483752" r:id="rId7"/>
   </p:sldMasterIdLst>
   <p:notesMasterIdLst>
     <p:notesMasterId r:id="rId39"/>
@@ -49,7 +49,7 @@
     <p:sldId id="286" r:id="rId37"/>
     <p:sldId id="348" r:id="rId38"/>
   </p:sldIdLst>
-  <p:sldSz cx="9144000" cy="6858000" type="screen4x3"/>
+  <p:sldSz cx="12192000" cy="6858000"/>
   <p:notesSz cx="6858000" cy="9144000"/>
   <p:defaultTextStyle>
     <a:defPPr>
@@ -179,12 +179,12 @@
   <p:extLst>
     <p:ext uri="{EFAFB233-063F-42B5-8137-9DF3F51BA10A}">
       <p15:sldGuideLst xmlns:p15="http://schemas.microsoft.com/office/powerpoint/2012/main">
-        <p15:guide id="1" orient="horz" pos="2160">
+        <p15:guide id="1" orient="horz" pos="2160" userDrawn="1">
           <p15:clr>
             <a:srgbClr val="A4A3A4"/>
           </p15:clr>
         </p15:guide>
-        <p15:guide id="2" pos="2880">
+        <p15:guide id="2" pos="3840" userDrawn="1">
           <p15:clr>
             <a:srgbClr val="A4A3A4"/>
           </p15:clr>
@@ -522,8 +522,8 @@
         </p:nvSpPr>
         <p:spPr bwMode="auto">
           <a:xfrm>
-            <a:off x="1143000" y="685800"/>
-            <a:ext cx="4572000" cy="3429000"/>
+            <a:off x="381000" y="685800"/>
+            <a:ext cx="6096000" cy="3429000"/>
           </a:xfrm>
           <a:prstGeom prst="rect">
             <a:avLst/>
@@ -1036,6 +1036,10 @@
           </p:nvPr>
         </p:nvSpPr>
         <p:spPr>
+          <a:xfrm>
+            <a:off x="381000" y="685800"/>
+            <a:ext cx="6096000" cy="3429000"/>
+          </a:xfrm>
           <a:ln/>
         </p:spPr>
       </p:sp>
@@ -1097,6 +1101,10 @@
           </p:nvPr>
         </p:nvSpPr>
         <p:spPr>
+          <a:xfrm>
+            <a:off x="381000" y="685800"/>
+            <a:ext cx="6096000" cy="3429000"/>
+          </a:xfrm>
           <a:ln/>
         </p:spPr>
       </p:sp>
@@ -1241,6 +1249,10 @@
           </p:nvPr>
         </p:nvSpPr>
         <p:spPr>
+          <a:xfrm>
+            <a:off x="381000" y="685800"/>
+            <a:ext cx="6096000" cy="3429000"/>
+          </a:xfrm>
           <a:ln/>
         </p:spPr>
       </p:sp>
@@ -1301,6 +1313,10 @@
           </p:nvPr>
         </p:nvSpPr>
         <p:spPr>
+          <a:xfrm>
+            <a:off x="381000" y="685800"/>
+            <a:ext cx="6096000" cy="3429000"/>
+          </a:xfrm>
           <a:ln/>
         </p:spPr>
       </p:sp>
@@ -1390,6 +1406,10 @@
           </p:nvPr>
         </p:nvSpPr>
         <p:spPr>
+          <a:xfrm>
+            <a:off x="381000" y="685800"/>
+            <a:ext cx="6096000" cy="3429000"/>
+          </a:xfrm>
           <a:ln/>
         </p:spPr>
       </p:sp>
@@ -1458,8 +1478,8 @@
         </p:nvSpPr>
         <p:spPr bwMode="auto">
           <a:xfrm>
-            <a:off x="0" y="1700213"/>
-            <a:ext cx="9144000" cy="3457575"/>
+            <a:off x="0" y="1700214"/>
+            <a:ext cx="12192000" cy="3457575"/>
           </a:xfrm>
           <a:prstGeom prst="rect">
             <a:avLst/>
@@ -1499,8 +1519,8 @@
         </p:nvGrpSpPr>
         <p:grpSpPr bwMode="auto">
           <a:xfrm>
-            <a:off x="2627313" y="1906588"/>
-            <a:ext cx="5868987" cy="2746375"/>
+            <a:off x="3503085" y="1906589"/>
+            <a:ext cx="7825316" cy="2746375"/>
             <a:chOff x="1045" y="1008"/>
             <a:chExt cx="4307" cy="2016"/>
           </a:xfrm>
@@ -1752,8 +1772,8 @@
         </p:nvSpPr>
         <p:spPr>
           <a:xfrm>
-            <a:off x="685800" y="1773238"/>
-            <a:ext cx="7772400" cy="1163637"/>
+            <a:off x="914400" y="1773239"/>
+            <a:ext cx="10363200" cy="1163637"/>
           </a:xfrm>
         </p:spPr>
         <p:txBody>
@@ -1790,8 +1810,8 @@
         </p:nvSpPr>
         <p:spPr>
           <a:xfrm>
-            <a:off x="2057400" y="3644900"/>
-            <a:ext cx="6400800" cy="647700"/>
+            <a:off x="2743200" y="3644900"/>
+            <a:ext cx="8534400" cy="647700"/>
           </a:xfrm>
         </p:spPr>
         <p:txBody>
@@ -1982,8 +2002,8 @@
         </p:nvSpPr>
         <p:spPr>
           <a:xfrm>
-            <a:off x="6408738" y="404813"/>
-            <a:ext cx="1763712" cy="5545137"/>
+            <a:off x="8544984" y="404814"/>
+            <a:ext cx="2351616" cy="5545137"/>
           </a:xfrm>
         </p:spPr>
         <p:txBody>
@@ -2009,8 +2029,8 @@
         </p:nvSpPr>
         <p:spPr>
           <a:xfrm>
-            <a:off x="1116013" y="404813"/>
-            <a:ext cx="5140325" cy="5545137"/>
+            <a:off x="1488018" y="404814"/>
+            <a:ext cx="6853767" cy="5545137"/>
           </a:xfrm>
         </p:spPr>
         <p:txBody>
@@ -2123,8 +2143,8 @@
         </p:nvSpPr>
         <p:spPr bwMode="auto">
           <a:xfrm>
-            <a:off x="0" y="1700213"/>
-            <a:ext cx="9144000" cy="3457575"/>
+            <a:off x="0" y="1700214"/>
+            <a:ext cx="12192000" cy="3457575"/>
           </a:xfrm>
           <a:prstGeom prst="rect">
             <a:avLst/>
@@ -2164,8 +2184,8 @@
         </p:nvGrpSpPr>
         <p:grpSpPr bwMode="auto">
           <a:xfrm>
-            <a:off x="2627313" y="1906588"/>
-            <a:ext cx="5868987" cy="2746375"/>
+            <a:off x="3503085" y="1906589"/>
+            <a:ext cx="7825316" cy="2746375"/>
             <a:chOff x="1045" y="1008"/>
             <a:chExt cx="4307" cy="2016"/>
           </a:xfrm>
@@ -2417,8 +2437,8 @@
         </p:nvSpPr>
         <p:spPr>
           <a:xfrm>
-            <a:off x="685800" y="1773238"/>
-            <a:ext cx="7772400" cy="1163637"/>
+            <a:off x="914400" y="1773239"/>
+            <a:ext cx="10363200" cy="1163637"/>
           </a:xfrm>
         </p:spPr>
         <p:txBody>
@@ -2455,8 +2475,8 @@
         </p:nvSpPr>
         <p:spPr>
           <a:xfrm>
-            <a:off x="2057400" y="3644900"/>
-            <a:ext cx="6400800" cy="647700"/>
+            <a:off x="2743200" y="3644900"/>
+            <a:ext cx="8534400" cy="647700"/>
           </a:xfrm>
         </p:spPr>
         <p:txBody>
@@ -2647,8 +2667,8 @@
         </p:nvSpPr>
         <p:spPr>
           <a:xfrm>
-            <a:off x="722313" y="4406900"/>
-            <a:ext cx="7772400" cy="1362075"/>
+            <a:off x="963084" y="4406901"/>
+            <a:ext cx="10363200" cy="1362075"/>
           </a:xfrm>
         </p:spPr>
         <p:txBody>
@@ -2678,8 +2698,8 @@
         </p:nvSpPr>
         <p:spPr>
           <a:xfrm>
-            <a:off x="722313" y="2906713"/>
-            <a:ext cx="7772400" cy="1500187"/>
+            <a:off x="963084" y="2906713"/>
+            <a:ext cx="10363200" cy="1500187"/>
           </a:xfrm>
         </p:spPr>
         <p:txBody>
@@ -2825,8 +2845,8 @@
         </p:nvSpPr>
         <p:spPr>
           <a:xfrm>
-            <a:off x="1116013" y="1196975"/>
-            <a:ext cx="3708400" cy="5111750"/>
+            <a:off x="1488018" y="1196975"/>
+            <a:ext cx="4944533" cy="5111750"/>
           </a:xfrm>
         </p:spPr>
         <p:txBody>
@@ -2909,8 +2929,8 @@
         </p:nvSpPr>
         <p:spPr>
           <a:xfrm>
-            <a:off x="4976813" y="1196975"/>
-            <a:ext cx="3709987" cy="5111750"/>
+            <a:off x="6635752" y="1196975"/>
+            <a:ext cx="4946649" cy="5111750"/>
           </a:xfrm>
         </p:spPr>
         <p:txBody>
@@ -3053,8 +3073,8 @@
         </p:nvSpPr>
         <p:spPr>
           <a:xfrm>
-            <a:off x="457200" y="274638"/>
-            <a:ext cx="8229600" cy="1143000"/>
+            <a:off x="609600" y="274638"/>
+            <a:ext cx="10972800" cy="1143000"/>
           </a:xfrm>
         </p:spPr>
         <p:txBody>
@@ -3084,8 +3104,8 @@
         </p:nvSpPr>
         <p:spPr>
           <a:xfrm>
-            <a:off x="457200" y="1535113"/>
-            <a:ext cx="4040188" cy="639762"/>
+            <a:off x="609600" y="1535113"/>
+            <a:ext cx="5386917" cy="639762"/>
           </a:xfrm>
         </p:spPr>
         <p:txBody>
@@ -3149,8 +3169,8 @@
         </p:nvSpPr>
         <p:spPr>
           <a:xfrm>
-            <a:off x="457200" y="2174875"/>
-            <a:ext cx="4040188" cy="3951288"/>
+            <a:off x="609600" y="2174875"/>
+            <a:ext cx="5386917" cy="3951288"/>
           </a:xfrm>
         </p:spPr>
         <p:txBody>
@@ -3233,8 +3253,8 @@
         </p:nvSpPr>
         <p:spPr>
           <a:xfrm>
-            <a:off x="4645025" y="1535113"/>
-            <a:ext cx="4041775" cy="639762"/>
+            <a:off x="6193368" y="1535113"/>
+            <a:ext cx="5389033" cy="639762"/>
           </a:xfrm>
         </p:spPr>
         <p:txBody>
@@ -3298,8 +3318,8 @@
         </p:nvSpPr>
         <p:spPr>
           <a:xfrm>
-            <a:off x="4645025" y="2174875"/>
-            <a:ext cx="4041775" cy="3951288"/>
+            <a:off x="6193368" y="2174875"/>
+            <a:ext cx="5389033" cy="3951288"/>
           </a:xfrm>
         </p:spPr>
         <p:txBody>
@@ -3584,8 +3604,8 @@
         </p:nvSpPr>
         <p:spPr>
           <a:xfrm>
-            <a:off x="457200" y="273050"/>
-            <a:ext cx="3008313" cy="1162050"/>
+            <a:off x="609601" y="273050"/>
+            <a:ext cx="4011084" cy="1162050"/>
           </a:xfrm>
         </p:spPr>
         <p:txBody>
@@ -3615,8 +3635,8 @@
         </p:nvSpPr>
         <p:spPr>
           <a:xfrm>
-            <a:off x="3575050" y="273050"/>
-            <a:ext cx="5111750" cy="5853113"/>
+            <a:off x="4766733" y="273051"/>
+            <a:ext cx="6815667" cy="5853113"/>
           </a:xfrm>
         </p:spPr>
         <p:txBody>
@@ -3699,8 +3719,8 @@
         </p:nvSpPr>
         <p:spPr>
           <a:xfrm>
-            <a:off x="457200" y="1435100"/>
-            <a:ext cx="3008313" cy="4691063"/>
+            <a:off x="609601" y="1435101"/>
+            <a:ext cx="4011084" cy="4691063"/>
           </a:xfrm>
         </p:spPr>
         <p:txBody>
@@ -3957,8 +3977,8 @@
         </p:nvSpPr>
         <p:spPr>
           <a:xfrm>
-            <a:off x="1792288" y="4800600"/>
-            <a:ext cx="5486400" cy="566738"/>
+            <a:off x="2389717" y="4800600"/>
+            <a:ext cx="7315200" cy="566738"/>
           </a:xfrm>
         </p:spPr>
         <p:txBody>
@@ -3988,8 +4008,8 @@
         </p:nvSpPr>
         <p:spPr>
           <a:xfrm>
-            <a:off x="1792288" y="612775"/>
-            <a:ext cx="5486400" cy="4114800"/>
+            <a:off x="2389717" y="612775"/>
+            <a:ext cx="7315200" cy="4114800"/>
           </a:xfrm>
         </p:spPr>
         <p:txBody>
@@ -4050,8 +4070,8 @@
         </p:nvSpPr>
         <p:spPr>
           <a:xfrm>
-            <a:off x="1792288" y="5367338"/>
-            <a:ext cx="5486400" cy="804862"/>
+            <a:off x="2389717" y="5367338"/>
+            <a:ext cx="7315200" cy="804862"/>
           </a:xfrm>
         </p:spPr>
         <p:txBody>
@@ -4308,8 +4328,8 @@
         </p:nvSpPr>
         <p:spPr>
           <a:xfrm>
-            <a:off x="6794500" y="404813"/>
-            <a:ext cx="1892300" cy="5903912"/>
+            <a:off x="9059333" y="404813"/>
+            <a:ext cx="2523067" cy="5903912"/>
           </a:xfrm>
         </p:spPr>
         <p:txBody>
@@ -4335,8 +4355,8 @@
         </p:nvSpPr>
         <p:spPr>
           <a:xfrm>
-            <a:off x="1116013" y="404813"/>
-            <a:ext cx="5526087" cy="5903912"/>
+            <a:off x="1488018" y="404813"/>
+            <a:ext cx="7368116" cy="5903912"/>
           </a:xfrm>
         </p:spPr>
         <p:txBody>
@@ -4449,8 +4469,8 @@
         </p:nvSpPr>
         <p:spPr bwMode="auto">
           <a:xfrm>
-            <a:off x="0" y="1700213"/>
-            <a:ext cx="9144000" cy="3457575"/>
+            <a:off x="0" y="1700214"/>
+            <a:ext cx="12192000" cy="3457575"/>
           </a:xfrm>
           <a:prstGeom prst="rect">
             <a:avLst/>
@@ -4490,8 +4510,8 @@
         </p:nvGrpSpPr>
         <p:grpSpPr bwMode="auto">
           <a:xfrm>
-            <a:off x="2627313" y="1906588"/>
-            <a:ext cx="5868987" cy="2746375"/>
+            <a:off x="3503085" y="1906589"/>
+            <a:ext cx="7825316" cy="2746375"/>
             <a:chOff x="1045" y="1008"/>
             <a:chExt cx="4307" cy="2016"/>
           </a:xfrm>
@@ -4743,8 +4763,8 @@
         </p:nvSpPr>
         <p:spPr>
           <a:xfrm>
-            <a:off x="685800" y="1773238"/>
-            <a:ext cx="7772400" cy="1163637"/>
+            <a:off x="914400" y="1773239"/>
+            <a:ext cx="10363200" cy="1163637"/>
           </a:xfrm>
         </p:spPr>
         <p:txBody>
@@ -4781,8 +4801,8 @@
         </p:nvSpPr>
         <p:spPr>
           <a:xfrm>
-            <a:off x="2057400" y="3644900"/>
-            <a:ext cx="6400800" cy="647700"/>
+            <a:off x="2743200" y="3644900"/>
+            <a:ext cx="8534400" cy="647700"/>
           </a:xfrm>
         </p:spPr>
         <p:txBody>
@@ -5034,8 +5054,8 @@
         </p:nvSpPr>
         <p:spPr>
           <a:xfrm>
-            <a:off x="722313" y="4406900"/>
-            <a:ext cx="7772400" cy="1362075"/>
+            <a:off x="963084" y="4406901"/>
+            <a:ext cx="10363200" cy="1362075"/>
           </a:xfrm>
         </p:spPr>
         <p:txBody>
@@ -5065,8 +5085,8 @@
         </p:nvSpPr>
         <p:spPr>
           <a:xfrm>
-            <a:off x="722313" y="2906713"/>
-            <a:ext cx="7772400" cy="1500187"/>
+            <a:off x="963084" y="2906713"/>
+            <a:ext cx="10363200" cy="1500187"/>
           </a:xfrm>
         </p:spPr>
         <p:txBody>
@@ -5212,8 +5232,8 @@
         </p:nvSpPr>
         <p:spPr>
           <a:xfrm>
-            <a:off x="1116013" y="1196975"/>
-            <a:ext cx="3708400" cy="5111750"/>
+            <a:off x="1488018" y="1196975"/>
+            <a:ext cx="4944533" cy="5111750"/>
           </a:xfrm>
         </p:spPr>
         <p:txBody>
@@ -5296,8 +5316,8 @@
         </p:nvSpPr>
         <p:spPr>
           <a:xfrm>
-            <a:off x="4976813" y="1196975"/>
-            <a:ext cx="3709987" cy="5111750"/>
+            <a:off x="6635752" y="1196975"/>
+            <a:ext cx="4946649" cy="5111750"/>
           </a:xfrm>
         </p:spPr>
         <p:txBody>
@@ -5440,8 +5460,8 @@
         </p:nvSpPr>
         <p:spPr>
           <a:xfrm>
-            <a:off x="457200" y="274638"/>
-            <a:ext cx="8229600" cy="1143000"/>
+            <a:off x="609600" y="274638"/>
+            <a:ext cx="10972800" cy="1143000"/>
           </a:xfrm>
         </p:spPr>
         <p:txBody>
@@ -5471,8 +5491,8 @@
         </p:nvSpPr>
         <p:spPr>
           <a:xfrm>
-            <a:off x="457200" y="1535113"/>
-            <a:ext cx="4040188" cy="639762"/>
+            <a:off x="609600" y="1535113"/>
+            <a:ext cx="5386917" cy="639762"/>
           </a:xfrm>
         </p:spPr>
         <p:txBody>
@@ -5536,8 +5556,8 @@
         </p:nvSpPr>
         <p:spPr>
           <a:xfrm>
-            <a:off x="457200" y="2174875"/>
-            <a:ext cx="4040188" cy="3951288"/>
+            <a:off x="609600" y="2174875"/>
+            <a:ext cx="5386917" cy="3951288"/>
           </a:xfrm>
         </p:spPr>
         <p:txBody>
@@ -5620,8 +5640,8 @@
         </p:nvSpPr>
         <p:spPr>
           <a:xfrm>
-            <a:off x="4645025" y="1535113"/>
-            <a:ext cx="4041775" cy="639762"/>
+            <a:off x="6193368" y="1535113"/>
+            <a:ext cx="5389033" cy="639762"/>
           </a:xfrm>
         </p:spPr>
         <p:txBody>
@@ -5685,8 +5705,8 @@
         </p:nvSpPr>
         <p:spPr>
           <a:xfrm>
-            <a:off x="4645025" y="2174875"/>
-            <a:ext cx="4041775" cy="3951288"/>
+            <a:off x="6193368" y="2174875"/>
+            <a:ext cx="5389033" cy="3951288"/>
           </a:xfrm>
         </p:spPr>
         <p:txBody>
@@ -5971,8 +5991,8 @@
         </p:nvSpPr>
         <p:spPr>
           <a:xfrm>
-            <a:off x="722313" y="3489027"/>
-            <a:ext cx="7772400" cy="1362075"/>
+            <a:off x="963084" y="3489028"/>
+            <a:ext cx="10363200" cy="1362075"/>
           </a:xfrm>
         </p:spPr>
         <p:txBody>
@@ -6002,8 +6022,8 @@
         </p:nvSpPr>
         <p:spPr>
           <a:xfrm>
-            <a:off x="722313" y="1988840"/>
-            <a:ext cx="7772400" cy="1500187"/>
+            <a:off x="963084" y="1988841"/>
+            <a:ext cx="10363200" cy="1500187"/>
           </a:xfrm>
         </p:spPr>
         <p:txBody>
@@ -6127,8 +6147,8 @@
         </p:nvSpPr>
         <p:spPr>
           <a:xfrm>
-            <a:off x="457200" y="273050"/>
-            <a:ext cx="3008313" cy="1162050"/>
+            <a:off x="609601" y="273050"/>
+            <a:ext cx="4011084" cy="1162050"/>
           </a:xfrm>
         </p:spPr>
         <p:txBody>
@@ -6158,8 +6178,8 @@
         </p:nvSpPr>
         <p:spPr>
           <a:xfrm>
-            <a:off x="3575050" y="273050"/>
-            <a:ext cx="5111750" cy="5853113"/>
+            <a:off x="4766733" y="273051"/>
+            <a:ext cx="6815667" cy="5853113"/>
           </a:xfrm>
         </p:spPr>
         <p:txBody>
@@ -6242,8 +6262,8 @@
         </p:nvSpPr>
         <p:spPr>
           <a:xfrm>
-            <a:off x="457200" y="1435100"/>
-            <a:ext cx="3008313" cy="4691063"/>
+            <a:off x="609601" y="1435101"/>
+            <a:ext cx="4011084" cy="4691063"/>
           </a:xfrm>
         </p:spPr>
         <p:txBody>
@@ -6367,8 +6387,8 @@
         </p:nvSpPr>
         <p:spPr>
           <a:xfrm>
-            <a:off x="1792288" y="4800600"/>
-            <a:ext cx="5486400" cy="566738"/>
+            <a:off x="2389717" y="4800600"/>
+            <a:ext cx="7315200" cy="566738"/>
           </a:xfrm>
         </p:spPr>
         <p:txBody>
@@ -6398,8 +6418,8 @@
         </p:nvSpPr>
         <p:spPr>
           <a:xfrm>
-            <a:off x="1792288" y="612775"/>
-            <a:ext cx="5486400" cy="4114800"/>
+            <a:off x="2389717" y="612775"/>
+            <a:ext cx="7315200" cy="4114800"/>
           </a:xfrm>
         </p:spPr>
         <p:txBody>
@@ -6460,8 +6480,8 @@
         </p:nvSpPr>
         <p:spPr>
           <a:xfrm>
-            <a:off x="1792288" y="5367338"/>
-            <a:ext cx="5486400" cy="804862"/>
+            <a:off x="2389717" y="5367338"/>
+            <a:ext cx="7315200" cy="804862"/>
           </a:xfrm>
         </p:spPr>
         <p:txBody>
@@ -6718,8 +6738,8 @@
         </p:nvSpPr>
         <p:spPr>
           <a:xfrm>
-            <a:off x="6794500" y="404813"/>
-            <a:ext cx="1892300" cy="5903912"/>
+            <a:off x="9059333" y="404813"/>
+            <a:ext cx="2523067" cy="5903912"/>
           </a:xfrm>
         </p:spPr>
         <p:txBody>
@@ -6745,8 +6765,8 @@
         </p:nvSpPr>
         <p:spPr>
           <a:xfrm>
-            <a:off x="1116013" y="404813"/>
-            <a:ext cx="5526087" cy="5903912"/>
+            <a:off x="1488018" y="404813"/>
+            <a:ext cx="7368116" cy="5903912"/>
           </a:xfrm>
         </p:spPr>
         <p:txBody>
@@ -6859,8 +6879,8 @@
         </p:nvSpPr>
         <p:spPr bwMode="auto">
           <a:xfrm>
-            <a:off x="0" y="1700213"/>
-            <a:ext cx="9144000" cy="3457575"/>
+            <a:off x="0" y="1700214"/>
+            <a:ext cx="12192000" cy="3457575"/>
           </a:xfrm>
           <a:prstGeom prst="rect">
             <a:avLst/>
@@ -6900,8 +6920,8 @@
         </p:nvGrpSpPr>
         <p:grpSpPr bwMode="auto">
           <a:xfrm>
-            <a:off x="2627313" y="1906588"/>
-            <a:ext cx="5868987" cy="2746375"/>
+            <a:off x="3503085" y="1906589"/>
+            <a:ext cx="7825316" cy="2746375"/>
             <a:chOff x="1045" y="1008"/>
             <a:chExt cx="4307" cy="2016"/>
           </a:xfrm>
@@ -7153,8 +7173,8 @@
         </p:nvSpPr>
         <p:spPr>
           <a:xfrm>
-            <a:off x="685800" y="1773238"/>
-            <a:ext cx="7772400" cy="1163637"/>
+            <a:off x="914400" y="1773239"/>
+            <a:ext cx="10363200" cy="1163637"/>
           </a:xfrm>
         </p:spPr>
         <p:txBody>
@@ -7191,8 +7211,8 @@
         </p:nvSpPr>
         <p:spPr>
           <a:xfrm>
-            <a:off x="2057400" y="3644900"/>
-            <a:ext cx="6400800" cy="647700"/>
+            <a:off x="2743200" y="3644900"/>
+            <a:ext cx="8534400" cy="647700"/>
           </a:xfrm>
         </p:spPr>
         <p:txBody>
@@ -7383,8 +7403,8 @@
         </p:nvSpPr>
         <p:spPr>
           <a:xfrm>
-            <a:off x="722313" y="4406900"/>
-            <a:ext cx="7772400" cy="1362075"/>
+            <a:off x="963084" y="4406901"/>
+            <a:ext cx="10363200" cy="1362075"/>
           </a:xfrm>
         </p:spPr>
         <p:txBody>
@@ -7414,8 +7434,8 @@
         </p:nvSpPr>
         <p:spPr>
           <a:xfrm>
-            <a:off x="722313" y="2906713"/>
-            <a:ext cx="7772400" cy="1500187"/>
+            <a:off x="963084" y="2906713"/>
+            <a:ext cx="10363200" cy="1500187"/>
           </a:xfrm>
         </p:spPr>
         <p:txBody>
@@ -7561,8 +7581,8 @@
         </p:nvSpPr>
         <p:spPr>
           <a:xfrm>
-            <a:off x="1116013" y="1196975"/>
-            <a:ext cx="3708400" cy="5111750"/>
+            <a:off x="1488018" y="1196975"/>
+            <a:ext cx="4944533" cy="5111750"/>
           </a:xfrm>
         </p:spPr>
         <p:txBody>
@@ -7645,8 +7665,8 @@
         </p:nvSpPr>
         <p:spPr>
           <a:xfrm>
-            <a:off x="4976813" y="1196975"/>
-            <a:ext cx="3709987" cy="5111750"/>
+            <a:off x="6635752" y="1196975"/>
+            <a:ext cx="4946649" cy="5111750"/>
           </a:xfrm>
         </p:spPr>
         <p:txBody>
@@ -7789,8 +7809,8 @@
         </p:nvSpPr>
         <p:spPr>
           <a:xfrm>
-            <a:off x="457200" y="274638"/>
-            <a:ext cx="8229600" cy="1143000"/>
+            <a:off x="609600" y="274638"/>
+            <a:ext cx="10972800" cy="1143000"/>
           </a:xfrm>
         </p:spPr>
         <p:txBody>
@@ -7820,8 +7840,8 @@
         </p:nvSpPr>
         <p:spPr>
           <a:xfrm>
-            <a:off x="457200" y="1535113"/>
-            <a:ext cx="4040188" cy="639762"/>
+            <a:off x="609600" y="1535113"/>
+            <a:ext cx="5386917" cy="639762"/>
           </a:xfrm>
         </p:spPr>
         <p:txBody>
@@ -7885,8 +7905,8 @@
         </p:nvSpPr>
         <p:spPr>
           <a:xfrm>
-            <a:off x="457200" y="2174875"/>
-            <a:ext cx="4040188" cy="3951288"/>
+            <a:off x="609600" y="2174875"/>
+            <a:ext cx="5386917" cy="3951288"/>
           </a:xfrm>
         </p:spPr>
         <p:txBody>
@@ -7969,8 +7989,8 @@
         </p:nvSpPr>
         <p:spPr>
           <a:xfrm>
-            <a:off x="4645025" y="1535113"/>
-            <a:ext cx="4041775" cy="639762"/>
+            <a:off x="6193368" y="1535113"/>
+            <a:ext cx="5389033" cy="639762"/>
           </a:xfrm>
         </p:spPr>
         <p:txBody>
@@ -8034,8 +8054,8 @@
         </p:nvSpPr>
         <p:spPr>
           <a:xfrm>
-            <a:off x="4645025" y="2174875"/>
-            <a:ext cx="4041775" cy="3951288"/>
+            <a:off x="6193368" y="2174875"/>
+            <a:ext cx="5389033" cy="3951288"/>
           </a:xfrm>
         </p:spPr>
         <p:txBody>
@@ -8282,8 +8302,8 @@
         </p:nvSpPr>
         <p:spPr>
           <a:xfrm>
-            <a:off x="1116013" y="1557338"/>
-            <a:ext cx="3451225" cy="4392612"/>
+            <a:off x="1488018" y="1557338"/>
+            <a:ext cx="4601633" cy="4392612"/>
           </a:xfrm>
         </p:spPr>
         <p:txBody>
@@ -8366,8 +8386,8 @@
         </p:nvSpPr>
         <p:spPr>
           <a:xfrm>
-            <a:off x="4719638" y="1557338"/>
-            <a:ext cx="3452812" cy="4392612"/>
+            <a:off x="6292851" y="1557338"/>
+            <a:ext cx="4603749" cy="4392612"/>
           </a:xfrm>
         </p:spPr>
         <p:txBody>
@@ -8570,8 +8590,8 @@
         </p:nvSpPr>
         <p:spPr>
           <a:xfrm>
-            <a:off x="457200" y="273050"/>
-            <a:ext cx="3008313" cy="1162050"/>
+            <a:off x="609601" y="273050"/>
+            <a:ext cx="4011084" cy="1162050"/>
           </a:xfrm>
         </p:spPr>
         <p:txBody>
@@ -8601,8 +8621,8 @@
         </p:nvSpPr>
         <p:spPr>
           <a:xfrm>
-            <a:off x="3575050" y="273050"/>
-            <a:ext cx="5111750" cy="5853113"/>
+            <a:off x="4766733" y="273051"/>
+            <a:ext cx="6815667" cy="5853113"/>
           </a:xfrm>
         </p:spPr>
         <p:txBody>
@@ -8685,8 +8705,8 @@
         </p:nvSpPr>
         <p:spPr>
           <a:xfrm>
-            <a:off x="457200" y="1435100"/>
-            <a:ext cx="3008313" cy="4691063"/>
+            <a:off x="609601" y="1435101"/>
+            <a:ext cx="4011084" cy="4691063"/>
           </a:xfrm>
         </p:spPr>
         <p:txBody>
@@ -8810,8 +8830,8 @@
         </p:nvSpPr>
         <p:spPr>
           <a:xfrm>
-            <a:off x="1792288" y="4800600"/>
-            <a:ext cx="5486400" cy="566738"/>
+            <a:off x="2389717" y="4800600"/>
+            <a:ext cx="7315200" cy="566738"/>
           </a:xfrm>
         </p:spPr>
         <p:txBody>
@@ -8841,8 +8861,8 @@
         </p:nvSpPr>
         <p:spPr>
           <a:xfrm>
-            <a:off x="1792288" y="612775"/>
-            <a:ext cx="5486400" cy="4114800"/>
+            <a:off x="2389717" y="612775"/>
+            <a:ext cx="7315200" cy="4114800"/>
           </a:xfrm>
         </p:spPr>
         <p:txBody>
@@ -8903,8 +8923,8 @@
         </p:nvSpPr>
         <p:spPr>
           <a:xfrm>
-            <a:off x="1792288" y="5367338"/>
-            <a:ext cx="5486400" cy="804862"/>
+            <a:off x="2389717" y="5367338"/>
+            <a:ext cx="7315200" cy="804862"/>
           </a:xfrm>
         </p:spPr>
         <p:txBody>
@@ -9161,8 +9181,8 @@
         </p:nvSpPr>
         <p:spPr>
           <a:xfrm>
-            <a:off x="6794500" y="404813"/>
-            <a:ext cx="1892300" cy="5903912"/>
+            <a:off x="9059333" y="404813"/>
+            <a:ext cx="2523067" cy="5903912"/>
           </a:xfrm>
         </p:spPr>
         <p:txBody>
@@ -9188,8 +9208,8 @@
         </p:nvSpPr>
         <p:spPr>
           <a:xfrm>
-            <a:off x="1116013" y="404813"/>
-            <a:ext cx="5526087" cy="5903912"/>
+            <a:off x="1488018" y="404813"/>
+            <a:ext cx="7368116" cy="5903912"/>
           </a:xfrm>
         </p:spPr>
         <p:txBody>
@@ -9302,8 +9322,8 @@
         </p:nvSpPr>
         <p:spPr bwMode="auto">
           <a:xfrm>
-            <a:off x="0" y="1700213"/>
-            <a:ext cx="9144000" cy="3457575"/>
+            <a:off x="0" y="1700214"/>
+            <a:ext cx="12192000" cy="3457575"/>
           </a:xfrm>
           <a:prstGeom prst="rect">
             <a:avLst/>
@@ -9343,8 +9363,8 @@
         </p:nvGrpSpPr>
         <p:grpSpPr bwMode="auto">
           <a:xfrm>
-            <a:off x="2627313" y="1906588"/>
-            <a:ext cx="5868987" cy="2746375"/>
+            <a:off x="3503085" y="1906589"/>
+            <a:ext cx="7825316" cy="2746375"/>
             <a:chOff x="1045" y="1008"/>
             <a:chExt cx="4307" cy="2016"/>
           </a:xfrm>
@@ -9596,8 +9616,8 @@
         </p:nvSpPr>
         <p:spPr>
           <a:xfrm>
-            <a:off x="685800" y="1773238"/>
-            <a:ext cx="7772400" cy="1163637"/>
+            <a:off x="914400" y="1773239"/>
+            <a:ext cx="10363200" cy="1163637"/>
           </a:xfrm>
         </p:spPr>
         <p:txBody>
@@ -9634,8 +9654,8 @@
         </p:nvSpPr>
         <p:spPr>
           <a:xfrm>
-            <a:off x="2057400" y="3644900"/>
-            <a:ext cx="6400800" cy="647700"/>
+            <a:off x="2743200" y="3644900"/>
+            <a:ext cx="8534400" cy="647700"/>
           </a:xfrm>
         </p:spPr>
         <p:txBody>
@@ -9826,8 +9846,8 @@
         </p:nvSpPr>
         <p:spPr>
           <a:xfrm>
-            <a:off x="722313" y="4406900"/>
-            <a:ext cx="7772400" cy="1362075"/>
+            <a:off x="963084" y="4406901"/>
+            <a:ext cx="10363200" cy="1362075"/>
           </a:xfrm>
         </p:spPr>
         <p:txBody>
@@ -9857,8 +9877,8 @@
         </p:nvSpPr>
         <p:spPr>
           <a:xfrm>
-            <a:off x="722313" y="2906713"/>
-            <a:ext cx="7772400" cy="1500187"/>
+            <a:off x="963084" y="2906713"/>
+            <a:ext cx="10363200" cy="1500187"/>
           </a:xfrm>
         </p:spPr>
         <p:txBody>
@@ -10004,8 +10024,8 @@
         </p:nvSpPr>
         <p:spPr>
           <a:xfrm>
-            <a:off x="1116013" y="1196975"/>
-            <a:ext cx="3708400" cy="5111750"/>
+            <a:off x="1488018" y="1196975"/>
+            <a:ext cx="4944533" cy="5111750"/>
           </a:xfrm>
         </p:spPr>
         <p:txBody>
@@ -10088,8 +10108,8 @@
         </p:nvSpPr>
         <p:spPr>
           <a:xfrm>
-            <a:off x="4976813" y="1196975"/>
-            <a:ext cx="3709987" cy="5111750"/>
+            <a:off x="6635752" y="1196975"/>
+            <a:ext cx="4946649" cy="5111750"/>
           </a:xfrm>
         </p:spPr>
         <p:txBody>
@@ -10232,8 +10252,8 @@
         </p:nvSpPr>
         <p:spPr>
           <a:xfrm>
-            <a:off x="457200" y="274638"/>
-            <a:ext cx="8229600" cy="1143000"/>
+            <a:off x="609600" y="274638"/>
+            <a:ext cx="10972800" cy="1143000"/>
           </a:xfrm>
         </p:spPr>
         <p:txBody>
@@ -10263,8 +10283,8 @@
         </p:nvSpPr>
         <p:spPr>
           <a:xfrm>
-            <a:off x="457200" y="1535113"/>
-            <a:ext cx="4040188" cy="639762"/>
+            <a:off x="609600" y="1535113"/>
+            <a:ext cx="5386917" cy="639762"/>
           </a:xfrm>
         </p:spPr>
         <p:txBody>
@@ -10328,8 +10348,8 @@
         </p:nvSpPr>
         <p:spPr>
           <a:xfrm>
-            <a:off x="457200" y="2174875"/>
-            <a:ext cx="4040188" cy="3951288"/>
+            <a:off x="609600" y="2174875"/>
+            <a:ext cx="5386917" cy="3951288"/>
           </a:xfrm>
         </p:spPr>
         <p:txBody>
@@ -10412,8 +10432,8 @@
         </p:nvSpPr>
         <p:spPr>
           <a:xfrm>
-            <a:off x="4645025" y="1535113"/>
-            <a:ext cx="4041775" cy="639762"/>
+            <a:off x="6193368" y="1535113"/>
+            <a:ext cx="5389033" cy="639762"/>
           </a:xfrm>
         </p:spPr>
         <p:txBody>
@@ -10477,8 +10497,8 @@
         </p:nvSpPr>
         <p:spPr>
           <a:xfrm>
-            <a:off x="4645025" y="2174875"/>
-            <a:ext cx="4041775" cy="3951288"/>
+            <a:off x="6193368" y="2174875"/>
+            <a:ext cx="5389033" cy="3951288"/>
           </a:xfrm>
         </p:spPr>
         <p:txBody>
@@ -10621,8 +10641,8 @@
         </p:nvSpPr>
         <p:spPr>
           <a:xfrm>
-            <a:off x="457200" y="274638"/>
-            <a:ext cx="8229600" cy="1143000"/>
+            <a:off x="609600" y="274638"/>
+            <a:ext cx="10972800" cy="1143000"/>
           </a:xfrm>
         </p:spPr>
         <p:txBody>
@@ -10652,8 +10672,8 @@
         </p:nvSpPr>
         <p:spPr>
           <a:xfrm>
-            <a:off x="457200" y="1535113"/>
-            <a:ext cx="4040188" cy="639762"/>
+            <a:off x="609600" y="1535113"/>
+            <a:ext cx="5386917" cy="639762"/>
           </a:xfrm>
         </p:spPr>
         <p:txBody>
@@ -10717,8 +10737,8 @@
         </p:nvSpPr>
         <p:spPr>
           <a:xfrm>
-            <a:off x="457200" y="2174875"/>
-            <a:ext cx="4040188" cy="3951288"/>
+            <a:off x="609600" y="2174875"/>
+            <a:ext cx="5386917" cy="3951288"/>
           </a:xfrm>
         </p:spPr>
         <p:txBody>
@@ -10801,8 +10821,8 @@
         </p:nvSpPr>
         <p:spPr>
           <a:xfrm>
-            <a:off x="4645025" y="1535113"/>
-            <a:ext cx="4041775" cy="639762"/>
+            <a:off x="6193368" y="1535113"/>
+            <a:ext cx="5389033" cy="639762"/>
           </a:xfrm>
         </p:spPr>
         <p:txBody>
@@ -10866,8 +10886,8 @@
         </p:nvSpPr>
         <p:spPr>
           <a:xfrm>
-            <a:off x="4645025" y="2174875"/>
-            <a:ext cx="4041775" cy="3951288"/>
+            <a:off x="6193368" y="2174875"/>
+            <a:ext cx="5389033" cy="3951288"/>
           </a:xfrm>
         </p:spPr>
         <p:txBody>
@@ -11152,8 +11172,8 @@
         </p:nvSpPr>
         <p:spPr>
           <a:xfrm>
-            <a:off x="457200" y="273050"/>
-            <a:ext cx="3008313" cy="1162050"/>
+            <a:off x="609601" y="273050"/>
+            <a:ext cx="4011084" cy="1162050"/>
           </a:xfrm>
         </p:spPr>
         <p:txBody>
@@ -11183,8 +11203,8 @@
         </p:nvSpPr>
         <p:spPr>
           <a:xfrm>
-            <a:off x="3575050" y="273050"/>
-            <a:ext cx="5111750" cy="5853113"/>
+            <a:off x="4766733" y="273051"/>
+            <a:ext cx="6815667" cy="5853113"/>
           </a:xfrm>
         </p:spPr>
         <p:txBody>
@@ -11267,8 +11287,8 @@
         </p:nvSpPr>
         <p:spPr>
           <a:xfrm>
-            <a:off x="457200" y="1435100"/>
-            <a:ext cx="3008313" cy="4691063"/>
+            <a:off x="609601" y="1435101"/>
+            <a:ext cx="4011084" cy="4691063"/>
           </a:xfrm>
         </p:spPr>
         <p:txBody>
@@ -11392,8 +11412,8 @@
         </p:nvSpPr>
         <p:spPr>
           <a:xfrm>
-            <a:off x="1792288" y="4800600"/>
-            <a:ext cx="5486400" cy="566738"/>
+            <a:off x="2389717" y="4800600"/>
+            <a:ext cx="7315200" cy="566738"/>
           </a:xfrm>
         </p:spPr>
         <p:txBody>
@@ -11423,8 +11443,8 @@
         </p:nvSpPr>
         <p:spPr>
           <a:xfrm>
-            <a:off x="1792288" y="612775"/>
-            <a:ext cx="5486400" cy="4114800"/>
+            <a:off x="2389717" y="612775"/>
+            <a:ext cx="7315200" cy="4114800"/>
           </a:xfrm>
         </p:spPr>
         <p:txBody>
@@ -11485,8 +11505,8 @@
         </p:nvSpPr>
         <p:spPr>
           <a:xfrm>
-            <a:off x="1792288" y="5367338"/>
-            <a:ext cx="5486400" cy="804862"/>
+            <a:off x="2389717" y="5367338"/>
+            <a:ext cx="7315200" cy="804862"/>
           </a:xfrm>
         </p:spPr>
         <p:txBody>
@@ -11743,8 +11763,8 @@
         </p:nvSpPr>
         <p:spPr>
           <a:xfrm>
-            <a:off x="6794500" y="404813"/>
-            <a:ext cx="1892300" cy="5903912"/>
+            <a:off x="9059333" y="404813"/>
+            <a:ext cx="2523067" cy="5903912"/>
           </a:xfrm>
         </p:spPr>
         <p:txBody>
@@ -11770,8 +11790,8 @@
         </p:nvSpPr>
         <p:spPr>
           <a:xfrm>
-            <a:off x="1116013" y="404813"/>
-            <a:ext cx="5526087" cy="5903912"/>
+            <a:off x="1488018" y="404813"/>
+            <a:ext cx="7368116" cy="5903912"/>
           </a:xfrm>
         </p:spPr>
         <p:txBody>
@@ -11884,8 +11904,8 @@
         </p:nvSpPr>
         <p:spPr bwMode="auto">
           <a:xfrm>
-            <a:off x="0" y="1700213"/>
-            <a:ext cx="9144000" cy="3457575"/>
+            <a:off x="0" y="1700214"/>
+            <a:ext cx="12192000" cy="3457575"/>
           </a:xfrm>
           <a:prstGeom prst="rect">
             <a:avLst/>
@@ -11925,8 +11945,8 @@
         </p:nvGrpSpPr>
         <p:grpSpPr bwMode="auto">
           <a:xfrm>
-            <a:off x="2627313" y="1906588"/>
-            <a:ext cx="5868987" cy="2746375"/>
+            <a:off x="3503085" y="1906589"/>
+            <a:ext cx="7825316" cy="2746375"/>
             <a:chOff x="1045" y="1008"/>
             <a:chExt cx="4307" cy="2016"/>
           </a:xfrm>
@@ -12178,8 +12198,8 @@
         </p:nvSpPr>
         <p:spPr>
           <a:xfrm>
-            <a:off x="685800" y="1773238"/>
-            <a:ext cx="7772400" cy="1163637"/>
+            <a:off x="914400" y="1773239"/>
+            <a:ext cx="10363200" cy="1163637"/>
           </a:xfrm>
         </p:spPr>
         <p:txBody>
@@ -12216,8 +12236,8 @@
         </p:nvSpPr>
         <p:spPr>
           <a:xfrm>
-            <a:off x="2057400" y="3644900"/>
-            <a:ext cx="6400800" cy="647700"/>
+            <a:off x="2743200" y="3644900"/>
+            <a:ext cx="8534400" cy="647700"/>
           </a:xfrm>
         </p:spPr>
         <p:txBody>
@@ -12408,8 +12428,8 @@
         </p:nvSpPr>
         <p:spPr>
           <a:xfrm>
-            <a:off x="722313" y="4406900"/>
-            <a:ext cx="7772400" cy="1362075"/>
+            <a:off x="963084" y="4406901"/>
+            <a:ext cx="10363200" cy="1362075"/>
           </a:xfrm>
         </p:spPr>
         <p:txBody>
@@ -12439,8 +12459,8 @@
         </p:nvSpPr>
         <p:spPr>
           <a:xfrm>
-            <a:off x="722313" y="2906713"/>
-            <a:ext cx="7772400" cy="1500187"/>
+            <a:off x="963084" y="2906713"/>
+            <a:ext cx="10363200" cy="1500187"/>
           </a:xfrm>
         </p:spPr>
         <p:txBody>
@@ -12586,8 +12606,8 @@
         </p:nvSpPr>
         <p:spPr>
           <a:xfrm>
-            <a:off x="1116013" y="1196975"/>
-            <a:ext cx="3708400" cy="5111750"/>
+            <a:off x="1488018" y="1196975"/>
+            <a:ext cx="4944533" cy="5111750"/>
           </a:xfrm>
         </p:spPr>
         <p:txBody>
@@ -12670,8 +12690,8 @@
         </p:nvSpPr>
         <p:spPr>
           <a:xfrm>
-            <a:off x="4976813" y="1196975"/>
-            <a:ext cx="3709987" cy="5111750"/>
+            <a:off x="6635752" y="1196975"/>
+            <a:ext cx="4946649" cy="5111750"/>
           </a:xfrm>
         </p:spPr>
         <p:txBody>
@@ -12896,8 +12916,8 @@
         </p:nvSpPr>
         <p:spPr>
           <a:xfrm>
-            <a:off x="457200" y="274638"/>
-            <a:ext cx="8229600" cy="1143000"/>
+            <a:off x="609600" y="274638"/>
+            <a:ext cx="10972800" cy="1143000"/>
           </a:xfrm>
         </p:spPr>
         <p:txBody>
@@ -12927,8 +12947,8 @@
         </p:nvSpPr>
         <p:spPr>
           <a:xfrm>
-            <a:off x="457200" y="1535113"/>
-            <a:ext cx="4040188" cy="639762"/>
+            <a:off x="609600" y="1535113"/>
+            <a:ext cx="5386917" cy="639762"/>
           </a:xfrm>
         </p:spPr>
         <p:txBody>
@@ -12992,8 +13012,8 @@
         </p:nvSpPr>
         <p:spPr>
           <a:xfrm>
-            <a:off x="457200" y="2174875"/>
-            <a:ext cx="4040188" cy="3951288"/>
+            <a:off x="609600" y="2174875"/>
+            <a:ext cx="5386917" cy="3951288"/>
           </a:xfrm>
         </p:spPr>
         <p:txBody>
@@ -13076,8 +13096,8 @@
         </p:nvSpPr>
         <p:spPr>
           <a:xfrm>
-            <a:off x="4645025" y="1535113"/>
-            <a:ext cx="4041775" cy="639762"/>
+            <a:off x="6193368" y="1535113"/>
+            <a:ext cx="5389033" cy="639762"/>
           </a:xfrm>
         </p:spPr>
         <p:txBody>
@@ -13141,8 +13161,8 @@
         </p:nvSpPr>
         <p:spPr>
           <a:xfrm>
-            <a:off x="4645025" y="2174875"/>
-            <a:ext cx="4041775" cy="3951288"/>
+            <a:off x="6193368" y="2174875"/>
+            <a:ext cx="5389033" cy="3951288"/>
           </a:xfrm>
         </p:spPr>
         <p:txBody>
@@ -13427,8 +13447,8 @@
         </p:nvSpPr>
         <p:spPr>
           <a:xfrm>
-            <a:off x="457200" y="273050"/>
-            <a:ext cx="3008313" cy="1162050"/>
+            <a:off x="609601" y="273050"/>
+            <a:ext cx="4011084" cy="1162050"/>
           </a:xfrm>
         </p:spPr>
         <p:txBody>
@@ -13458,8 +13478,8 @@
         </p:nvSpPr>
         <p:spPr>
           <a:xfrm>
-            <a:off x="3575050" y="273050"/>
-            <a:ext cx="5111750" cy="5853113"/>
+            <a:off x="4766733" y="273051"/>
+            <a:ext cx="6815667" cy="5853113"/>
           </a:xfrm>
         </p:spPr>
         <p:txBody>
@@ -13542,8 +13562,8 @@
         </p:nvSpPr>
         <p:spPr>
           <a:xfrm>
-            <a:off x="457200" y="1435100"/>
-            <a:ext cx="3008313" cy="4691063"/>
+            <a:off x="609601" y="1435101"/>
+            <a:ext cx="4011084" cy="4691063"/>
           </a:xfrm>
         </p:spPr>
         <p:txBody>
@@ -13667,8 +13687,8 @@
         </p:nvSpPr>
         <p:spPr>
           <a:xfrm>
-            <a:off x="1792288" y="4800600"/>
-            <a:ext cx="5486400" cy="566738"/>
+            <a:off x="2389717" y="4800600"/>
+            <a:ext cx="7315200" cy="566738"/>
           </a:xfrm>
         </p:spPr>
         <p:txBody>
@@ -13698,8 +13718,8 @@
         </p:nvSpPr>
         <p:spPr>
           <a:xfrm>
-            <a:off x="1792288" y="612775"/>
-            <a:ext cx="5486400" cy="4114800"/>
+            <a:off x="2389717" y="612775"/>
+            <a:ext cx="7315200" cy="4114800"/>
           </a:xfrm>
         </p:spPr>
         <p:txBody>
@@ -13760,8 +13780,8 @@
         </p:nvSpPr>
         <p:spPr>
           <a:xfrm>
-            <a:off x="1792288" y="5367338"/>
-            <a:ext cx="5486400" cy="804862"/>
+            <a:off x="2389717" y="5367338"/>
+            <a:ext cx="7315200" cy="804862"/>
           </a:xfrm>
         </p:spPr>
         <p:txBody>
@@ -14018,8 +14038,8 @@
         </p:nvSpPr>
         <p:spPr>
           <a:xfrm>
-            <a:off x="6794500" y="404813"/>
-            <a:ext cx="1892300" cy="5903912"/>
+            <a:off x="9059333" y="404813"/>
+            <a:ext cx="2523067" cy="5903912"/>
           </a:xfrm>
         </p:spPr>
         <p:txBody>
@@ -14045,8 +14065,8 @@
         </p:nvSpPr>
         <p:spPr>
           <a:xfrm>
-            <a:off x="1116013" y="404813"/>
-            <a:ext cx="5526087" cy="5903912"/>
+            <a:off x="1488018" y="404813"/>
+            <a:ext cx="7368116" cy="5903912"/>
           </a:xfrm>
         </p:spPr>
         <p:txBody>
@@ -14161,8 +14181,8 @@
         </p:nvSpPr>
         <p:spPr>
           <a:xfrm>
-            <a:off x="866442" y="1447801"/>
-            <a:ext cx="6620968" cy="3329581"/>
+            <a:off x="1154955" y="1447800"/>
+            <a:ext cx="8825658" cy="3329581"/>
           </a:xfrm>
         </p:spPr>
         <p:txBody>
@@ -14193,8 +14213,8 @@
         </p:nvSpPr>
         <p:spPr>
           <a:xfrm>
-            <a:off x="866442" y="4777380"/>
-            <a:ext cx="6620968" cy="861420"/>
+            <a:off x="1154955" y="4777380"/>
+            <a:ext cx="8825658" cy="861420"/>
           </a:xfrm>
         </p:spPr>
         <p:txBody>
@@ -14317,8 +14337,8 @@
           <a:lstStyle/>
           <a:p>
             <a:fld id="{4AAD347D-5ACD-4C99-B74B-A9C85AD731AF}" type="datetimeFigureOut">
-              <a:rPr lang="en-US" dirty="0"/>
-              <a:t>6/14/2017</a:t>
+              <a:rPr lang="en-US" smtClean="0"/>
+              <a:t>7/19/2017</a:t>
             </a:fld>
             <a:endParaRPr lang="en-US" dirty="0"/>
           </a:p>
@@ -14359,7 +14379,7 @@
           <a:lstStyle/>
           <a:p>
             <a:fld id="{D57F1E4F-1CFF-5643-939E-02111984F565}" type="slidenum">
-              <a:rPr lang="en-US" dirty="0"/>
+              <a:rPr lang="en-US" smtClean="0"/>
               <a:t>‹#›</a:t>
             </a:fld>
             <a:endParaRPr lang="en-US" dirty="0"/>
@@ -14371,7 +14391,7 @@
           <p:cNvPr id="7" name="Rectangle 2" descr="浅色横线">
             <a:extLst>
               <a:ext uri="{FF2B5EF4-FFF2-40B4-BE49-F238E27FC236}">
-                <a16:creationId xmlns:a16="http://schemas.microsoft.com/office/drawing/2014/main" id="{66B55AD2-51FC-453F-802F-89A1E4B4B738}"/>
+                <a16:creationId xmlns:a16="http://schemas.microsoft.com/office/drawing/2014/main" id="{1FE7BFE9-91C2-4399-811E-A64AFCBD82DD}"/>
               </a:ext>
             </a:extLst>
           </p:cNvPr>
@@ -14382,8 +14402,8 @@
         </p:nvSpPr>
         <p:spPr bwMode="auto">
           <a:xfrm>
-            <a:off x="0" y="1700213"/>
-            <a:ext cx="9144000" cy="3457575"/>
+            <a:off x="0" y="1700214"/>
+            <a:ext cx="12192000" cy="3457575"/>
           </a:xfrm>
           <a:prstGeom prst="rect">
             <a:avLst/>
@@ -14416,7 +14436,7 @@
     </p:spTree>
     <p:extLst>
       <p:ext uri="{BB962C8B-B14F-4D97-AF65-F5344CB8AC3E}">
-        <p14:creationId xmlns:p14="http://schemas.microsoft.com/office/powerpoint/2010/main" val="1642216225"/>
+        <p14:creationId xmlns:p14="http://schemas.microsoft.com/office/powerpoint/2010/main" val="959005977"/>
       </p:ext>
     </p:extLst>
   </p:cSld>
@@ -14534,8 +14554,8 @@
           <a:lstStyle/>
           <a:p>
             <a:fld id="{4509A250-FF31-4206-8172-F9D3106AACB1}" type="datetimeFigureOut">
-              <a:rPr lang="en-US" dirty="0"/>
-              <a:t>6/14/2017</a:t>
+              <a:rPr lang="en-US" smtClean="0"/>
+              <a:t>7/19/2017</a:t>
             </a:fld>
             <a:endParaRPr lang="en-US" dirty="0"/>
           </a:p>
@@ -14592,7 +14612,7 @@
     </p:spTree>
     <p:extLst>
       <p:ext uri="{BB962C8B-B14F-4D97-AF65-F5344CB8AC3E}">
-        <p14:creationId xmlns:p14="http://schemas.microsoft.com/office/powerpoint/2010/main" val="4020592206"/>
+        <p14:creationId xmlns:p14="http://schemas.microsoft.com/office/powerpoint/2010/main" val="2576285652"/>
       </p:ext>
     </p:extLst>
   </p:cSld>
@@ -14631,8 +14651,8 @@
         </p:nvSpPr>
         <p:spPr>
           <a:xfrm>
-            <a:off x="866443" y="2861734"/>
-            <a:ext cx="6620967" cy="1915647"/>
+            <a:off x="1154956" y="2861733"/>
+            <a:ext cx="8825657" cy="1915647"/>
           </a:xfrm>
         </p:spPr>
         <p:txBody>
@@ -14663,8 +14683,8 @@
         </p:nvSpPr>
         <p:spPr>
           <a:xfrm>
-            <a:off x="866442" y="4777381"/>
-            <a:ext cx="6620968" cy="860400"/>
+            <a:off x="1154955" y="4777381"/>
+            <a:ext cx="8825658" cy="860400"/>
           </a:xfrm>
         </p:spPr>
         <p:txBody>
@@ -14787,8 +14807,8 @@
           <a:lstStyle/>
           <a:p>
             <a:fld id="{9796027F-7875-4030-9381-8BD8C4F21935}" type="datetimeFigureOut">
-              <a:rPr lang="en-US" dirty="0"/>
-              <a:t>6/14/2017</a:t>
+              <a:rPr lang="en-US" smtClean="0"/>
+              <a:t>7/19/2017</a:t>
             </a:fld>
             <a:endParaRPr lang="en-US" dirty="0"/>
           </a:p>
@@ -14845,7 +14865,7 @@
     </p:spTree>
     <p:extLst>
       <p:ext uri="{BB962C8B-B14F-4D97-AF65-F5344CB8AC3E}">
-        <p14:creationId xmlns:p14="http://schemas.microsoft.com/office/powerpoint/2010/main" val="3050407033"/>
+        <p14:creationId xmlns:p14="http://schemas.microsoft.com/office/powerpoint/2010/main" val="349227548"/>
       </p:ext>
     </p:extLst>
   </p:cSld>
@@ -14967,8 +14987,8 @@
         </p:nvSpPr>
         <p:spPr>
           <a:xfrm>
-            <a:off x="827700" y="2060576"/>
-            <a:ext cx="3298113" cy="4195763"/>
+            <a:off x="1103312" y="2060575"/>
+            <a:ext cx="4396339" cy="4195763"/>
           </a:xfrm>
         </p:spPr>
         <p:txBody>
@@ -15054,8 +15074,8 @@
         </p:nvSpPr>
         <p:spPr>
           <a:xfrm>
-            <a:off x="4241975" y="2056093"/>
-            <a:ext cx="3298115" cy="4200245"/>
+            <a:off x="5654493" y="2056092"/>
+            <a:ext cx="4396341" cy="4200245"/>
           </a:xfrm>
         </p:spPr>
         <p:txBody>
@@ -15145,8 +15165,8 @@
           <a:lstStyle/>
           <a:p>
             <a:fld id="{9796027F-7875-4030-9381-8BD8C4F21935}" type="datetimeFigureOut">
-              <a:rPr lang="en-US" dirty="0"/>
-              <a:t>6/14/2017</a:t>
+              <a:rPr lang="en-US" smtClean="0"/>
+              <a:t>7/19/2017</a:t>
             </a:fld>
             <a:endParaRPr lang="en-US" dirty="0"/>
           </a:p>
@@ -15203,7 +15223,7 @@
     </p:spTree>
     <p:extLst>
       <p:ext uri="{BB962C8B-B14F-4D97-AF65-F5344CB8AC3E}">
-        <p14:creationId xmlns:p14="http://schemas.microsoft.com/office/powerpoint/2010/main" val="3410269158"/>
+        <p14:creationId xmlns:p14="http://schemas.microsoft.com/office/powerpoint/2010/main" val="2073677200"/>
       </p:ext>
     </p:extLst>
   </p:cSld>
@@ -15269,8 +15289,8 @@
         </p:nvSpPr>
         <p:spPr>
           <a:xfrm>
-            <a:off x="827700" y="1905000"/>
-            <a:ext cx="3298112" cy="576262"/>
+            <a:off x="1103313" y="1905000"/>
+            <a:ext cx="4396338" cy="576262"/>
           </a:xfrm>
         </p:spPr>
         <p:txBody>
@@ -15343,8 +15363,8 @@
         </p:nvSpPr>
         <p:spPr>
           <a:xfrm>
-            <a:off x="827700" y="2514600"/>
-            <a:ext cx="3298113" cy="3741738"/>
+            <a:off x="1103312" y="2514600"/>
+            <a:ext cx="4396339" cy="3741738"/>
           </a:xfrm>
         </p:spPr>
         <p:txBody>
@@ -15430,8 +15450,8 @@
         </p:nvSpPr>
         <p:spPr>
           <a:xfrm>
-            <a:off x="4241976" y="1905000"/>
-            <a:ext cx="3298113" cy="576262"/>
+            <a:off x="5654495" y="1905000"/>
+            <a:ext cx="4396339" cy="576262"/>
           </a:xfrm>
         </p:spPr>
         <p:txBody>
@@ -15504,8 +15524,8 @@
         </p:nvSpPr>
         <p:spPr>
           <a:xfrm>
-            <a:off x="4241976" y="2514600"/>
-            <a:ext cx="3298113" cy="3741738"/>
+            <a:off x="5654495" y="2514600"/>
+            <a:ext cx="4396339" cy="3741738"/>
           </a:xfrm>
         </p:spPr>
         <p:txBody>
@@ -15595,8 +15615,8 @@
           <a:lstStyle/>
           <a:p>
             <a:fld id="{9796027F-7875-4030-9381-8BD8C4F21935}" type="datetimeFigureOut">
-              <a:rPr lang="en-US" dirty="0"/>
-              <a:t>6/14/2017</a:t>
+              <a:rPr lang="en-US" smtClean="0"/>
+              <a:t>7/19/2017</a:t>
             </a:fld>
             <a:endParaRPr lang="en-US" dirty="0"/>
           </a:p>
@@ -15653,7 +15673,7 @@
     </p:spTree>
     <p:extLst>
       <p:ext uri="{BB962C8B-B14F-4D97-AF65-F5344CB8AC3E}">
-        <p14:creationId xmlns:p14="http://schemas.microsoft.com/office/powerpoint/2010/main" val="1350999319"/>
+        <p14:creationId xmlns:p14="http://schemas.microsoft.com/office/powerpoint/2010/main" val="3517100979"/>
       </p:ext>
     </p:extLst>
   </p:cSld>
@@ -15719,8 +15739,8 @@
           <a:lstStyle/>
           <a:p>
             <a:fld id="{4509A250-FF31-4206-8172-F9D3106AACB1}" type="datetimeFigureOut">
-              <a:rPr lang="en-US" dirty="0"/>
-              <a:t>6/14/2017</a:t>
+              <a:rPr lang="en-US" smtClean="0"/>
+              <a:t>7/19/2017</a:t>
             </a:fld>
             <a:endParaRPr lang="en-US" dirty="0"/>
           </a:p>
@@ -15777,7 +15797,7 @@
     </p:spTree>
     <p:extLst>
       <p:ext uri="{BB962C8B-B14F-4D97-AF65-F5344CB8AC3E}">
-        <p14:creationId xmlns:p14="http://schemas.microsoft.com/office/powerpoint/2010/main" val="1711008432"/>
+        <p14:creationId xmlns:p14="http://schemas.microsoft.com/office/powerpoint/2010/main" val="1729848011"/>
       </p:ext>
     </p:extLst>
   </p:cSld>
@@ -15820,8 +15840,8 @@
           <a:lstStyle/>
           <a:p>
             <a:fld id="{4509A250-FF31-4206-8172-F9D3106AACB1}" type="datetimeFigureOut">
-              <a:rPr lang="en-US" dirty="0"/>
-              <a:t>6/14/2017</a:t>
+              <a:rPr lang="en-US" smtClean="0"/>
+              <a:t>7/19/2017</a:t>
             </a:fld>
             <a:endParaRPr lang="en-US" dirty="0"/>
           </a:p>
@@ -15878,7 +15898,7 @@
     </p:spTree>
     <p:extLst>
       <p:ext uri="{BB962C8B-B14F-4D97-AF65-F5344CB8AC3E}">
-        <p14:creationId xmlns:p14="http://schemas.microsoft.com/office/powerpoint/2010/main" val="281582844"/>
+        <p14:creationId xmlns:p14="http://schemas.microsoft.com/office/powerpoint/2010/main" val="4069400016"/>
       </p:ext>
     </p:extLst>
   </p:cSld>
@@ -15917,8 +15937,8 @@
         </p:nvSpPr>
         <p:spPr>
           <a:xfrm>
-            <a:off x="866441" y="1447800"/>
-            <a:ext cx="2551462" cy="1447800"/>
+            <a:off x="1154953" y="1447800"/>
+            <a:ext cx="3401064" cy="1447800"/>
           </a:xfrm>
         </p:spPr>
         <p:txBody>
@@ -15949,8 +15969,8 @@
         </p:nvSpPr>
         <p:spPr>
           <a:xfrm>
-            <a:off x="3589397" y="1447800"/>
-            <a:ext cx="3898013" cy="4572000"/>
+            <a:off x="4784616" y="1447800"/>
+            <a:ext cx="5195997" cy="4572000"/>
           </a:xfrm>
         </p:spPr>
         <p:txBody>
@@ -16036,8 +16056,8 @@
         </p:nvSpPr>
         <p:spPr>
           <a:xfrm>
-            <a:off x="866441" y="3129281"/>
-            <a:ext cx="2551462" cy="2895599"/>
+            <a:off x="1154953" y="3129280"/>
+            <a:ext cx="3401063" cy="2895599"/>
           </a:xfrm>
         </p:spPr>
         <p:txBody>
@@ -16105,8 +16125,8 @@
           <a:lstStyle/>
           <a:p>
             <a:fld id="{4509A250-FF31-4206-8172-F9D3106AACB1}" type="datetimeFigureOut">
-              <a:rPr lang="en-US" dirty="0"/>
-              <a:t>6/14/2017</a:t>
+              <a:rPr lang="en-US" smtClean="0"/>
+              <a:t>7/19/2017</a:t>
             </a:fld>
             <a:endParaRPr lang="en-US" dirty="0"/>
           </a:p>
@@ -16163,7 +16183,7 @@
     </p:spTree>
     <p:extLst>
       <p:ext uri="{BB962C8B-B14F-4D97-AF65-F5344CB8AC3E}">
-        <p14:creationId xmlns:p14="http://schemas.microsoft.com/office/powerpoint/2010/main" val="309500185"/>
+        <p14:creationId xmlns:p14="http://schemas.microsoft.com/office/powerpoint/2010/main" val="3654359582"/>
       </p:ext>
     </p:extLst>
   </p:cSld>
@@ -16202,8 +16222,8 @@
         </p:nvSpPr>
         <p:spPr>
           <a:xfrm>
-            <a:off x="865656" y="1854192"/>
-            <a:ext cx="3820674" cy="1574808"/>
+            <a:off x="1153907" y="1854192"/>
+            <a:ext cx="5092906" cy="1574808"/>
           </a:xfrm>
         </p:spPr>
         <p:txBody>
@@ -16236,8 +16256,8 @@
         </p:nvSpPr>
         <p:spPr>
           <a:xfrm>
-            <a:off x="5213517" y="1143000"/>
-            <a:ext cx="2400925" cy="4572000"/>
+            <a:off x="6949546" y="1143000"/>
+            <a:ext cx="3200400" cy="4572000"/>
           </a:xfrm>
           <a:prstGeom prst="roundRect">
             <a:avLst>
@@ -16315,8 +16335,8 @@
         </p:nvSpPr>
         <p:spPr>
           <a:xfrm>
-            <a:off x="866441" y="3657600"/>
-            <a:ext cx="3814728" cy="1371600"/>
+            <a:off x="1154954" y="3657600"/>
+            <a:ext cx="5084979" cy="1371600"/>
           </a:xfrm>
         </p:spPr>
         <p:txBody>
@@ -16386,8 +16406,8 @@
           <a:lstStyle/>
           <a:p>
             <a:fld id="{4509A250-FF31-4206-8172-F9D3106AACB1}" type="datetimeFigureOut">
-              <a:rPr lang="en-US" dirty="0"/>
-              <a:t>6/14/2017</a:t>
+              <a:rPr lang="en-US" smtClean="0"/>
+              <a:t>7/19/2017</a:t>
             </a:fld>
             <a:endParaRPr lang="en-US" dirty="0"/>
           </a:p>
@@ -16444,7 +16464,7 @@
     </p:spTree>
     <p:extLst>
       <p:ext uri="{BB962C8B-B14F-4D97-AF65-F5344CB8AC3E}">
-        <p14:creationId xmlns:p14="http://schemas.microsoft.com/office/powerpoint/2010/main" val="560612428"/>
+        <p14:creationId xmlns:p14="http://schemas.microsoft.com/office/powerpoint/2010/main" val="775879338"/>
       </p:ext>
     </p:extLst>
   </p:cSld>
@@ -16483,8 +16503,8 @@
         </p:nvSpPr>
         <p:spPr>
           <a:xfrm>
-            <a:off x="866443" y="4800587"/>
-            <a:ext cx="6620967" cy="566738"/>
+            <a:off x="1154956" y="4800587"/>
+            <a:ext cx="8825657" cy="566738"/>
           </a:xfrm>
         </p:spPr>
         <p:txBody>
@@ -16517,8 +16537,8 @@
         </p:nvSpPr>
         <p:spPr>
           <a:xfrm>
-            <a:off x="866442" y="685800"/>
-            <a:ext cx="6620968" cy="3640666"/>
+            <a:off x="1154955" y="685800"/>
+            <a:ext cx="8825658" cy="3640666"/>
           </a:xfrm>
           <a:prstGeom prst="roundRect">
             <a:avLst>
@@ -16596,8 +16616,8 @@
         </p:nvSpPr>
         <p:spPr>
           <a:xfrm>
-            <a:off x="866443" y="5367325"/>
-            <a:ext cx="6620966" cy="493712"/>
+            <a:off x="1154956" y="5367325"/>
+            <a:ext cx="8825656" cy="493712"/>
           </a:xfrm>
         </p:spPr>
         <p:txBody>
@@ -16667,8 +16687,8 @@
           <a:lstStyle/>
           <a:p>
             <a:fld id="{4509A250-FF31-4206-8172-F9D3106AACB1}" type="datetimeFigureOut">
-              <a:rPr lang="en-US" dirty="0"/>
-              <a:t>6/14/2017</a:t>
+              <a:rPr lang="en-US" smtClean="0"/>
+              <a:t>7/19/2017</a:t>
             </a:fld>
             <a:endParaRPr lang="en-US" dirty="0"/>
           </a:p>
@@ -16725,7 +16745,7 @@
     </p:spTree>
     <p:extLst>
       <p:ext uri="{BB962C8B-B14F-4D97-AF65-F5344CB8AC3E}">
-        <p14:creationId xmlns:p14="http://schemas.microsoft.com/office/powerpoint/2010/main" val="3702697677"/>
+        <p14:creationId xmlns:p14="http://schemas.microsoft.com/office/powerpoint/2010/main" val="2045059717"/>
       </p:ext>
     </p:extLst>
   </p:cSld>
@@ -16765,8 +16785,8 @@
         </p:nvSpPr>
         <p:spPr>
           <a:xfrm>
-            <a:off x="866442" y="1447800"/>
-            <a:ext cx="6620968" cy="1981200"/>
+            <a:off x="1154954" y="1447800"/>
+            <a:ext cx="8825659" cy="1981200"/>
           </a:xfrm>
         </p:spPr>
         <p:txBody>
@@ -16797,8 +16817,8 @@
         </p:nvSpPr>
         <p:spPr>
           <a:xfrm>
-            <a:off x="866442" y="3657600"/>
-            <a:ext cx="6620968" cy="2362200"/>
+            <a:off x="1154954" y="3657600"/>
+            <a:ext cx="8825659" cy="2362200"/>
           </a:xfrm>
         </p:spPr>
         <p:txBody>
@@ -16868,8 +16888,8 @@
           <a:lstStyle/>
           <a:p>
             <a:fld id="{4509A250-FF31-4206-8172-F9D3106AACB1}" type="datetimeFigureOut">
-              <a:rPr lang="en-US" dirty="0"/>
-              <a:t>6/14/2017</a:t>
+              <a:rPr lang="en-US" smtClean="0"/>
+              <a:t>7/19/2017</a:t>
             </a:fld>
             <a:endParaRPr lang="en-US" dirty="0"/>
           </a:p>
@@ -16926,7 +16946,7 @@
     </p:spTree>
     <p:extLst>
       <p:ext uri="{BB962C8B-B14F-4D97-AF65-F5344CB8AC3E}">
-        <p14:creationId xmlns:p14="http://schemas.microsoft.com/office/powerpoint/2010/main" val="2582961302"/>
+        <p14:creationId xmlns:p14="http://schemas.microsoft.com/office/powerpoint/2010/main" val="1159478063"/>
       </p:ext>
     </p:extLst>
   </p:cSld>
@@ -16966,8 +16986,8 @@
         </p:nvSpPr>
         <p:spPr>
           <a:xfrm>
-            <a:off x="1181409" y="1447800"/>
-            <a:ext cx="6001049" cy="2323374"/>
+            <a:off x="1574801" y="1447800"/>
+            <a:ext cx="7999315" cy="2323374"/>
           </a:xfrm>
         </p:spPr>
         <p:txBody>
@@ -16998,8 +17018,8 @@
         </p:nvSpPr>
         <p:spPr>
           <a:xfrm>
-            <a:off x="1448177" y="3771174"/>
-            <a:ext cx="5461159" cy="342174"/>
+            <a:off x="1930400" y="3771174"/>
+            <a:ext cx="7279649" cy="342174"/>
           </a:xfrm>
         </p:spPr>
         <p:txBody>
@@ -17077,8 +17097,8 @@
         </p:nvSpPr>
         <p:spPr>
           <a:xfrm>
-            <a:off x="866442" y="4350657"/>
-            <a:ext cx="6620968" cy="1676400"/>
+            <a:off x="1154954" y="4350657"/>
+            <a:ext cx="8825659" cy="1676400"/>
           </a:xfrm>
         </p:spPr>
         <p:txBody>
@@ -17148,8 +17168,8 @@
           <a:lstStyle/>
           <a:p>
             <a:fld id="{4509A250-FF31-4206-8172-F9D3106AACB1}" type="datetimeFigureOut">
-              <a:rPr lang="en-US" dirty="0"/>
-              <a:t>6/14/2017</a:t>
+              <a:rPr lang="en-US" smtClean="0"/>
+              <a:t>7/19/2017</a:t>
             </a:fld>
             <a:endParaRPr lang="en-US" dirty="0"/>
           </a:p>
@@ -17211,8 +17231,8 @@
         </p:nvSpPr>
         <p:spPr>
           <a:xfrm>
-            <a:off x="673897" y="971253"/>
-            <a:ext cx="601591" cy="1969770"/>
+            <a:off x="898295" y="971253"/>
+            <a:ext cx="801912" cy="1969770"/>
           </a:xfrm>
           <a:prstGeom prst="rect">
             <a:avLst/>
@@ -17244,7 +17264,7 @@
           <a:p>
             <a:pPr lvl="0"/>
             <a:r>
-              <a:rPr lang="en-US" sz="12200" dirty="0"/>
+              <a:rPr lang="en-US" dirty="0"/>
               <a:t>“</a:t>
             </a:r>
           </a:p>
@@ -17258,8 +17278,8 @@
         </p:nvSpPr>
         <p:spPr>
           <a:xfrm>
-            <a:off x="6999690" y="2613787"/>
-            <a:ext cx="601591" cy="1969770"/>
+            <a:off x="9330490" y="2613787"/>
+            <a:ext cx="801912" cy="1969770"/>
           </a:xfrm>
           <a:prstGeom prst="rect">
             <a:avLst/>
@@ -17291,7 +17311,7 @@
           <a:p>
             <a:pPr lvl="0"/>
             <a:r>
-              <a:rPr lang="en-US" sz="12200" dirty="0"/>
+              <a:rPr lang="en-US" dirty="0"/>
               <a:t>”</a:t>
             </a:r>
           </a:p>
@@ -17300,7 +17320,7 @@
     </p:spTree>
     <p:extLst>
       <p:ext uri="{BB962C8B-B14F-4D97-AF65-F5344CB8AC3E}">
-        <p14:creationId xmlns:p14="http://schemas.microsoft.com/office/powerpoint/2010/main" val="1704698951"/>
+        <p14:creationId xmlns:p14="http://schemas.microsoft.com/office/powerpoint/2010/main" val="1876834614"/>
       </p:ext>
     </p:extLst>
   </p:cSld>
@@ -17340,8 +17360,8 @@
         </p:nvSpPr>
         <p:spPr>
           <a:xfrm>
-            <a:off x="866441" y="3124201"/>
-            <a:ext cx="6620969" cy="1653180"/>
+            <a:off x="1154954" y="3124201"/>
+            <a:ext cx="8825660" cy="1653180"/>
           </a:xfrm>
         </p:spPr>
         <p:txBody>
@@ -17372,8 +17392,8 @@
         </p:nvSpPr>
         <p:spPr>
           <a:xfrm>
-            <a:off x="866442" y="4777381"/>
-            <a:ext cx="6620968" cy="860400"/>
+            <a:off x="1154954" y="4777381"/>
+            <a:ext cx="8825659" cy="860400"/>
           </a:xfrm>
         </p:spPr>
         <p:txBody>
@@ -17496,8 +17516,8 @@
           <a:lstStyle/>
           <a:p>
             <a:fld id="{4509A250-FF31-4206-8172-F9D3106AACB1}" type="datetimeFigureOut">
-              <a:rPr lang="en-US" dirty="0"/>
-              <a:t>6/14/2017</a:t>
+              <a:rPr lang="en-US" smtClean="0"/>
+              <a:t>7/19/2017</a:t>
             </a:fld>
             <a:endParaRPr lang="en-US" dirty="0"/>
           </a:p>
@@ -17554,7 +17574,7 @@
     </p:spTree>
     <p:extLst>
       <p:ext uri="{BB962C8B-B14F-4D97-AF65-F5344CB8AC3E}">
-        <p14:creationId xmlns:p14="http://schemas.microsoft.com/office/powerpoint/2010/main" val="4055339016"/>
+        <p14:creationId xmlns:p14="http://schemas.microsoft.com/office/powerpoint/2010/main" val="799061932"/>
       </p:ext>
     </p:extLst>
   </p:cSld>
@@ -17594,8 +17614,8 @@
         </p:nvSpPr>
         <p:spPr>
           <a:xfrm>
-            <a:off x="457200" y="273050"/>
-            <a:ext cx="3008313" cy="1162050"/>
+            <a:off x="609601" y="273050"/>
+            <a:ext cx="4011084" cy="1162050"/>
           </a:xfrm>
         </p:spPr>
         <p:txBody>
@@ -17625,8 +17645,8 @@
         </p:nvSpPr>
         <p:spPr>
           <a:xfrm>
-            <a:off x="3575050" y="273050"/>
-            <a:ext cx="5111750" cy="5853113"/>
+            <a:off x="4766733" y="273051"/>
+            <a:ext cx="6815667" cy="5853113"/>
           </a:xfrm>
         </p:spPr>
         <p:txBody>
@@ -17709,8 +17729,8 @@
         </p:nvSpPr>
         <p:spPr>
           <a:xfrm>
-            <a:off x="457200" y="1435100"/>
-            <a:ext cx="3008313" cy="4691063"/>
+            <a:off x="609601" y="1435101"/>
+            <a:ext cx="4011084" cy="4691063"/>
           </a:xfrm>
         </p:spPr>
         <p:txBody>
@@ -17861,8 +17881,8 @@
         </p:nvSpPr>
         <p:spPr>
           <a:xfrm>
-            <a:off x="474834" y="1981200"/>
-            <a:ext cx="2210725" cy="576262"/>
+            <a:off x="632947" y="1981200"/>
+            <a:ext cx="2946866" cy="576262"/>
           </a:xfrm>
         </p:spPr>
         <p:txBody>
@@ -17935,8 +17955,8 @@
         </p:nvSpPr>
         <p:spPr>
           <a:xfrm>
-            <a:off x="489475" y="2667000"/>
-            <a:ext cx="2196084" cy="3589338"/>
+            <a:off x="652463" y="2667000"/>
+            <a:ext cx="2927350" cy="3589338"/>
           </a:xfrm>
         </p:spPr>
         <p:txBody>
@@ -18002,8 +18022,8 @@
         </p:nvSpPr>
         <p:spPr>
           <a:xfrm>
-            <a:off x="2913504" y="1981200"/>
-            <a:ext cx="2202754" cy="576262"/>
+            <a:off x="3883659" y="1981200"/>
+            <a:ext cx="2936241" cy="576262"/>
           </a:xfrm>
         </p:spPr>
         <p:txBody>
@@ -18076,8 +18096,8 @@
         </p:nvSpPr>
         <p:spPr>
           <a:xfrm>
-            <a:off x="2905586" y="2667000"/>
-            <a:ext cx="2210671" cy="3589338"/>
+            <a:off x="3873106" y="2667000"/>
+            <a:ext cx="2946794" cy="3589338"/>
           </a:xfrm>
         </p:spPr>
         <p:txBody>
@@ -18143,8 +18163,8 @@
         </p:nvSpPr>
         <p:spPr>
           <a:xfrm>
-            <a:off x="5344917" y="1981200"/>
-            <a:ext cx="2199658" cy="576262"/>
+            <a:off x="7124700" y="1981200"/>
+            <a:ext cx="2932113" cy="576262"/>
           </a:xfrm>
         </p:spPr>
         <p:txBody>
@@ -18217,8 +18237,8 @@
         </p:nvSpPr>
         <p:spPr>
           <a:xfrm>
-            <a:off x="5344917" y="2667000"/>
-            <a:ext cx="2199658" cy="3589338"/>
+            <a:off x="7124700" y="2667000"/>
+            <a:ext cx="2932113" cy="3589338"/>
           </a:xfrm>
         </p:spPr>
         <p:txBody>
@@ -18280,7 +18300,7 @@
         </p:nvCxnSpPr>
         <p:spPr>
           <a:xfrm>
-            <a:off x="2795334" y="2133600"/>
+            <a:off x="3726142" y="2133600"/>
             <a:ext cx="0" cy="3962400"/>
           </a:xfrm>
           <a:prstGeom prst="line">
@@ -18319,7 +18339,7 @@
         </p:nvCxnSpPr>
         <p:spPr>
           <a:xfrm>
-            <a:off x="5223030" y="2133600"/>
+            <a:off x="6962227" y="2133600"/>
             <a:ext cx="0" cy="3966882"/>
           </a:xfrm>
           <a:prstGeom prst="line">
@@ -18366,8 +18386,8 @@
           <a:lstStyle/>
           <a:p>
             <a:fld id="{4509A250-FF31-4206-8172-F9D3106AACB1}" type="datetimeFigureOut">
-              <a:rPr lang="en-US" dirty="0"/>
-              <a:t>6/14/2017</a:t>
+              <a:rPr lang="en-US" smtClean="0"/>
+              <a:t>7/19/2017</a:t>
             </a:fld>
             <a:endParaRPr lang="en-US" dirty="0"/>
           </a:p>
@@ -18424,7 +18444,7 @@
     </p:spTree>
     <p:extLst>
       <p:ext uri="{BB962C8B-B14F-4D97-AF65-F5344CB8AC3E}">
-        <p14:creationId xmlns:p14="http://schemas.microsoft.com/office/powerpoint/2010/main" val="1045731507"/>
+        <p14:creationId xmlns:p14="http://schemas.microsoft.com/office/powerpoint/2010/main" val="77178550"/>
       </p:ext>
     </p:extLst>
   </p:cSld>
@@ -18491,8 +18511,8 @@
         </p:nvSpPr>
         <p:spPr>
           <a:xfrm>
-            <a:off x="489475" y="4250949"/>
-            <a:ext cx="2205612" cy="576262"/>
+            <a:off x="652463" y="4250949"/>
+            <a:ext cx="2940050" cy="576262"/>
           </a:xfrm>
         </p:spPr>
         <p:txBody>
@@ -18565,8 +18585,8 @@
         </p:nvSpPr>
         <p:spPr>
           <a:xfrm>
-            <a:off x="489475" y="2209800"/>
-            <a:ext cx="2205612" cy="1524000"/>
+            <a:off x="652463" y="2209800"/>
+            <a:ext cx="2940050" cy="1524000"/>
           </a:xfrm>
           <a:prstGeom prst="roundRect">
             <a:avLst>
@@ -18644,8 +18664,8 @@
         </p:nvSpPr>
         <p:spPr>
           <a:xfrm>
-            <a:off x="489475" y="4827212"/>
-            <a:ext cx="2205612" cy="659189"/>
+            <a:off x="652463" y="4827211"/>
+            <a:ext cx="2940050" cy="659189"/>
           </a:xfrm>
         </p:spPr>
         <p:txBody>
@@ -18711,8 +18731,8 @@
         </p:nvSpPr>
         <p:spPr>
           <a:xfrm>
-            <a:off x="2917792" y="4250949"/>
-            <a:ext cx="2198466" cy="576262"/>
+            <a:off x="3889375" y="4250949"/>
+            <a:ext cx="2930525" cy="576262"/>
           </a:xfrm>
         </p:spPr>
         <p:txBody>
@@ -18785,8 +18805,8 @@
         </p:nvSpPr>
         <p:spPr>
           <a:xfrm>
-            <a:off x="2917791" y="2209800"/>
-            <a:ext cx="2198466" cy="1524000"/>
+            <a:off x="3889374" y="2209800"/>
+            <a:ext cx="2930525" cy="1524000"/>
           </a:xfrm>
           <a:prstGeom prst="roundRect">
             <a:avLst>
@@ -18864,8 +18884,8 @@
         </p:nvSpPr>
         <p:spPr>
           <a:xfrm>
-            <a:off x="2916776" y="4827211"/>
-            <a:ext cx="2201378" cy="659189"/>
+            <a:off x="3888022" y="4827210"/>
+            <a:ext cx="2934406" cy="659189"/>
           </a:xfrm>
         </p:spPr>
         <p:txBody>
@@ -18931,8 +18951,8 @@
         </p:nvSpPr>
         <p:spPr>
           <a:xfrm>
-            <a:off x="5344917" y="4250949"/>
-            <a:ext cx="2199658" cy="576262"/>
+            <a:off x="7124700" y="4250949"/>
+            <a:ext cx="2932113" cy="576262"/>
           </a:xfrm>
         </p:spPr>
         <p:txBody>
@@ -19005,8 +19025,8 @@
         </p:nvSpPr>
         <p:spPr>
           <a:xfrm>
-            <a:off x="5344916" y="2209800"/>
-            <a:ext cx="2199658" cy="1524000"/>
+            <a:off x="7124699" y="2209800"/>
+            <a:ext cx="2932113" cy="1524000"/>
           </a:xfrm>
           <a:prstGeom prst="roundRect">
             <a:avLst>
@@ -19084,8 +19104,8 @@
         </p:nvSpPr>
         <p:spPr>
           <a:xfrm>
-            <a:off x="5344824" y="4827209"/>
-            <a:ext cx="2202571" cy="659189"/>
+            <a:off x="7124575" y="4827208"/>
+            <a:ext cx="2935997" cy="659189"/>
           </a:xfrm>
         </p:spPr>
         <p:txBody>
@@ -19147,7 +19167,7 @@
         </p:nvCxnSpPr>
         <p:spPr>
           <a:xfrm>
-            <a:off x="2795334" y="2133600"/>
+            <a:off x="3726142" y="2133600"/>
             <a:ext cx="0" cy="3962400"/>
           </a:xfrm>
           <a:prstGeom prst="line">
@@ -19186,7 +19206,7 @@
         </p:nvCxnSpPr>
         <p:spPr>
           <a:xfrm>
-            <a:off x="5223030" y="2133600"/>
+            <a:off x="6962227" y="2133600"/>
             <a:ext cx="0" cy="3966882"/>
           </a:xfrm>
           <a:prstGeom prst="line">
@@ -19233,8 +19253,8 @@
           <a:lstStyle/>
           <a:p>
             <a:fld id="{4509A250-FF31-4206-8172-F9D3106AACB1}" type="datetimeFigureOut">
-              <a:rPr lang="en-US" dirty="0"/>
-              <a:t>6/14/2017</a:t>
+              <a:rPr lang="en-US" smtClean="0"/>
+              <a:t>7/19/2017</a:t>
             </a:fld>
             <a:endParaRPr lang="en-US" dirty="0"/>
           </a:p>
@@ -19291,7 +19311,7 @@
     </p:spTree>
     <p:extLst>
       <p:ext uri="{BB962C8B-B14F-4D97-AF65-F5344CB8AC3E}">
-        <p14:creationId xmlns:p14="http://schemas.microsoft.com/office/powerpoint/2010/main" val="4209205831"/>
+        <p14:creationId xmlns:p14="http://schemas.microsoft.com/office/powerpoint/2010/main" val="4189747184"/>
       </p:ext>
     </p:extLst>
   </p:cSld>
@@ -19410,8 +19430,8 @@
           <a:lstStyle/>
           <a:p>
             <a:fld id="{4509A250-FF31-4206-8172-F9D3106AACB1}" type="datetimeFigureOut">
-              <a:rPr lang="en-US" dirty="0"/>
-              <a:t>6/14/2017</a:t>
+              <a:rPr lang="en-US" smtClean="0"/>
+              <a:t>7/19/2017</a:t>
             </a:fld>
             <a:endParaRPr lang="en-US" dirty="0"/>
           </a:p>
@@ -19468,7 +19488,7 @@
     </p:spTree>
     <p:extLst>
       <p:ext uri="{BB962C8B-B14F-4D97-AF65-F5344CB8AC3E}">
-        <p14:creationId xmlns:p14="http://schemas.microsoft.com/office/powerpoint/2010/main" val="4278913759"/>
+        <p14:creationId xmlns:p14="http://schemas.microsoft.com/office/powerpoint/2010/main" val="694480869"/>
       </p:ext>
     </p:extLst>
   </p:cSld>
@@ -19507,8 +19527,8 @@
         </p:nvSpPr>
         <p:spPr>
           <a:xfrm>
-            <a:off x="6229782" y="430214"/>
-            <a:ext cx="1314793" cy="5826125"/>
+            <a:off x="8304212" y="430213"/>
+            <a:ext cx="1752601" cy="5826125"/>
           </a:xfrm>
         </p:spPr>
         <p:txBody>
@@ -19535,8 +19555,8 @@
         </p:nvSpPr>
         <p:spPr>
           <a:xfrm>
-            <a:off x="489475" y="773205"/>
-            <a:ext cx="5568812" cy="5483134"/>
+            <a:off x="652463" y="887414"/>
+            <a:ext cx="7423149" cy="5368924"/>
           </a:xfrm>
         </p:spPr>
         <p:txBody>
@@ -19596,8 +19616,8 @@
           <a:lstStyle/>
           <a:p>
             <a:fld id="{4509A250-FF31-4206-8172-F9D3106AACB1}" type="datetimeFigureOut">
-              <a:rPr lang="en-US" dirty="0"/>
-              <a:t>6/14/2017</a:t>
+              <a:rPr lang="en-US" smtClean="0"/>
+              <a:t>7/19/2017</a:t>
             </a:fld>
             <a:endParaRPr lang="en-US" dirty="0"/>
           </a:p>
@@ -19654,7 +19674,7 @@
     </p:spTree>
     <p:extLst>
       <p:ext uri="{BB962C8B-B14F-4D97-AF65-F5344CB8AC3E}">
-        <p14:creationId xmlns:p14="http://schemas.microsoft.com/office/powerpoint/2010/main" val="1258798516"/>
+        <p14:creationId xmlns:p14="http://schemas.microsoft.com/office/powerpoint/2010/main" val="665586513"/>
       </p:ext>
     </p:extLst>
   </p:cSld>
@@ -19694,8 +19714,8 @@
         </p:nvSpPr>
         <p:spPr>
           <a:xfrm>
-            <a:off x="1792288" y="4800600"/>
-            <a:ext cx="5486400" cy="566738"/>
+            <a:off x="2389717" y="4800600"/>
+            <a:ext cx="7315200" cy="566738"/>
           </a:xfrm>
         </p:spPr>
         <p:txBody>
@@ -19725,8 +19745,8 @@
         </p:nvSpPr>
         <p:spPr>
           <a:xfrm>
-            <a:off x="1792288" y="612775"/>
-            <a:ext cx="5486400" cy="4114800"/>
+            <a:off x="2389717" y="612775"/>
+            <a:ext cx="7315200" cy="4114800"/>
           </a:xfrm>
         </p:spPr>
         <p:txBody>
@@ -19787,8 +19807,8 @@
         </p:nvSpPr>
         <p:spPr>
           <a:xfrm>
-            <a:off x="1792288" y="5367338"/>
-            <a:ext cx="5486400" cy="804862"/>
+            <a:off x="2389717" y="5367338"/>
+            <a:ext cx="7315200" cy="804862"/>
           </a:xfrm>
         </p:spPr>
         <p:txBody>
@@ -19921,7 +19941,7 @@
         <p:spPr bwMode="auto">
           <a:xfrm>
             <a:off x="0" y="1268413"/>
-            <a:ext cx="9144000" cy="0"/>
+            <a:ext cx="12192000" cy="0"/>
           </a:xfrm>
           <a:prstGeom prst="line">
             <a:avLst/>
@@ -19961,8 +19981,8 @@
         </p:nvSpPr>
         <p:spPr bwMode="auto">
           <a:xfrm>
-            <a:off x="1116013" y="1557338"/>
-            <a:ext cx="7056437" cy="4392612"/>
+            <a:off x="1488018" y="1557338"/>
+            <a:ext cx="9408583" cy="4392612"/>
           </a:xfrm>
           <a:prstGeom prst="rect">
             <a:avLst/>
@@ -20031,8 +20051,8 @@
         </p:nvSpPr>
         <p:spPr bwMode="auto">
           <a:xfrm>
-            <a:off x="1116013" y="404813"/>
-            <a:ext cx="7056437" cy="720725"/>
+            <a:off x="1488018" y="404814"/>
+            <a:ext cx="9408583" cy="720725"/>
           </a:xfrm>
           <a:prstGeom prst="rect">
             <a:avLst/>
@@ -20070,8 +20090,8 @@
         </p:nvSpPr>
         <p:spPr bwMode="auto">
           <a:xfrm>
-            <a:off x="1908175" y="6453188"/>
-            <a:ext cx="7235825" cy="404812"/>
+            <a:off x="2544234" y="6453188"/>
+            <a:ext cx="9647767" cy="404812"/>
           </a:xfrm>
           <a:prstGeom prst="rect">
             <a:avLst/>
@@ -20106,8 +20126,8 @@
         </p:nvSpPr>
         <p:spPr bwMode="auto">
           <a:xfrm>
-            <a:off x="939800" y="6508750"/>
-            <a:ext cx="903288" cy="307975"/>
+            <a:off x="1253067" y="6508751"/>
+            <a:ext cx="902811" cy="307777"/>
           </a:xfrm>
           <a:prstGeom prst="rect">
             <a:avLst/>
@@ -20154,8 +20174,8 @@
         </p:nvSpPr>
         <p:spPr bwMode="auto">
           <a:xfrm>
-            <a:off x="6804025" y="6515100"/>
-            <a:ext cx="2266950" cy="307975"/>
+            <a:off x="9072033" y="6515101"/>
+            <a:ext cx="2266711" cy="307777"/>
           </a:xfrm>
           <a:prstGeom prst="rect">
             <a:avLst/>
@@ -20211,8 +20231,8 @@
         </p:nvSpPr>
         <p:spPr bwMode="auto">
           <a:xfrm>
-            <a:off x="3708400" y="6529388"/>
-            <a:ext cx="2133600" cy="266700"/>
+            <a:off x="4944533" y="6529388"/>
+            <a:ext cx="2844800" cy="266700"/>
           </a:xfrm>
           <a:prstGeom prst="rect">
             <a:avLst/>
@@ -20260,8 +20280,8 @@
         </p:nvSpPr>
         <p:spPr bwMode="hidden">
           <a:xfrm flipH="1">
-            <a:off x="7188200" y="2122488"/>
-            <a:ext cx="1308100" cy="1308100"/>
+            <a:off x="9584267" y="2122488"/>
+            <a:ext cx="1744133" cy="1308100"/>
           </a:xfrm>
           <a:prstGeom prst="ellipse">
             <a:avLst/>
@@ -20312,8 +20332,8 @@
         </p:nvSpPr>
         <p:spPr bwMode="hidden">
           <a:xfrm flipH="1">
-            <a:off x="5651500" y="2122488"/>
-            <a:ext cx="1308100" cy="1308100"/>
+            <a:off x="7535334" y="2122488"/>
+            <a:ext cx="1744133" cy="1308100"/>
           </a:xfrm>
           <a:prstGeom prst="ellipse">
             <a:avLst/>
@@ -20364,8 +20384,8 @@
         </p:nvSpPr>
         <p:spPr bwMode="hidden">
           <a:xfrm flipH="1">
-            <a:off x="4113213" y="2122488"/>
-            <a:ext cx="1309687" cy="1308100"/>
+            <a:off x="5484285" y="2122488"/>
+            <a:ext cx="1746249" cy="1308100"/>
           </a:xfrm>
           <a:prstGeom prst="ellipse">
             <a:avLst/>
@@ -20405,8 +20425,8 @@
         </p:nvSpPr>
         <p:spPr bwMode="hidden">
           <a:xfrm flipH="1">
-            <a:off x="4113213" y="3560763"/>
-            <a:ext cx="1309687" cy="1308100"/>
+            <a:off x="5484285" y="3560763"/>
+            <a:ext cx="1746249" cy="1308100"/>
           </a:xfrm>
           <a:prstGeom prst="ellipse">
             <a:avLst/>
@@ -20457,8 +20477,8 @@
         </p:nvSpPr>
         <p:spPr bwMode="hidden">
           <a:xfrm flipH="1">
-            <a:off x="2627313" y="3560763"/>
-            <a:ext cx="1308100" cy="1308100"/>
+            <a:off x="3503084" y="3560763"/>
+            <a:ext cx="1744133" cy="1308100"/>
           </a:xfrm>
           <a:prstGeom prst="ellipse">
             <a:avLst/>
@@ -20509,8 +20529,8 @@
         </p:nvSpPr>
         <p:spPr bwMode="hidden">
           <a:xfrm flipH="1">
-            <a:off x="7188200" y="3560763"/>
-            <a:ext cx="1308100" cy="1308100"/>
+            <a:off x="9584267" y="3560763"/>
+            <a:ext cx="1744133" cy="1308100"/>
           </a:xfrm>
           <a:prstGeom prst="ellipse">
             <a:avLst/>
@@ -20557,8 +20577,8 @@
         </p:blipFill>
         <p:spPr bwMode="auto">
           <a:xfrm>
-            <a:off x="-1588" y="5943600"/>
-            <a:ext cx="914401" cy="914400"/>
+            <a:off x="-2117" y="5943600"/>
+            <a:ext cx="1219201" cy="914400"/>
           </a:xfrm>
           <a:prstGeom prst="rect">
             <a:avLst/>
@@ -21099,7 +21119,7 @@
         <p:spPr bwMode="auto">
           <a:xfrm>
             <a:off x="0" y="0"/>
-            <a:ext cx="800100" cy="3937000"/>
+            <a:ext cx="1066800" cy="3937000"/>
           </a:xfrm>
           <a:prstGeom prst="rect">
             <a:avLst/>
@@ -21123,8 +21143,8 @@
         </p:nvSpPr>
         <p:spPr bwMode="auto">
           <a:xfrm>
-            <a:off x="827088" y="908050"/>
-            <a:ext cx="8316912" cy="0"/>
+            <a:off x="1102784" y="908050"/>
+            <a:ext cx="11089216" cy="0"/>
           </a:xfrm>
           <a:prstGeom prst="line">
             <a:avLst/>
@@ -21162,8 +21182,8 @@
         </p:nvGrpSpPr>
         <p:grpSpPr bwMode="auto">
           <a:xfrm>
-            <a:off x="7019925" y="304800"/>
-            <a:ext cx="1666875" cy="241300"/>
+            <a:off x="9359901" y="304800"/>
+            <a:ext cx="2222500" cy="241300"/>
             <a:chOff x="675" y="192"/>
             <a:chExt cx="4797" cy="697"/>
           </a:xfrm>
@@ -21377,8 +21397,8 @@
         </p:nvSpPr>
         <p:spPr bwMode="auto">
           <a:xfrm>
-            <a:off x="1116013" y="1196975"/>
-            <a:ext cx="7570787" cy="5111750"/>
+            <a:off x="1488018" y="1196975"/>
+            <a:ext cx="10094383" cy="5111750"/>
           </a:xfrm>
           <a:prstGeom prst="rect">
             <a:avLst/>
@@ -21447,8 +21467,8 @@
         </p:nvSpPr>
         <p:spPr bwMode="auto">
           <a:xfrm>
-            <a:off x="1116013" y="404813"/>
-            <a:ext cx="7559675" cy="431800"/>
+            <a:off x="1488018" y="404813"/>
+            <a:ext cx="10079567" cy="431800"/>
           </a:xfrm>
           <a:prstGeom prst="rect">
             <a:avLst/>
@@ -21486,8 +21506,8 @@
         </p:nvSpPr>
         <p:spPr bwMode="auto">
           <a:xfrm>
-            <a:off x="1908175" y="6453188"/>
-            <a:ext cx="7235825" cy="404812"/>
+            <a:off x="2544234" y="6453188"/>
+            <a:ext cx="9647767" cy="404812"/>
           </a:xfrm>
           <a:prstGeom prst="rect">
             <a:avLst/>
@@ -21522,8 +21542,8 @@
         </p:nvSpPr>
         <p:spPr bwMode="auto">
           <a:xfrm>
-            <a:off x="241300" y="92075"/>
-            <a:ext cx="946150" cy="457200"/>
+            <a:off x="321734" y="92075"/>
+            <a:ext cx="937116" cy="461665"/>
           </a:xfrm>
           <a:prstGeom prst="rect">
             <a:avLst/>
@@ -21582,8 +21602,8 @@
         </p:blipFill>
         <p:spPr bwMode="auto">
           <a:xfrm>
-            <a:off x="34925" y="6453188"/>
-            <a:ext cx="1100138" cy="360362"/>
+            <a:off x="46567" y="6453188"/>
+            <a:ext cx="1466851" cy="360362"/>
           </a:xfrm>
           <a:prstGeom prst="rect">
             <a:avLst/>
@@ -21607,8 +21627,8 @@
         </p:nvSpPr>
         <p:spPr bwMode="auto">
           <a:xfrm>
-            <a:off x="1012825" y="6508750"/>
-            <a:ext cx="895350" cy="304800"/>
+            <a:off x="1350433" y="6508750"/>
+            <a:ext cx="902811" cy="307777"/>
           </a:xfrm>
           <a:prstGeom prst="rect">
             <a:avLst/>
@@ -21662,8 +21682,8 @@
         </p:blipFill>
         <p:spPr bwMode="auto">
           <a:xfrm>
-            <a:off x="6889750" y="6481763"/>
-            <a:ext cx="431800" cy="311150"/>
+            <a:off x="9186334" y="6481763"/>
+            <a:ext cx="575733" cy="311150"/>
           </a:xfrm>
           <a:prstGeom prst="rect">
             <a:avLst/>
@@ -21687,8 +21707,8 @@
         </p:nvSpPr>
         <p:spPr bwMode="auto">
           <a:xfrm>
-            <a:off x="7324725" y="6515100"/>
-            <a:ext cx="1495425" cy="304800"/>
+            <a:off x="9766301" y="6515100"/>
+            <a:ext cx="1508746" cy="307777"/>
           </a:xfrm>
           <a:prstGeom prst="rect">
             <a:avLst/>
@@ -21744,8 +21764,8 @@
         </p:nvSpPr>
         <p:spPr bwMode="auto">
           <a:xfrm>
-            <a:off x="3708400" y="6529388"/>
-            <a:ext cx="2133600" cy="266700"/>
+            <a:off x="4944533" y="6529388"/>
+            <a:ext cx="2844800" cy="266700"/>
           </a:xfrm>
           <a:prstGeom prst="rect">
             <a:avLst/>
@@ -22310,7 +22330,7 @@
         <p:spPr bwMode="auto">
           <a:xfrm>
             <a:off x="0" y="0"/>
-            <a:ext cx="800100" cy="3937000"/>
+            <a:ext cx="1066800" cy="3937000"/>
           </a:xfrm>
           <a:prstGeom prst="rect">
             <a:avLst/>
@@ -22334,8 +22354,8 @@
         </p:nvSpPr>
         <p:spPr bwMode="auto">
           <a:xfrm>
-            <a:off x="827088" y="908050"/>
-            <a:ext cx="8316912" cy="0"/>
+            <a:off x="1102784" y="908050"/>
+            <a:ext cx="11089216" cy="0"/>
           </a:xfrm>
           <a:prstGeom prst="line">
             <a:avLst/>
@@ -22373,8 +22393,8 @@
         </p:nvGrpSpPr>
         <p:grpSpPr bwMode="auto">
           <a:xfrm>
-            <a:off x="7019925" y="304800"/>
-            <a:ext cx="1666875" cy="241300"/>
+            <a:off x="9359901" y="304800"/>
+            <a:ext cx="2222500" cy="241300"/>
             <a:chOff x="675" y="192"/>
             <a:chExt cx="4797" cy="697"/>
           </a:xfrm>
@@ -22588,8 +22608,8 @@
         </p:nvSpPr>
         <p:spPr bwMode="auto">
           <a:xfrm>
-            <a:off x="1116013" y="1196975"/>
-            <a:ext cx="7570787" cy="5111750"/>
+            <a:off x="1488018" y="1196975"/>
+            <a:ext cx="10094383" cy="5111750"/>
           </a:xfrm>
           <a:prstGeom prst="rect">
             <a:avLst/>
@@ -22658,8 +22678,8 @@
         </p:nvSpPr>
         <p:spPr bwMode="auto">
           <a:xfrm>
-            <a:off x="1116013" y="404813"/>
-            <a:ext cx="7559675" cy="431800"/>
+            <a:off x="1488018" y="404813"/>
+            <a:ext cx="10079567" cy="431800"/>
           </a:xfrm>
           <a:prstGeom prst="rect">
             <a:avLst/>
@@ -22697,8 +22717,8 @@
         </p:nvSpPr>
         <p:spPr bwMode="auto">
           <a:xfrm>
-            <a:off x="1908175" y="6453188"/>
-            <a:ext cx="7235825" cy="404812"/>
+            <a:off x="2544234" y="6453188"/>
+            <a:ext cx="9647767" cy="404812"/>
           </a:xfrm>
           <a:prstGeom prst="rect">
             <a:avLst/>
@@ -22733,8 +22753,8 @@
         </p:nvSpPr>
         <p:spPr bwMode="auto">
           <a:xfrm>
-            <a:off x="241300" y="92075"/>
-            <a:ext cx="893763" cy="457200"/>
+            <a:off x="321734" y="92075"/>
+            <a:ext cx="901209" cy="461665"/>
           </a:xfrm>
           <a:prstGeom prst="rect">
             <a:avLst/>
@@ -22786,8 +22806,8 @@
         </p:nvSpPr>
         <p:spPr bwMode="auto">
           <a:xfrm>
-            <a:off x="1012825" y="6508750"/>
-            <a:ext cx="903288" cy="307975"/>
+            <a:off x="1350433" y="6508751"/>
+            <a:ext cx="902811" cy="307777"/>
           </a:xfrm>
           <a:prstGeom prst="rect">
             <a:avLst/>
@@ -22836,8 +22856,8 @@
         </p:nvSpPr>
         <p:spPr bwMode="auto">
           <a:xfrm>
-            <a:off x="3708400" y="6529388"/>
-            <a:ext cx="2133600" cy="266700"/>
+            <a:off x="4944533" y="6529388"/>
+            <a:ext cx="2844800" cy="266700"/>
           </a:xfrm>
           <a:prstGeom prst="rect">
             <a:avLst/>
@@ -22892,8 +22912,8 @@
         </p:blipFill>
         <p:spPr bwMode="auto">
           <a:xfrm>
-            <a:off x="-1588" y="5943600"/>
-            <a:ext cx="914401" cy="914400"/>
+            <a:off x="-2117" y="5943600"/>
+            <a:ext cx="1219201" cy="914400"/>
           </a:xfrm>
           <a:prstGeom prst="rect">
             <a:avLst/>
@@ -22917,8 +22937,8 @@
         </p:nvSpPr>
         <p:spPr bwMode="auto">
           <a:xfrm>
-            <a:off x="6804025" y="6515100"/>
-            <a:ext cx="2266950" cy="307975"/>
+            <a:off x="9072033" y="6515101"/>
+            <a:ext cx="2266711" cy="307777"/>
           </a:xfrm>
           <a:prstGeom prst="rect">
             <a:avLst/>
@@ -23489,7 +23509,7 @@
         <p:spPr bwMode="auto">
           <a:xfrm>
             <a:off x="0" y="0"/>
-            <a:ext cx="800100" cy="3937000"/>
+            <a:ext cx="1066800" cy="3937000"/>
           </a:xfrm>
           <a:prstGeom prst="rect">
             <a:avLst/>
@@ -23513,8 +23533,8 @@
         </p:nvSpPr>
         <p:spPr bwMode="auto">
           <a:xfrm>
-            <a:off x="827088" y="908050"/>
-            <a:ext cx="8316912" cy="0"/>
+            <a:off x="1102784" y="908050"/>
+            <a:ext cx="11089216" cy="0"/>
           </a:xfrm>
           <a:prstGeom prst="line">
             <a:avLst/>
@@ -23552,8 +23572,8 @@
         </p:nvGrpSpPr>
         <p:grpSpPr bwMode="auto">
           <a:xfrm>
-            <a:off x="7019925" y="304800"/>
-            <a:ext cx="1666875" cy="241300"/>
+            <a:off x="9359901" y="304800"/>
+            <a:ext cx="2222500" cy="241300"/>
             <a:chOff x="675" y="192"/>
             <a:chExt cx="4797" cy="697"/>
           </a:xfrm>
@@ -23767,8 +23787,8 @@
         </p:nvSpPr>
         <p:spPr bwMode="auto">
           <a:xfrm>
-            <a:off x="1116013" y="1196975"/>
-            <a:ext cx="7570787" cy="5111750"/>
+            <a:off x="1488018" y="1196975"/>
+            <a:ext cx="10094383" cy="5111750"/>
           </a:xfrm>
           <a:prstGeom prst="rect">
             <a:avLst/>
@@ -23837,8 +23857,8 @@
         </p:nvSpPr>
         <p:spPr bwMode="auto">
           <a:xfrm>
-            <a:off x="1116013" y="404813"/>
-            <a:ext cx="7559675" cy="431800"/>
+            <a:off x="1488018" y="404813"/>
+            <a:ext cx="10079567" cy="431800"/>
           </a:xfrm>
           <a:prstGeom prst="rect">
             <a:avLst/>
@@ -23876,8 +23896,8 @@
         </p:nvSpPr>
         <p:spPr bwMode="auto">
           <a:xfrm>
-            <a:off x="1908175" y="6453188"/>
-            <a:ext cx="7235825" cy="404812"/>
+            <a:off x="2544234" y="6453188"/>
+            <a:ext cx="9647767" cy="404812"/>
           </a:xfrm>
           <a:prstGeom prst="rect">
             <a:avLst/>
@@ -23912,8 +23932,8 @@
         </p:nvSpPr>
         <p:spPr bwMode="auto">
           <a:xfrm>
-            <a:off x="241300" y="92075"/>
-            <a:ext cx="1706563" cy="457200"/>
+            <a:off x="321734" y="92075"/>
+            <a:ext cx="1721946" cy="461665"/>
           </a:xfrm>
           <a:prstGeom prst="rect">
             <a:avLst/>
@@ -23972,8 +23992,8 @@
         </p:blipFill>
         <p:spPr bwMode="auto">
           <a:xfrm>
-            <a:off x="34925" y="6453188"/>
-            <a:ext cx="1100138" cy="360362"/>
+            <a:off x="46567" y="6453188"/>
+            <a:ext cx="1466851" cy="360362"/>
           </a:xfrm>
           <a:prstGeom prst="rect">
             <a:avLst/>
@@ -23997,8 +24017,8 @@
         </p:nvSpPr>
         <p:spPr bwMode="auto">
           <a:xfrm>
-            <a:off x="1012825" y="6508750"/>
-            <a:ext cx="895350" cy="304800"/>
+            <a:off x="1350433" y="6508750"/>
+            <a:ext cx="902811" cy="307777"/>
           </a:xfrm>
           <a:prstGeom prst="rect">
             <a:avLst/>
@@ -24052,8 +24072,8 @@
         </p:blipFill>
         <p:spPr bwMode="auto">
           <a:xfrm>
-            <a:off x="6889750" y="6481763"/>
-            <a:ext cx="431800" cy="311150"/>
+            <a:off x="9186334" y="6481763"/>
+            <a:ext cx="575733" cy="311150"/>
           </a:xfrm>
           <a:prstGeom prst="rect">
             <a:avLst/>
@@ -24077,8 +24097,8 @@
         </p:nvSpPr>
         <p:spPr bwMode="auto">
           <a:xfrm>
-            <a:off x="7324725" y="6515100"/>
-            <a:ext cx="1495425" cy="304800"/>
+            <a:off x="9766301" y="6515100"/>
+            <a:ext cx="1508746" cy="307777"/>
           </a:xfrm>
           <a:prstGeom prst="rect">
             <a:avLst/>
@@ -24134,8 +24154,8 @@
         </p:nvSpPr>
         <p:spPr bwMode="auto">
           <a:xfrm>
-            <a:off x="3708400" y="6529388"/>
-            <a:ext cx="2133600" cy="266700"/>
+            <a:off x="4944533" y="6529388"/>
+            <a:ext cx="2844800" cy="266700"/>
           </a:xfrm>
           <a:prstGeom prst="rect">
             <a:avLst/>
@@ -24700,7 +24720,7 @@
         <p:spPr bwMode="auto">
           <a:xfrm>
             <a:off x="0" y="0"/>
-            <a:ext cx="800100" cy="3937000"/>
+            <a:ext cx="1066800" cy="3937000"/>
           </a:xfrm>
           <a:prstGeom prst="rect">
             <a:avLst/>
@@ -24724,8 +24744,8 @@
         </p:nvSpPr>
         <p:spPr bwMode="auto">
           <a:xfrm>
-            <a:off x="827088" y="908050"/>
-            <a:ext cx="8316912" cy="0"/>
+            <a:off x="1102784" y="908050"/>
+            <a:ext cx="11089216" cy="0"/>
           </a:xfrm>
           <a:prstGeom prst="line">
             <a:avLst/>
@@ -24763,8 +24783,8 @@
         </p:nvGrpSpPr>
         <p:grpSpPr bwMode="auto">
           <a:xfrm>
-            <a:off x="7019925" y="304800"/>
-            <a:ext cx="1666875" cy="241300"/>
+            <a:off x="9359901" y="304800"/>
+            <a:ext cx="2222500" cy="241300"/>
             <a:chOff x="675" y="192"/>
             <a:chExt cx="4797" cy="697"/>
           </a:xfrm>
@@ -24978,8 +24998,8 @@
         </p:nvSpPr>
         <p:spPr bwMode="auto">
           <a:xfrm>
-            <a:off x="1116013" y="1196975"/>
-            <a:ext cx="7570787" cy="5111750"/>
+            <a:off x="1488018" y="1196975"/>
+            <a:ext cx="10094383" cy="5111750"/>
           </a:xfrm>
           <a:prstGeom prst="rect">
             <a:avLst/>
@@ -25048,8 +25068,8 @@
         </p:nvSpPr>
         <p:spPr bwMode="auto">
           <a:xfrm>
-            <a:off x="1116013" y="404813"/>
-            <a:ext cx="7559675" cy="431800"/>
+            <a:off x="1488018" y="404813"/>
+            <a:ext cx="10079567" cy="431800"/>
           </a:xfrm>
           <a:prstGeom prst="rect">
             <a:avLst/>
@@ -25087,8 +25107,8 @@
         </p:nvSpPr>
         <p:spPr bwMode="auto">
           <a:xfrm>
-            <a:off x="1908175" y="6453188"/>
-            <a:ext cx="7235825" cy="404812"/>
+            <a:off x="2544234" y="6453188"/>
+            <a:ext cx="9647767" cy="404812"/>
           </a:xfrm>
           <a:prstGeom prst="rect">
             <a:avLst/>
@@ -25123,8 +25143,8 @@
         </p:nvSpPr>
         <p:spPr bwMode="auto">
           <a:xfrm>
-            <a:off x="241300" y="92075"/>
-            <a:ext cx="844550" cy="457200"/>
+            <a:off x="321733" y="92075"/>
+            <a:ext cx="840102" cy="461665"/>
           </a:xfrm>
           <a:prstGeom prst="rect">
             <a:avLst/>
@@ -25183,8 +25203,8 @@
         </p:blipFill>
         <p:spPr bwMode="auto">
           <a:xfrm>
-            <a:off x="34925" y="6453188"/>
-            <a:ext cx="1100138" cy="360362"/>
+            <a:off x="46567" y="6453188"/>
+            <a:ext cx="1466851" cy="360362"/>
           </a:xfrm>
           <a:prstGeom prst="rect">
             <a:avLst/>
@@ -25208,8 +25228,8 @@
         </p:nvSpPr>
         <p:spPr bwMode="auto">
           <a:xfrm>
-            <a:off x="1012825" y="6508750"/>
-            <a:ext cx="895350" cy="304800"/>
+            <a:off x="1350433" y="6508750"/>
+            <a:ext cx="902811" cy="307777"/>
           </a:xfrm>
           <a:prstGeom prst="rect">
             <a:avLst/>
@@ -25263,8 +25283,8 @@
         </p:blipFill>
         <p:spPr bwMode="auto">
           <a:xfrm>
-            <a:off x="6889750" y="6481763"/>
-            <a:ext cx="431800" cy="311150"/>
+            <a:off x="9186334" y="6481763"/>
+            <a:ext cx="575733" cy="311150"/>
           </a:xfrm>
           <a:prstGeom prst="rect">
             <a:avLst/>
@@ -25288,8 +25308,8 @@
         </p:nvSpPr>
         <p:spPr bwMode="auto">
           <a:xfrm>
-            <a:off x="7324725" y="6515100"/>
-            <a:ext cx="1495425" cy="304800"/>
+            <a:off x="9766301" y="6515100"/>
+            <a:ext cx="1508746" cy="307777"/>
           </a:xfrm>
           <a:prstGeom prst="rect">
             <a:avLst/>
@@ -25345,8 +25365,8 @@
         </p:nvSpPr>
         <p:spPr bwMode="auto">
           <a:xfrm>
-            <a:off x="3708400" y="6529388"/>
-            <a:ext cx="2133600" cy="266700"/>
+            <a:off x="4944533" y="6529388"/>
+            <a:ext cx="2844800" cy="266700"/>
           </a:xfrm>
           <a:prstGeom prst="rect">
             <a:avLst/>
@@ -25911,7 +25931,7 @@
         <p:spPr bwMode="auto">
           <a:xfrm>
             <a:off x="0" y="0"/>
-            <a:ext cx="800100" cy="3937000"/>
+            <a:ext cx="1066800" cy="3937000"/>
           </a:xfrm>
           <a:prstGeom prst="rect">
             <a:avLst/>
@@ -25935,8 +25955,8 @@
         </p:nvSpPr>
         <p:spPr bwMode="auto">
           <a:xfrm>
-            <a:off x="827088" y="908050"/>
-            <a:ext cx="8316912" cy="0"/>
+            <a:off x="1102784" y="908050"/>
+            <a:ext cx="11089216" cy="0"/>
           </a:xfrm>
           <a:prstGeom prst="line">
             <a:avLst/>
@@ -25974,8 +25994,8 @@
         </p:nvGrpSpPr>
         <p:grpSpPr bwMode="auto">
           <a:xfrm>
-            <a:off x="7019925" y="304800"/>
-            <a:ext cx="1666875" cy="241300"/>
+            <a:off x="9359901" y="304800"/>
+            <a:ext cx="2222500" cy="241300"/>
             <a:chOff x="675" y="192"/>
             <a:chExt cx="4797" cy="697"/>
           </a:xfrm>
@@ -26189,8 +26209,8 @@
         </p:nvSpPr>
         <p:spPr bwMode="auto">
           <a:xfrm>
-            <a:off x="1116013" y="1196975"/>
-            <a:ext cx="7570787" cy="5111750"/>
+            <a:off x="1488018" y="1196975"/>
+            <a:ext cx="10094383" cy="5111750"/>
           </a:xfrm>
           <a:prstGeom prst="rect">
             <a:avLst/>
@@ -26259,8 +26279,8 @@
         </p:nvSpPr>
         <p:spPr bwMode="auto">
           <a:xfrm>
-            <a:off x="1116013" y="404813"/>
-            <a:ext cx="7559675" cy="431800"/>
+            <a:off x="1488018" y="404813"/>
+            <a:ext cx="10079567" cy="431800"/>
           </a:xfrm>
           <a:prstGeom prst="rect">
             <a:avLst/>
@@ -26298,8 +26318,8 @@
         </p:nvSpPr>
         <p:spPr bwMode="auto">
           <a:xfrm>
-            <a:off x="1908175" y="6453188"/>
-            <a:ext cx="7235825" cy="404812"/>
+            <a:off x="2544234" y="6453188"/>
+            <a:ext cx="9647767" cy="404812"/>
           </a:xfrm>
           <a:prstGeom prst="rect">
             <a:avLst/>
@@ -26334,8 +26354,8 @@
         </p:nvSpPr>
         <p:spPr bwMode="auto">
           <a:xfrm>
-            <a:off x="241300" y="92075"/>
-            <a:ext cx="1335088" cy="457200"/>
+            <a:off x="321734" y="92075"/>
+            <a:ext cx="1346844" cy="461665"/>
           </a:xfrm>
           <a:prstGeom prst="rect">
             <a:avLst/>
@@ -26394,8 +26414,8 @@
         </p:blipFill>
         <p:spPr bwMode="auto">
           <a:xfrm>
-            <a:off x="34925" y="6453188"/>
-            <a:ext cx="1100138" cy="360362"/>
+            <a:off x="46567" y="6453188"/>
+            <a:ext cx="1466851" cy="360362"/>
           </a:xfrm>
           <a:prstGeom prst="rect">
             <a:avLst/>
@@ -26419,8 +26439,8 @@
         </p:nvSpPr>
         <p:spPr bwMode="auto">
           <a:xfrm>
-            <a:off x="1012825" y="6508750"/>
-            <a:ext cx="895350" cy="304800"/>
+            <a:off x="1350433" y="6508750"/>
+            <a:ext cx="902811" cy="307777"/>
           </a:xfrm>
           <a:prstGeom prst="rect">
             <a:avLst/>
@@ -26474,8 +26494,8 @@
         </p:blipFill>
         <p:spPr bwMode="auto">
           <a:xfrm>
-            <a:off x="6889750" y="6481763"/>
-            <a:ext cx="431800" cy="311150"/>
+            <a:off x="9186334" y="6481763"/>
+            <a:ext cx="575733" cy="311150"/>
           </a:xfrm>
           <a:prstGeom prst="rect">
             <a:avLst/>
@@ -26499,8 +26519,8 @@
         </p:nvSpPr>
         <p:spPr bwMode="auto">
           <a:xfrm>
-            <a:off x="7324725" y="6515100"/>
-            <a:ext cx="1495425" cy="304800"/>
+            <a:off x="9766301" y="6515100"/>
+            <a:ext cx="1508746" cy="307777"/>
           </a:xfrm>
           <a:prstGeom prst="rect">
             <a:avLst/>
@@ -26556,8 +26576,8 @@
         </p:nvSpPr>
         <p:spPr bwMode="auto">
           <a:xfrm>
-            <a:off x="3708400" y="6529388"/>
-            <a:ext cx="2133600" cy="266700"/>
+            <a:off x="4944533" y="6529388"/>
+            <a:ext cx="2844800" cy="266700"/>
           </a:xfrm>
           <a:prstGeom prst="rect">
             <a:avLst/>
@@ -27099,15 +27119,73 @@
           <a:chExt cx="0" cy="0"/>
         </a:xfrm>
       </p:grpSpPr>
-      <p:sp>
-        <p:nvSpPr>
-          <p:cNvPr id="22" name="Oval 21"/>
+      <p:pic>
+        <p:nvPicPr>
+          <p:cNvPr id="8" name="Picture 7"/>
+          <p:cNvPicPr>
+            <a:picLocks noChangeAspect="1"/>
+          </p:cNvPicPr>
+          <p:nvPr/>
+        </p:nvPicPr>
+        <p:blipFill rotWithShape="1">
+          <a:blip r:embed="rId19">
+            <a:extLst>
+              <a:ext uri="{28A0092B-C50C-407E-A947-70E740481C1C}">
+                <a14:useLocalDpi xmlns:a14="http://schemas.microsoft.com/office/drawing/2010/main" val="0"/>
+              </a:ext>
+            </a:extLst>
+          </a:blip>
+          <a:srcRect l="3613"/>
+          <a:stretch/>
+        </p:blipFill>
+        <p:spPr>
+          <a:xfrm>
+            <a:off x="0" y="2669685"/>
+            <a:ext cx="4037012" cy="4188315"/>
+          </a:xfrm>
+          <a:prstGeom prst="rect">
+            <a:avLst/>
+          </a:prstGeom>
+        </p:spPr>
+      </p:pic>
+      <p:pic>
+        <p:nvPicPr>
+          <p:cNvPr id="7" name="Picture 6"/>
+          <p:cNvPicPr>
+            <a:picLocks noChangeAspect="1"/>
+          </p:cNvPicPr>
+          <p:nvPr/>
+        </p:nvPicPr>
+        <p:blipFill rotWithShape="1">
+          <a:blip r:embed="rId20">
+            <a:extLst>
+              <a:ext uri="{28A0092B-C50C-407E-A947-70E740481C1C}">
+                <a14:useLocalDpi xmlns:a14="http://schemas.microsoft.com/office/drawing/2010/main" val="0"/>
+              </a:ext>
+            </a:extLst>
+          </a:blip>
+          <a:srcRect l="35640"/>
+          <a:stretch/>
+        </p:blipFill>
+        <p:spPr>
+          <a:xfrm>
+            <a:off x="0" y="2892347"/>
+            <a:ext cx="1522412" cy="2365453"/>
+          </a:xfrm>
+          <a:prstGeom prst="rect">
+            <a:avLst/>
+          </a:prstGeom>
+        </p:spPr>
+      </p:pic>
+      <p:sp>
+        <p:nvSpPr>
+          <p:cNvPr id="16" name="Oval 15"/>
           <p:cNvSpPr/>
           <p:nvPr/>
         </p:nvSpPr>
         <p:spPr>
           <a:xfrm>
-            <a:off x="6299432" y="1676400"/>
+            <a:off x="8609012" y="1676400"/>
             <a:ext cx="2819400" cy="2819400"/>
           </a:xfrm>
           <a:prstGeom prst="ellipse">
@@ -27162,268 +27240,74 @@
           </a:fontRef>
         </p:style>
       </p:sp>
-      <p:sp>
-        <p:nvSpPr>
-          <p:cNvPr id="23" name="Oval 22"/>
+      <p:pic>
+        <p:nvPicPr>
+          <p:cNvPr id="9" name="Picture 8"/>
+          <p:cNvPicPr>
+            <a:picLocks noChangeAspect="1"/>
+          </p:cNvPicPr>
+          <p:nvPr/>
+        </p:nvPicPr>
+        <p:blipFill rotWithShape="1">
+          <a:blip r:embed="rId21">
+            <a:extLst>
+              <a:ext uri="{28A0092B-C50C-407E-A947-70E740481C1C}">
+                <a14:useLocalDpi xmlns:a14="http://schemas.microsoft.com/office/drawing/2010/main" val="0"/>
+              </a:ext>
+            </a:extLst>
+          </a:blip>
+          <a:srcRect t="28813"/>
+          <a:stretch/>
+        </p:blipFill>
+        <p:spPr>
+          <a:xfrm>
+            <a:off x="7999412" y="0"/>
+            <a:ext cx="1603387" cy="1141407"/>
+          </a:xfrm>
+          <a:prstGeom prst="rect">
+            <a:avLst/>
+          </a:prstGeom>
+        </p:spPr>
+      </p:pic>
+      <p:pic>
+        <p:nvPicPr>
+          <p:cNvPr id="10" name="Picture 9"/>
+          <p:cNvPicPr>
+            <a:picLocks noChangeAspect="1"/>
+          </p:cNvPicPr>
+          <p:nvPr/>
+        </p:nvPicPr>
+        <p:blipFill rotWithShape="1">
+          <a:blip r:embed="rId22">
+            <a:extLst>
+              <a:ext uri="{28A0092B-C50C-407E-A947-70E740481C1C}">
+                <a14:useLocalDpi xmlns:a14="http://schemas.microsoft.com/office/drawing/2010/main" val="0"/>
+              </a:ext>
+            </a:extLst>
+          </a:blip>
+          <a:srcRect b="23320"/>
+          <a:stretch/>
+        </p:blipFill>
+        <p:spPr>
+          <a:xfrm>
+            <a:off x="8605878" y="6096000"/>
+            <a:ext cx="993734" cy="762000"/>
+          </a:xfrm>
+          <a:prstGeom prst="rect">
+            <a:avLst/>
+          </a:prstGeom>
+        </p:spPr>
+      </p:pic>
+      <p:sp>
+        <p:nvSpPr>
+          <p:cNvPr id="14" name="Rectangle 13"/>
           <p:cNvSpPr/>
           <p:nvPr/>
         </p:nvSpPr>
         <p:spPr>
           <a:xfrm>
-            <a:off x="5689832" y="-457200"/>
-            <a:ext cx="1600200" cy="1600200"/>
-          </a:xfrm>
-          <a:prstGeom prst="ellipse">
-            <a:avLst/>
-          </a:prstGeom>
-          <a:gradFill flip="none" rotWithShape="1">
-            <a:gsLst>
-              <a:gs pos="0">
-                <a:schemeClr val="bg2">
-                  <a:lumMod val="60000"/>
-                  <a:lumOff val="40000"/>
-                  <a:alpha val="14000"/>
-                </a:schemeClr>
-              </a:gs>
-              <a:gs pos="73000">
-                <a:schemeClr val="bg2">
-                  <a:lumMod val="60000"/>
-                  <a:lumOff val="40000"/>
-                  <a:alpha val="0"/>
-                </a:schemeClr>
-              </a:gs>
-              <a:gs pos="36000">
-                <a:schemeClr val="bg2">
-                  <a:lumMod val="60000"/>
-                  <a:lumOff val="40000"/>
-                  <a:alpha val="7000"/>
-                </a:schemeClr>
-              </a:gs>
-            </a:gsLst>
-            <a:path path="circle">
-              <a:fillToRect l="50000" t="50000" r="50000" b="50000"/>
-            </a:path>
-            <a:tileRect/>
-          </a:gradFill>
-          <a:ln>
-            <a:noFill/>
-          </a:ln>
-          <a:effectLst/>
-        </p:spPr>
-        <p:style>
-          <a:lnRef idx="1">
-            <a:schemeClr val="accent1"/>
-          </a:lnRef>
-          <a:fillRef idx="3">
-            <a:schemeClr val="accent1"/>
-          </a:fillRef>
-          <a:effectRef idx="2">
-            <a:schemeClr val="accent1"/>
-          </a:effectRef>
-          <a:fontRef idx="minor">
-            <a:schemeClr val="lt1"/>
-          </a:fontRef>
-        </p:style>
-      </p:sp>
-      <p:sp>
-        <p:nvSpPr>
-          <p:cNvPr id="24" name="Oval 23"/>
-          <p:cNvSpPr/>
-          <p:nvPr/>
-        </p:nvSpPr>
-        <p:spPr>
-          <a:xfrm>
-            <a:off x="6299432" y="6096000"/>
-            <a:ext cx="990600" cy="990600"/>
-          </a:xfrm>
-          <a:prstGeom prst="ellipse">
-            <a:avLst/>
-          </a:prstGeom>
-          <a:gradFill flip="none" rotWithShape="1">
-            <a:gsLst>
-              <a:gs pos="0">
-                <a:schemeClr val="bg2">
-                  <a:lumMod val="60000"/>
-                  <a:lumOff val="40000"/>
-                  <a:alpha val="9000"/>
-                </a:schemeClr>
-              </a:gs>
-              <a:gs pos="66000">
-                <a:schemeClr val="bg2">
-                  <a:lumMod val="60000"/>
-                  <a:lumOff val="40000"/>
-                  <a:alpha val="0"/>
-                </a:schemeClr>
-              </a:gs>
-              <a:gs pos="36000">
-                <a:schemeClr val="bg2">
-                  <a:lumMod val="60000"/>
-                  <a:lumOff val="40000"/>
-                  <a:alpha val="5000"/>
-                </a:schemeClr>
-              </a:gs>
-            </a:gsLst>
-            <a:path path="circle">
-              <a:fillToRect l="50000" t="50000" r="50000" b="50000"/>
-            </a:path>
-            <a:tileRect/>
-          </a:gradFill>
-          <a:ln>
-            <a:noFill/>
-          </a:ln>
-          <a:effectLst/>
-        </p:spPr>
-        <p:style>
-          <a:lnRef idx="1">
-            <a:schemeClr val="accent1"/>
-          </a:lnRef>
-          <a:fillRef idx="3">
-            <a:schemeClr val="accent1"/>
-          </a:fillRef>
-          <a:effectRef idx="2">
-            <a:schemeClr val="accent1"/>
-          </a:effectRef>
-          <a:fontRef idx="minor">
-            <a:schemeClr val="lt1"/>
-          </a:fontRef>
-        </p:style>
-      </p:sp>
-      <p:sp>
-        <p:nvSpPr>
-          <p:cNvPr id="20" name="Oval 19"/>
-          <p:cNvSpPr/>
-          <p:nvPr/>
-        </p:nvSpPr>
-        <p:spPr>
-          <a:xfrm>
-            <a:off x="-153988" y="2667000"/>
-            <a:ext cx="4191000" cy="4191000"/>
-          </a:xfrm>
-          <a:prstGeom prst="ellipse">
-            <a:avLst/>
-          </a:prstGeom>
-          <a:gradFill flip="none" rotWithShape="1">
-            <a:gsLst>
-              <a:gs pos="0">
-                <a:schemeClr val="bg2">
-                  <a:lumMod val="60000"/>
-                  <a:lumOff val="40000"/>
-                  <a:alpha val="11000"/>
-                </a:schemeClr>
-              </a:gs>
-              <a:gs pos="75000">
-                <a:schemeClr val="bg2">
-                  <a:lumMod val="60000"/>
-                  <a:lumOff val="40000"/>
-                  <a:alpha val="0"/>
-                </a:schemeClr>
-              </a:gs>
-              <a:gs pos="36000">
-                <a:schemeClr val="bg2">
-                  <a:lumMod val="60000"/>
-                  <a:lumOff val="40000"/>
-                  <a:alpha val="10000"/>
-                </a:schemeClr>
-              </a:gs>
-            </a:gsLst>
-            <a:path path="circle">
-              <a:fillToRect l="50000" t="50000" r="50000" b="50000"/>
-            </a:path>
-            <a:tileRect/>
-          </a:gradFill>
-          <a:ln>
-            <a:noFill/>
-          </a:ln>
-          <a:effectLst/>
-        </p:spPr>
-        <p:style>
-          <a:lnRef idx="1">
-            <a:schemeClr val="accent1"/>
-          </a:lnRef>
-          <a:fillRef idx="3">
-            <a:schemeClr val="accent1"/>
-          </a:fillRef>
-          <a:effectRef idx="2">
-            <a:schemeClr val="accent1"/>
-          </a:effectRef>
-          <a:fontRef idx="minor">
-            <a:schemeClr val="lt1"/>
-          </a:fontRef>
-        </p:style>
-      </p:sp>
-      <p:sp>
-        <p:nvSpPr>
-          <p:cNvPr id="21" name="Oval 20"/>
-          <p:cNvSpPr/>
-          <p:nvPr/>
-        </p:nvSpPr>
-        <p:spPr>
-          <a:xfrm>
-            <a:off x="-839788" y="2895600"/>
-            <a:ext cx="2362200" cy="2362200"/>
-          </a:xfrm>
-          <a:prstGeom prst="ellipse">
-            <a:avLst/>
-          </a:prstGeom>
-          <a:gradFill flip="none" rotWithShape="1">
-            <a:gsLst>
-              <a:gs pos="0">
-                <a:schemeClr val="bg2">
-                  <a:lumMod val="60000"/>
-                  <a:lumOff val="40000"/>
-                  <a:alpha val="8000"/>
-                </a:schemeClr>
-              </a:gs>
-              <a:gs pos="72000">
-                <a:schemeClr val="bg2">
-                  <a:lumMod val="60000"/>
-                  <a:lumOff val="40000"/>
-                  <a:alpha val="0"/>
-                </a:schemeClr>
-              </a:gs>
-              <a:gs pos="36000">
-                <a:schemeClr val="bg2">
-                  <a:lumMod val="60000"/>
-                  <a:lumOff val="40000"/>
-                  <a:alpha val="8000"/>
-                </a:schemeClr>
-              </a:gs>
-            </a:gsLst>
-            <a:path path="circle">
-              <a:fillToRect l="50000" t="50000" r="50000" b="50000"/>
-            </a:path>
-            <a:tileRect/>
-          </a:gradFill>
-          <a:ln>
-            <a:noFill/>
-          </a:ln>
-          <a:effectLst/>
-        </p:spPr>
-        <p:style>
-          <a:lnRef idx="1">
-            <a:schemeClr val="accent1"/>
-          </a:lnRef>
-          <a:fillRef idx="3">
-            <a:schemeClr val="accent1"/>
-          </a:fillRef>
-          <a:effectRef idx="2">
-            <a:schemeClr val="accent1"/>
-          </a:effectRef>
-          <a:fontRef idx="minor">
-            <a:schemeClr val="lt1"/>
-          </a:fontRef>
-        </p:style>
-      </p:sp>
-      <p:sp>
-        <p:nvSpPr>
-          <p:cNvPr id="19" name="Rectangle 18"/>
-          <p:cNvSpPr/>
-          <p:nvPr/>
-        </p:nvSpPr>
-        <p:spPr>
-          <a:xfrm>
-            <a:off x="7745644" y="0"/>
-            <a:ext cx="685800" cy="1099458"/>
+            <a:off x="10437812" y="0"/>
+            <a:ext cx="685800" cy="1143000"/>
           </a:xfrm>
           <a:prstGeom prst="rect">
             <a:avLst/>
@@ -27462,8 +27346,8 @@
         </p:nvSpPr>
         <p:spPr>
           <a:xfrm>
-            <a:off x="484710" y="452718"/>
-            <a:ext cx="7055380" cy="1400530"/>
+            <a:off x="646111" y="452718"/>
+            <a:ext cx="9404723" cy="1400530"/>
           </a:xfrm>
           <a:prstGeom prst="rect">
             <a:avLst/>
@@ -27495,8 +27379,8 @@
         </p:nvSpPr>
         <p:spPr>
           <a:xfrm>
-            <a:off x="827700" y="2052925"/>
-            <a:ext cx="6711654" cy="4195481"/>
+            <a:off x="1103312" y="2052918"/>
+            <a:ext cx="8946541" cy="4195481"/>
           </a:xfrm>
           <a:prstGeom prst="rect">
             <a:avLst/>
@@ -27557,8 +27441,8 @@
         </p:nvSpPr>
         <p:spPr>
           <a:xfrm rot="5400000">
-            <a:off x="7494989" y="1828771"/>
-            <a:ext cx="990599" cy="228659"/>
+            <a:off x="10155639" y="1790701"/>
+            <a:ext cx="990599" cy="304799"/>
           </a:xfrm>
           <a:prstGeom prst="rect">
             <a:avLst/>
@@ -27581,7 +27465,7 @@
           <a:p>
             <a:fld id="{4AAD347D-5ACD-4C99-B74B-A9C85AD731AF}" type="datetimeFigureOut">
               <a:rPr lang="en-US" dirty="0"/>
-              <a:t>6/14/2017</a:t>
+              <a:t>7/19/2017</a:t>
             </a:fld>
             <a:endParaRPr lang="en-US" dirty="0"/>
           </a:p>
@@ -27599,8 +27483,8 @@
         </p:nvSpPr>
         <p:spPr>
           <a:xfrm rot="5400000">
-            <a:off x="6233335" y="3263371"/>
-            <a:ext cx="3859795" cy="228660"/>
+            <a:off x="8951573" y="3225297"/>
+            <a:ext cx="3859795" cy="304801"/>
           </a:xfrm>
           <a:prstGeom prst="rect">
             <a:avLst/>
@@ -27637,8 +27521,8 @@
         </p:nvSpPr>
         <p:spPr bwMode="gray">
           <a:xfrm>
-            <a:off x="7766431" y="295736"/>
-            <a:ext cx="628813" cy="767687"/>
+            <a:off x="10352540" y="295729"/>
+            <a:ext cx="838199" cy="767687"/>
           </a:xfrm>
           <a:prstGeom prst="rect">
             <a:avLst/>
@@ -27648,7 +27532,7 @@
           <a:bodyPr vert="horz" lIns="91440" tIns="45720" rIns="91440" bIns="45720" rtlCol="0" anchor="b"/>
           <a:lstStyle>
             <a:lvl1pPr algn="ctr">
-              <a:defRPr sz="2801" b="0" i="0">
+              <a:defRPr sz="2800" b="0" i="0">
                 <a:solidFill>
                   <a:schemeClr val="tx1">
                     <a:tint val="75000"/>
@@ -27677,7 +27561,7 @@
           <p:cNvPr id="13" name="Line 2">
             <a:extLst>
               <a:ext uri="{FF2B5EF4-FFF2-40B4-BE49-F238E27FC236}">
-                <a16:creationId xmlns:a16="http://schemas.microsoft.com/office/drawing/2014/main" id="{C5E17D1A-15A6-4021-96E6-153A6F850D50}"/>
+                <a16:creationId xmlns:a16="http://schemas.microsoft.com/office/drawing/2014/main" id="{A7D07A28-B4AC-4D1B-A018-A472E0FF361E}"/>
               </a:ext>
             </a:extLst>
           </p:cNvPr>
@@ -27689,7 +27573,7 @@
         <p:spPr bwMode="auto">
           <a:xfrm>
             <a:off x="0" y="1268413"/>
-            <a:ext cx="9144000" cy="0"/>
+            <a:ext cx="12192000" cy="0"/>
           </a:xfrm>
           <a:prstGeom prst="line">
             <a:avLst/>
@@ -27719,10 +27603,10 @@
       </p:sp>
       <p:sp>
         <p:nvSpPr>
-          <p:cNvPr id="14" name="Rectangle 11">
+          <p:cNvPr id="15" name="Rectangle 11">
             <a:extLst>
               <a:ext uri="{FF2B5EF4-FFF2-40B4-BE49-F238E27FC236}">
-                <a16:creationId xmlns:a16="http://schemas.microsoft.com/office/drawing/2014/main" id="{72CDBC0E-B4D9-4877-ACE5-02E0AC0FC37D}"/>
+                <a16:creationId xmlns:a16="http://schemas.microsoft.com/office/drawing/2014/main" id="{71946FC0-068E-4991-B2CF-08820B2D661E}"/>
               </a:ext>
             </a:extLst>
           </p:cNvPr>
@@ -27733,8 +27617,8 @@
         </p:nvSpPr>
         <p:spPr bwMode="auto">
           <a:xfrm>
-            <a:off x="1908175" y="6453188"/>
-            <a:ext cx="7235825" cy="404812"/>
+            <a:off x="2544234" y="6453188"/>
+            <a:ext cx="9647767" cy="404812"/>
           </a:xfrm>
           <a:prstGeom prst="rect">
             <a:avLst/>
@@ -27761,10 +27645,10 @@
       </p:sp>
       <p:sp>
         <p:nvSpPr>
-          <p:cNvPr id="15" name="Text Box 15">
+          <p:cNvPr id="17" name="Text Box 15">
             <a:extLst>
               <a:ext uri="{FF2B5EF4-FFF2-40B4-BE49-F238E27FC236}">
-                <a16:creationId xmlns:a16="http://schemas.microsoft.com/office/drawing/2014/main" id="{E812166E-553A-4ED3-B011-33E5F3874115}"/>
+                <a16:creationId xmlns:a16="http://schemas.microsoft.com/office/drawing/2014/main" id="{240BD178-8E8A-4ECE-854A-6D3AA995A217}"/>
               </a:ext>
             </a:extLst>
           </p:cNvPr>
@@ -27775,8 +27659,8 @@
         </p:nvSpPr>
         <p:spPr bwMode="auto">
           <a:xfrm>
-            <a:off x="939800" y="6508750"/>
-            <a:ext cx="903288" cy="307975"/>
+            <a:off x="1253067" y="6508751"/>
+            <a:ext cx="902811" cy="307777"/>
           </a:xfrm>
           <a:prstGeom prst="rect">
             <a:avLst/>
@@ -27815,10 +27699,10 @@
       </p:sp>
       <p:sp>
         <p:nvSpPr>
-          <p:cNvPr id="16" name="Text Box 17">
+          <p:cNvPr id="18" name="Text Box 17">
             <a:extLst>
               <a:ext uri="{FF2B5EF4-FFF2-40B4-BE49-F238E27FC236}">
-                <a16:creationId xmlns:a16="http://schemas.microsoft.com/office/drawing/2014/main" id="{53CAE73A-D971-4E3B-B6A4-28E8E2587653}"/>
+                <a16:creationId xmlns:a16="http://schemas.microsoft.com/office/drawing/2014/main" id="{C74B8027-6DB8-4DC2-9D63-20D42ABA45F4}"/>
               </a:ext>
             </a:extLst>
           </p:cNvPr>
@@ -27829,8 +27713,8 @@
         </p:nvSpPr>
         <p:spPr bwMode="auto">
           <a:xfrm>
-            <a:off x="6804025" y="6515100"/>
-            <a:ext cx="2266950" cy="307975"/>
+            <a:off x="9072033" y="6515101"/>
+            <a:ext cx="2266711" cy="307777"/>
           </a:xfrm>
           <a:prstGeom prst="rect">
             <a:avLst/>
@@ -27876,10 +27760,10 @@
       </p:sp>
       <p:sp>
         <p:nvSpPr>
-          <p:cNvPr id="17" name="Oval 28">
+          <p:cNvPr id="19" name="Oval 28">
             <a:extLst>
               <a:ext uri="{FF2B5EF4-FFF2-40B4-BE49-F238E27FC236}">
-                <a16:creationId xmlns:a16="http://schemas.microsoft.com/office/drawing/2014/main" id="{C7EDEDAC-6A9F-42BC-B368-8200AA87AE21}"/>
+                <a16:creationId xmlns:a16="http://schemas.microsoft.com/office/drawing/2014/main" id="{A82AFC0F-E706-447E-B6A2-172076C9E5DC}"/>
               </a:ext>
             </a:extLst>
           </p:cNvPr>
@@ -27890,8 +27774,8 @@
         </p:nvSpPr>
         <p:spPr bwMode="hidden">
           <a:xfrm flipH="1">
-            <a:off x="7188200" y="2122488"/>
-            <a:ext cx="1308100" cy="1308100"/>
+            <a:off x="9584267" y="2122488"/>
+            <a:ext cx="1744133" cy="1308100"/>
           </a:xfrm>
           <a:prstGeom prst="ellipse">
             <a:avLst/>
@@ -27934,10 +27818,10 @@
       </p:sp>
       <p:sp>
         <p:nvSpPr>
-          <p:cNvPr id="18" name="Oval 29">
+          <p:cNvPr id="20" name="Oval 29">
             <a:extLst>
               <a:ext uri="{FF2B5EF4-FFF2-40B4-BE49-F238E27FC236}">
-                <a16:creationId xmlns:a16="http://schemas.microsoft.com/office/drawing/2014/main" id="{8DA83B35-CE3A-4A28-872A-C294D41F7C39}"/>
+                <a16:creationId xmlns:a16="http://schemas.microsoft.com/office/drawing/2014/main" id="{E7DF6A28-3201-49C4-8450-2864D38C5D31}"/>
               </a:ext>
             </a:extLst>
           </p:cNvPr>
@@ -27948,8 +27832,8 @@
         </p:nvSpPr>
         <p:spPr bwMode="hidden">
           <a:xfrm flipH="1">
-            <a:off x="5651500" y="2122488"/>
-            <a:ext cx="1308100" cy="1308100"/>
+            <a:off x="7535334" y="2122488"/>
+            <a:ext cx="1744133" cy="1308100"/>
           </a:xfrm>
           <a:prstGeom prst="ellipse">
             <a:avLst/>
@@ -27992,10 +27876,10 @@
       </p:sp>
       <p:sp>
         <p:nvSpPr>
-          <p:cNvPr id="25" name="Oval 30">
+          <p:cNvPr id="21" name="Oval 30">
             <a:extLst>
               <a:ext uri="{FF2B5EF4-FFF2-40B4-BE49-F238E27FC236}">
-                <a16:creationId xmlns:a16="http://schemas.microsoft.com/office/drawing/2014/main" id="{5608F8C0-1C4C-4595-92AA-4BE0CB4EC2AF}"/>
+                <a16:creationId xmlns:a16="http://schemas.microsoft.com/office/drawing/2014/main" id="{E04510CA-24D1-4AE8-BE47-9DB65AE6B525}"/>
               </a:ext>
             </a:extLst>
           </p:cNvPr>
@@ -28006,8 +27890,8 @@
         </p:nvSpPr>
         <p:spPr bwMode="hidden">
           <a:xfrm flipH="1">
-            <a:off x="4113213" y="2122488"/>
-            <a:ext cx="1309687" cy="1308100"/>
+            <a:off x="5484285" y="2122488"/>
+            <a:ext cx="1746249" cy="1308100"/>
           </a:xfrm>
           <a:prstGeom prst="ellipse">
             <a:avLst/>
@@ -28039,10 +27923,10 @@
       </p:sp>
       <p:sp>
         <p:nvSpPr>
-          <p:cNvPr id="26" name="Oval 31">
+          <p:cNvPr id="22" name="Oval 31">
             <a:extLst>
               <a:ext uri="{FF2B5EF4-FFF2-40B4-BE49-F238E27FC236}">
-                <a16:creationId xmlns:a16="http://schemas.microsoft.com/office/drawing/2014/main" id="{D57040AA-B3E7-4BE5-AC92-A621B04AF697}"/>
+                <a16:creationId xmlns:a16="http://schemas.microsoft.com/office/drawing/2014/main" id="{05B47A7C-DF75-4E33-882A-F3C1C3FA0F64}"/>
               </a:ext>
             </a:extLst>
           </p:cNvPr>
@@ -28053,8 +27937,8 @@
         </p:nvSpPr>
         <p:spPr bwMode="hidden">
           <a:xfrm flipH="1">
-            <a:off x="4113213" y="3560763"/>
-            <a:ext cx="1309687" cy="1308100"/>
+            <a:off x="5484285" y="3560763"/>
+            <a:ext cx="1746249" cy="1308100"/>
           </a:xfrm>
           <a:prstGeom prst="ellipse">
             <a:avLst/>
@@ -28097,10 +27981,10 @@
       </p:sp>
       <p:sp>
         <p:nvSpPr>
-          <p:cNvPr id="27" name="Oval 32">
+          <p:cNvPr id="23" name="Oval 32">
             <a:extLst>
               <a:ext uri="{FF2B5EF4-FFF2-40B4-BE49-F238E27FC236}">
-                <a16:creationId xmlns:a16="http://schemas.microsoft.com/office/drawing/2014/main" id="{B9072BC1-4181-4E6B-B33D-374230BBAC45}"/>
+                <a16:creationId xmlns:a16="http://schemas.microsoft.com/office/drawing/2014/main" id="{028BAC21-3AB4-4C7C-9FAF-850DE5BDEE4A}"/>
               </a:ext>
             </a:extLst>
           </p:cNvPr>
@@ -28111,8 +27995,8 @@
         </p:nvSpPr>
         <p:spPr bwMode="hidden">
           <a:xfrm flipH="1">
-            <a:off x="2627313" y="3560763"/>
-            <a:ext cx="1308100" cy="1308100"/>
+            <a:off x="3503084" y="3560763"/>
+            <a:ext cx="1744133" cy="1308100"/>
           </a:xfrm>
           <a:prstGeom prst="ellipse">
             <a:avLst/>
@@ -28155,10 +28039,10 @@
       </p:sp>
       <p:sp>
         <p:nvSpPr>
-          <p:cNvPr id="28" name="Oval 33">
+          <p:cNvPr id="24" name="Oval 33">
             <a:extLst>
               <a:ext uri="{FF2B5EF4-FFF2-40B4-BE49-F238E27FC236}">
-                <a16:creationId xmlns:a16="http://schemas.microsoft.com/office/drawing/2014/main" id="{822DC7A5-2E68-489B-8609-2C4D475DE04F}"/>
+                <a16:creationId xmlns:a16="http://schemas.microsoft.com/office/drawing/2014/main" id="{642D6101-1C93-48FB-9D7F-35DEFA3FD124}"/>
               </a:ext>
             </a:extLst>
           </p:cNvPr>
@@ -28169,8 +28053,8 @@
         </p:nvSpPr>
         <p:spPr bwMode="hidden">
           <a:xfrm flipH="1">
-            <a:off x="7188200" y="3560763"/>
-            <a:ext cx="1308100" cy="1308100"/>
+            <a:off x="9584267" y="3560763"/>
+            <a:ext cx="1744133" cy="1308100"/>
           </a:xfrm>
           <a:prstGeom prst="ellipse">
             <a:avLst/>
@@ -28202,10 +28086,10 @@
       </p:sp>
       <p:pic>
         <p:nvPicPr>
-          <p:cNvPr id="29" name="Picture 35" descr="Excel 2010">
+          <p:cNvPr id="25" name="Picture 35" descr="Excel 2010">
             <a:extLst>
               <a:ext uri="{FF2B5EF4-FFF2-40B4-BE49-F238E27FC236}">
-                <a16:creationId xmlns:a16="http://schemas.microsoft.com/office/drawing/2014/main" id="{E399C176-8C8E-4228-AFE8-2E19C330DBCE}"/>
+                <a16:creationId xmlns:a16="http://schemas.microsoft.com/office/drawing/2014/main" id="{303F4363-F555-4817-891C-55DB0EF91C96}"/>
               </a:ext>
             </a:extLst>
           </p:cNvPr>
@@ -28215,7 +28099,7 @@
           <p:nvPr userDrawn="1"/>
         </p:nvPicPr>
         <p:blipFill>
-          <a:blip r:embed="rId19"/>
+          <a:blip r:embed="rId23"/>
           <a:srcRect/>
           <a:stretch>
             <a:fillRect/>
@@ -28223,8 +28107,8 @@
         </p:blipFill>
         <p:spPr bwMode="auto">
           <a:xfrm>
-            <a:off x="-1588" y="5943600"/>
-            <a:ext cx="914401" cy="914400"/>
+            <a:off x="-2117" y="5943600"/>
+            <a:ext cx="1219201" cy="914400"/>
           </a:xfrm>
           <a:prstGeom prst="rect">
             <a:avLst/>
@@ -28241,34 +28125,34 @@
     </p:spTree>
     <p:extLst>
       <p:ext uri="{BB962C8B-B14F-4D97-AF65-F5344CB8AC3E}">
-        <p14:creationId xmlns:p14="http://schemas.microsoft.com/office/powerpoint/2010/main" val="3972256041"/>
+        <p14:creationId xmlns:p14="http://schemas.microsoft.com/office/powerpoint/2010/main" val="773420801"/>
       </p:ext>
     </p:extLst>
   </p:cSld>
   <p:clrMap bg1="dk1" tx1="lt1" bg2="dk2" tx2="lt2" accent1="accent1" accent2="accent2" accent3="accent3" accent4="accent4" accent5="accent5" accent6="accent6" hlink="hlink" folHlink="folHlink"/>
   <p:sldLayoutIdLst>
-    <p:sldLayoutId id="2147483735" r:id="rId1"/>
-    <p:sldLayoutId id="2147483736" r:id="rId2"/>
-    <p:sldLayoutId id="2147483737" r:id="rId3"/>
-    <p:sldLayoutId id="2147483738" r:id="rId4"/>
-    <p:sldLayoutId id="2147483739" r:id="rId5"/>
-    <p:sldLayoutId id="2147483740" r:id="rId6"/>
-    <p:sldLayoutId id="2147483741" r:id="rId7"/>
-    <p:sldLayoutId id="2147483742" r:id="rId8"/>
-    <p:sldLayoutId id="2147483743" r:id="rId9"/>
-    <p:sldLayoutId id="2147483744" r:id="rId10"/>
-    <p:sldLayoutId id="2147483745" r:id="rId11"/>
-    <p:sldLayoutId id="2147483746" r:id="rId12"/>
-    <p:sldLayoutId id="2147483747" r:id="rId13"/>
-    <p:sldLayoutId id="2147483748" r:id="rId14"/>
-    <p:sldLayoutId id="2147483749" r:id="rId15"/>
-    <p:sldLayoutId id="2147483750" r:id="rId16"/>
-    <p:sldLayoutId id="2147483751" r:id="rId17"/>
+    <p:sldLayoutId id="2147483753" r:id="rId1"/>
+    <p:sldLayoutId id="2147483754" r:id="rId2"/>
+    <p:sldLayoutId id="2147483755" r:id="rId3"/>
+    <p:sldLayoutId id="2147483756" r:id="rId4"/>
+    <p:sldLayoutId id="2147483757" r:id="rId5"/>
+    <p:sldLayoutId id="2147483758" r:id="rId6"/>
+    <p:sldLayoutId id="2147483759" r:id="rId7"/>
+    <p:sldLayoutId id="2147483760" r:id="rId8"/>
+    <p:sldLayoutId id="2147483761" r:id="rId9"/>
+    <p:sldLayoutId id="2147483762" r:id="rId10"/>
+    <p:sldLayoutId id="2147483763" r:id="rId11"/>
+    <p:sldLayoutId id="2147483764" r:id="rId12"/>
+    <p:sldLayoutId id="2147483765" r:id="rId13"/>
+    <p:sldLayoutId id="2147483766" r:id="rId14"/>
+    <p:sldLayoutId id="2147483767" r:id="rId15"/>
+    <p:sldLayoutId id="2147483768" r:id="rId16"/>
+    <p:sldLayoutId id="2147483769" r:id="rId17"/>
   </p:sldLayoutIdLst>
   <p:hf hdr="0" ftr="0" dt="0"/>
   <p:txStyles>
     <p:titleStyle>
-      <a:lvl1pPr algn="l" defTabSz="457207" rtl="0" eaLnBrk="1" latinLnBrk="0" hangingPunct="1">
+      <a:lvl1pPr algn="l" defTabSz="457200" rtl="0" eaLnBrk="1" latinLnBrk="0" hangingPunct="1">
         <a:spcBef>
           <a:spcPct val="0"/>
         </a:spcBef>
@@ -28340,7 +28224,7 @@
       </a:lvl9pPr>
     </p:titleStyle>
     <p:bodyStyle>
-      <a:lvl1pPr marL="342906" indent="-342906" algn="l" defTabSz="457207" rtl="0" eaLnBrk="1" latinLnBrk="0" hangingPunct="1">
+      <a:lvl1pPr marL="342900" indent="-342900" algn="l" defTabSz="457200" rtl="0" eaLnBrk="1" latinLnBrk="0" hangingPunct="1">
         <a:spcBef>
           <a:spcPts val="1000"/>
         </a:spcBef>
@@ -28365,7 +28249,7 @@
           <a:cs typeface="+mj-cs"/>
         </a:defRPr>
       </a:lvl1pPr>
-      <a:lvl2pPr marL="742962" indent="-285755" algn="l" defTabSz="457207" rtl="0" eaLnBrk="1" latinLnBrk="0" hangingPunct="1">
+      <a:lvl2pPr marL="742950" indent="-285750" algn="l" defTabSz="457200" rtl="0" eaLnBrk="1" latinLnBrk="0" hangingPunct="1">
         <a:spcBef>
           <a:spcPts val="1000"/>
         </a:spcBef>
@@ -28390,7 +28274,7 @@
           <a:cs typeface="+mj-cs"/>
         </a:defRPr>
       </a:lvl2pPr>
-      <a:lvl3pPr marL="1143020" indent="-228604" algn="l" defTabSz="457207" rtl="0" eaLnBrk="1" latinLnBrk="0" hangingPunct="1">
+      <a:lvl3pPr marL="1143000" indent="-228600" algn="l" defTabSz="457200" rtl="0" eaLnBrk="1" latinLnBrk="0" hangingPunct="1">
         <a:spcBef>
           <a:spcPts val="1000"/>
         </a:spcBef>
@@ -28415,7 +28299,7 @@
           <a:cs typeface="+mj-cs"/>
         </a:defRPr>
       </a:lvl3pPr>
-      <a:lvl4pPr marL="1600227" indent="-228604" algn="l" defTabSz="457207" rtl="0" eaLnBrk="1" latinLnBrk="0" hangingPunct="1">
+      <a:lvl4pPr marL="1600200" indent="-228600" algn="l" defTabSz="457200" rtl="0" eaLnBrk="1" latinLnBrk="0" hangingPunct="1">
         <a:spcBef>
           <a:spcPts val="1000"/>
         </a:spcBef>
@@ -28440,7 +28324,7 @@
           <a:cs typeface="+mj-cs"/>
         </a:defRPr>
       </a:lvl4pPr>
-      <a:lvl5pPr marL="2057434" indent="-228604" algn="l" defTabSz="457207" rtl="0" eaLnBrk="1" latinLnBrk="0" hangingPunct="1">
+      <a:lvl5pPr marL="2057400" indent="-228600" algn="l" defTabSz="457200" rtl="0" eaLnBrk="1" latinLnBrk="0" hangingPunct="1">
         <a:spcBef>
           <a:spcPts val="1000"/>
         </a:spcBef>
@@ -28465,7 +28349,7 @@
           <a:cs typeface="+mj-cs"/>
         </a:defRPr>
       </a:lvl5pPr>
-      <a:lvl6pPr marL="2514642" indent="-228604" algn="l" defTabSz="457207" rtl="0" eaLnBrk="1" latinLnBrk="0" hangingPunct="1">
+      <a:lvl6pPr marL="2506000" indent="-228600" algn="l" defTabSz="457200" rtl="0" eaLnBrk="1" latinLnBrk="0" hangingPunct="1">
         <a:spcBef>
           <a:spcPts val="1000"/>
         </a:spcBef>
@@ -28490,7 +28374,7 @@
           <a:cs typeface="+mj-cs"/>
         </a:defRPr>
       </a:lvl6pPr>
-      <a:lvl7pPr marL="2971849" indent="-228604" algn="l" defTabSz="457207" rtl="0" eaLnBrk="1" latinLnBrk="0" hangingPunct="1">
+      <a:lvl7pPr marL="2971800" indent="-228600" algn="l" defTabSz="457200" rtl="0" eaLnBrk="1" latinLnBrk="0" hangingPunct="1">
         <a:spcBef>
           <a:spcPts val="1000"/>
         </a:spcBef>
@@ -28515,7 +28399,7 @@
           <a:cs typeface="+mj-cs"/>
         </a:defRPr>
       </a:lvl7pPr>
-      <a:lvl8pPr marL="3429057" indent="-228604" algn="l" defTabSz="457207" rtl="0" eaLnBrk="1" latinLnBrk="0" hangingPunct="1">
+      <a:lvl8pPr marL="3429000" indent="-228600" algn="l" defTabSz="457200" rtl="0" eaLnBrk="1" latinLnBrk="0" hangingPunct="1">
         <a:spcBef>
           <a:spcPts val="1000"/>
         </a:spcBef>
@@ -28540,7 +28424,7 @@
           <a:cs typeface="+mj-cs"/>
         </a:defRPr>
       </a:lvl8pPr>
-      <a:lvl9pPr marL="3886264" indent="-228604" algn="l" defTabSz="457207" rtl="0" eaLnBrk="1" latinLnBrk="0" hangingPunct="1">
+      <a:lvl9pPr marL="3886200" indent="-228600" algn="l" defTabSz="457200" rtl="0" eaLnBrk="1" latinLnBrk="0" hangingPunct="1">
         <a:spcBef>
           <a:spcPts val="1000"/>
         </a:spcBef>
@@ -28570,7 +28454,7 @@
       <a:defPPr>
         <a:defRPr lang="en-US"/>
       </a:defPPr>
-      <a:lvl1pPr marL="0" algn="l" defTabSz="457207" rtl="0" eaLnBrk="1" latinLnBrk="0" hangingPunct="1">
+      <a:lvl1pPr marL="0" algn="l" defTabSz="457200" rtl="0" eaLnBrk="1" latinLnBrk="0" hangingPunct="1">
         <a:defRPr sz="1800" kern="1200">
           <a:solidFill>
             <a:schemeClr val="tx1"/>
@@ -28580,7 +28464,7 @@
           <a:cs typeface="+mn-cs"/>
         </a:defRPr>
       </a:lvl1pPr>
-      <a:lvl2pPr marL="457207" algn="l" defTabSz="457207" rtl="0" eaLnBrk="1" latinLnBrk="0" hangingPunct="1">
+      <a:lvl2pPr marL="457200" algn="l" defTabSz="457200" rtl="0" eaLnBrk="1" latinLnBrk="0" hangingPunct="1">
         <a:defRPr sz="1800" kern="1200">
           <a:solidFill>
             <a:schemeClr val="tx1"/>
@@ -28590,7 +28474,7 @@
           <a:cs typeface="+mn-cs"/>
         </a:defRPr>
       </a:lvl2pPr>
-      <a:lvl3pPr marL="914415" algn="l" defTabSz="457207" rtl="0" eaLnBrk="1" latinLnBrk="0" hangingPunct="1">
+      <a:lvl3pPr marL="914400" algn="l" defTabSz="457200" rtl="0" eaLnBrk="1" latinLnBrk="0" hangingPunct="1">
         <a:defRPr sz="1800" kern="1200">
           <a:solidFill>
             <a:schemeClr val="tx1"/>
@@ -28600,7 +28484,7 @@
           <a:cs typeface="+mn-cs"/>
         </a:defRPr>
       </a:lvl3pPr>
-      <a:lvl4pPr marL="1371622" algn="l" defTabSz="457207" rtl="0" eaLnBrk="1" latinLnBrk="0" hangingPunct="1">
+      <a:lvl4pPr marL="1371600" algn="l" defTabSz="457200" rtl="0" eaLnBrk="1" latinLnBrk="0" hangingPunct="1">
         <a:defRPr sz="1800" kern="1200">
           <a:solidFill>
             <a:schemeClr val="tx1"/>
@@ -28610,7 +28494,7 @@
           <a:cs typeface="+mn-cs"/>
         </a:defRPr>
       </a:lvl4pPr>
-      <a:lvl5pPr marL="1828831" algn="l" defTabSz="457207" rtl="0" eaLnBrk="1" latinLnBrk="0" hangingPunct="1">
+      <a:lvl5pPr marL="1828800" algn="l" defTabSz="457200" rtl="0" eaLnBrk="1" latinLnBrk="0" hangingPunct="1">
         <a:defRPr sz="1800" kern="1200">
           <a:solidFill>
             <a:schemeClr val="tx1"/>
@@ -28620,7 +28504,7 @@
           <a:cs typeface="+mn-cs"/>
         </a:defRPr>
       </a:lvl5pPr>
-      <a:lvl6pPr marL="2286038" algn="l" defTabSz="457207" rtl="0" eaLnBrk="1" latinLnBrk="0" hangingPunct="1">
+      <a:lvl6pPr marL="2286000" algn="l" defTabSz="457200" rtl="0" eaLnBrk="1" latinLnBrk="0" hangingPunct="1">
         <a:defRPr sz="1800" kern="1200">
           <a:solidFill>
             <a:schemeClr val="tx1"/>
@@ -28630,7 +28514,7 @@
           <a:cs typeface="+mn-cs"/>
         </a:defRPr>
       </a:lvl6pPr>
-      <a:lvl7pPr marL="2743246" algn="l" defTabSz="457207" rtl="0" eaLnBrk="1" latinLnBrk="0" hangingPunct="1">
+      <a:lvl7pPr marL="2743200" algn="l" defTabSz="457200" rtl="0" eaLnBrk="1" latinLnBrk="0" hangingPunct="1">
         <a:defRPr sz="1800" kern="1200">
           <a:solidFill>
             <a:schemeClr val="tx1"/>
@@ -28640,7 +28524,7 @@
           <a:cs typeface="+mn-cs"/>
         </a:defRPr>
       </a:lvl7pPr>
-      <a:lvl8pPr marL="3200453" algn="l" defTabSz="457207" rtl="0" eaLnBrk="1" latinLnBrk="0" hangingPunct="1">
+      <a:lvl8pPr marL="3200400" algn="l" defTabSz="457200" rtl="0" eaLnBrk="1" latinLnBrk="0" hangingPunct="1">
         <a:defRPr sz="1800" kern="1200">
           <a:solidFill>
             <a:schemeClr val="tx1"/>
@@ -28650,7 +28534,7 @@
           <a:cs typeface="+mn-cs"/>
         </a:defRPr>
       </a:lvl8pPr>
-      <a:lvl9pPr marL="3657661" algn="l" defTabSz="457207" rtl="0" eaLnBrk="1" latinLnBrk="0" hangingPunct="1">
+      <a:lvl9pPr marL="3657600" algn="l" defTabSz="457200" rtl="0" eaLnBrk="1" latinLnBrk="0" hangingPunct="1">
         <a:defRPr sz="1800" kern="1200">
           <a:solidFill>
             <a:schemeClr val="tx1"/>
@@ -28694,7 +28578,7 @@
         </p:nvSpPr>
         <p:spPr>
           <a:xfrm>
-            <a:off x="903288" y="2636838"/>
+            <a:off x="2427288" y="2636839"/>
             <a:ext cx="7772400" cy="1368425"/>
           </a:xfrm>
         </p:spPr>
@@ -28751,7 +28635,7 @@
         </p:nvSpPr>
         <p:spPr>
           <a:xfrm>
-            <a:off x="5148263" y="4232275"/>
+            <a:off x="6672263" y="4232275"/>
             <a:ext cx="2520950" cy="647700"/>
           </a:xfrm>
         </p:spPr>
@@ -28767,7 +28651,7 @@
               </a:lnSpc>
               <a:defRPr/>
             </a:pPr>
-            <a:endParaRPr lang="zh-CN" altLang="en-US" sz="2000" dirty="0">
+            <a:endParaRPr lang="zh-CN" altLang="en-US" dirty="0">
               <a:effectLst>
                 <a:outerShdw blurRad="38100" dist="38100" dir="2700000" algn="tl">
                   <a:srgbClr val="FFFFFF"/>
@@ -28784,7 +28668,7 @@
               <a:defRPr/>
             </a:pPr>
             <a:r>
-              <a:rPr lang="en-US" altLang="zh-CN" sz="2000" dirty="0">
+              <a:rPr lang="en-US" altLang="zh-CN" dirty="0">
                 <a:effectLst>
                   <a:outerShdw blurRad="38100" dist="38100" dir="2700000" algn="tl">
                     <a:srgbClr val="FFFFFF"/>
@@ -28813,7 +28697,7 @@
         </p:blipFill>
         <p:spPr bwMode="auto">
           <a:xfrm>
-            <a:off x="1331913" y="5173663"/>
+            <a:off x="2855913" y="5173664"/>
             <a:ext cx="800100" cy="1684337"/>
           </a:xfrm>
           <a:prstGeom prst="rect">
@@ -28845,7 +28729,7 @@
         </p:blipFill>
         <p:spPr bwMode="auto">
           <a:xfrm>
-            <a:off x="6948488" y="0"/>
+            <a:off x="8472488" y="0"/>
             <a:ext cx="800100" cy="1684338"/>
           </a:xfrm>
           <a:prstGeom prst="rect">
@@ -28877,7 +28761,7 @@
         </p:blipFill>
         <p:spPr bwMode="auto">
           <a:xfrm>
-            <a:off x="2124075" y="5170488"/>
+            <a:off x="3648075" y="5170488"/>
             <a:ext cx="800100" cy="1687512"/>
           </a:xfrm>
           <a:prstGeom prst="rect">
@@ -28909,7 +28793,7 @@
         </p:blipFill>
         <p:spPr bwMode="auto">
           <a:xfrm>
-            <a:off x="7740650" y="0"/>
+            <a:off x="9264650" y="0"/>
             <a:ext cx="800100" cy="1682750"/>
           </a:xfrm>
           <a:prstGeom prst="rect">
@@ -28941,7 +28825,7 @@
         </p:blipFill>
         <p:spPr bwMode="auto">
           <a:xfrm>
-            <a:off x="539750" y="5170488"/>
+            <a:off x="2063750" y="5170488"/>
             <a:ext cx="800100" cy="1687512"/>
           </a:xfrm>
           <a:prstGeom prst="rect">
@@ -29202,14 +29086,14 @@
           <p:nvPr/>
         </p:nvGraphicFramePr>
         <p:xfrm>
-          <a:off x="5795963" y="1052513"/>
+          <a:off x="7319963" y="1052514"/>
           <a:ext cx="2976562" cy="2376487"/>
         </p:xfrm>
         <a:graphic>
           <a:graphicData uri="http://schemas.openxmlformats.org/presentationml/2006/ole">
             <mc:AlternateContent xmlns:mc="http://schemas.openxmlformats.org/markup-compatibility/2006">
               <mc:Choice xmlns:v="urn:schemas-microsoft-com:vml" Requires="v">
-                <p:oleObj spid="_x0000_s111630" r:id="rId4" imgW="2975106" imgH="2377646" progId="Excel.Chart.8">
+                <p:oleObj spid="_x0000_s111632" r:id="rId4" imgW="2975106" imgH="2377646" progId="Excel.Chart.8">
                   <p:embed/>
                 </p:oleObj>
               </mc:Choice>
@@ -29239,7 +29123,7 @@
                     </p:blipFill>
                     <p:spPr bwMode="auto">
                       <a:xfrm>
-                        <a:off x="5795963" y="1052513"/>
+                        <a:off x="7319963" y="1052514"/>
                         <a:ext cx="2976562" cy="2376487"/>
                       </a:xfrm>
                       <a:prstGeom prst="rect">
@@ -29272,14 +29156,14 @@
           <p:nvPr/>
         </p:nvGraphicFramePr>
         <p:xfrm>
-          <a:off x="5795963" y="3860800"/>
+          <a:off x="7319963" y="3860800"/>
           <a:ext cx="2976562" cy="2376488"/>
         </p:xfrm>
         <a:graphic>
           <a:graphicData uri="http://schemas.openxmlformats.org/presentationml/2006/ole">
             <mc:AlternateContent xmlns:mc="http://schemas.openxmlformats.org/markup-compatibility/2006">
               <mc:Choice xmlns:v="urn:schemas-microsoft-com:vml" Requires="v">
-                <p:oleObj spid="_x0000_s111631" r:id="rId6" imgW="2975106" imgH="2377646" progId="Excel.Chart.8">
+                <p:oleObj spid="_x0000_s111633" r:id="rId6" imgW="2975106" imgH="2377646" progId="Excel.Chart.8">
                   <p:embed/>
                 </p:oleObj>
               </mc:Choice>
@@ -29309,7 +29193,7 @@
                     </p:blipFill>
                     <p:spPr bwMode="auto">
                       <a:xfrm>
-                        <a:off x="5795963" y="3860800"/>
+                        <a:off x="7319963" y="3860800"/>
                         <a:ext cx="2976562" cy="2376488"/>
                       </a:xfrm>
                       <a:prstGeom prst="rect">
@@ -29341,7 +29225,7 @@
         </p:nvSpPr>
         <p:spPr>
           <a:xfrm>
-            <a:off x="8153400" y="765175"/>
+            <a:off x="9677400" y="765175"/>
             <a:ext cx="914400" cy="914400"/>
           </a:xfrm>
           <a:prstGeom prst="noSmoking">
@@ -29397,6 +29281,18 @@
   <p:clrMapOvr>
     <a:masterClrMapping/>
   </p:clrMapOvr>
+  <mc:AlternateContent xmlns:mc="http://schemas.openxmlformats.org/markup-compatibility/2006">
+    <mc:Choice xmlns:p14="http://schemas.microsoft.com/office/powerpoint/2010/main" Requires="p14">
+      <p:transition spd="slow" p14:dur="1400">
+        <p14:doors dir="vert"/>
+      </p:transition>
+    </mc:Choice>
+    <mc:Fallback>
+      <p:transition spd="slow">
+        <p:fade/>
+      </p:transition>
+    </mc:Fallback>
+  </mc:AlternateContent>
 </p:sld>
 </file>
 
@@ -29466,7 +29362,7 @@
         </p:nvSpPr>
         <p:spPr>
           <a:xfrm>
-            <a:off x="971550" y="1052513"/>
+            <a:off x="2495550" y="1052514"/>
             <a:ext cx="3816350" cy="5329237"/>
           </a:xfrm>
         </p:spPr>
@@ -29647,7 +29543,7 @@
         </p:blipFill>
         <p:spPr bwMode="auto">
           <a:xfrm>
-            <a:off x="4989513" y="908050"/>
+            <a:off x="6513514" y="908051"/>
             <a:ext cx="4154487" cy="5540375"/>
           </a:xfrm>
           <a:prstGeom prst="rect">
@@ -29667,6 +29563,18 @@
   <p:clrMapOvr>
     <a:masterClrMapping/>
   </p:clrMapOvr>
+  <mc:AlternateContent xmlns:mc="http://schemas.openxmlformats.org/markup-compatibility/2006">
+    <mc:Choice xmlns:p14="http://schemas.microsoft.com/office/powerpoint/2010/main" Requires="p14">
+      <p:transition spd="slow" p14:dur="1400">
+        <p14:doors dir="vert"/>
+      </p:transition>
+    </mc:Choice>
+    <mc:Fallback>
+      <p:transition spd="slow">
+        <p:fade/>
+      </p:transition>
+    </mc:Fallback>
+  </mc:AlternateContent>
 </p:sld>
 </file>
 
@@ -29764,7 +29672,7 @@
           <p:nvPr/>
         </p:nvGraphicFramePr>
         <p:xfrm>
-          <a:off x="395288" y="4076700"/>
+          <a:off x="1919288" y="4076700"/>
           <a:ext cx="3528392" cy="2021614"/>
         </p:xfrm>
         <a:graphic>
@@ -30436,7 +30344,7 @@
         </p:nvSpPr>
         <p:spPr>
           <a:xfrm rot="16200000">
-            <a:off x="4297363" y="4953000"/>
+            <a:off x="5821363" y="4953000"/>
             <a:ext cx="430212" cy="407988"/>
           </a:xfrm>
           <a:prstGeom prst="downArrow">
@@ -30484,7 +30392,7 @@
         </p:nvSpPr>
         <p:spPr>
           <a:xfrm>
-            <a:off x="1185863" y="1052513"/>
+            <a:off x="2709864" y="1052513"/>
             <a:ext cx="3602037" cy="3009900"/>
           </a:xfrm>
           <a:prstGeom prst="rect">
@@ -30661,7 +30569,7 @@
         </p:nvSpPr>
         <p:spPr>
           <a:xfrm>
-            <a:off x="5292725" y="1068388"/>
+            <a:off x="6816725" y="1068388"/>
             <a:ext cx="3602038" cy="1458912"/>
           </a:xfrm>
           <a:prstGeom prst="rect">
@@ -30787,7 +30695,7 @@
         </p:blipFill>
         <p:spPr bwMode="auto">
           <a:xfrm>
-            <a:off x="5029200" y="2954338"/>
+            <a:off x="6553201" y="2954339"/>
             <a:ext cx="3846513" cy="3425825"/>
           </a:xfrm>
           <a:prstGeom prst="rect">
@@ -30807,6 +30715,18 @@
   <p:clrMapOvr>
     <a:masterClrMapping/>
   </p:clrMapOvr>
+  <mc:AlternateContent xmlns:mc="http://schemas.openxmlformats.org/markup-compatibility/2006">
+    <mc:Choice xmlns:p14="http://schemas.microsoft.com/office/powerpoint/2010/main" Requires="p14">
+      <p:transition spd="slow" p14:dur="1600">
+        <p14:prism isInverted="1"/>
+      </p:transition>
+    </mc:Choice>
+    <mc:Fallback>
+      <p:transition spd="slow">
+        <p:fade/>
+      </p:transition>
+    </mc:Fallback>
+  </mc:AlternateContent>
 </p:sld>
 </file>
 
@@ -31063,6 +30983,18 @@
   <p:clrMapOvr>
     <a:masterClrMapping/>
   </p:clrMapOvr>
+  <mc:AlternateContent xmlns:mc="http://schemas.openxmlformats.org/markup-compatibility/2006">
+    <mc:Choice xmlns:p14="http://schemas.microsoft.com/office/powerpoint/2010/main" Requires="p14">
+      <p:transition spd="slow" p14:dur="1600">
+        <p14:prism isInverted="1"/>
+      </p:transition>
+    </mc:Choice>
+    <mc:Fallback>
+      <p:transition spd="slow">
+        <p:fade/>
+      </p:transition>
+    </mc:Fallback>
+  </mc:AlternateContent>
 </p:sld>
 </file>
 
@@ -31223,6 +31155,9 @@
   <p:clrMapOvr>
     <a:masterClrMapping/>
   </p:clrMapOvr>
+  <p:transition spd="slow">
+    <p:comb/>
+  </p:transition>
 </p:sld>
 </file>
 
@@ -31292,7 +31227,7 @@
         </p:nvSpPr>
         <p:spPr>
           <a:xfrm>
-            <a:off x="1116013" y="1196975"/>
+            <a:off x="2640014" y="1196976"/>
             <a:ext cx="7570787" cy="1008063"/>
           </a:xfrm>
         </p:spPr>
@@ -31352,14 +31287,14 @@
           <p:nvPr/>
         </p:nvGraphicFramePr>
         <p:xfrm>
-          <a:off x="1187450" y="2565400"/>
+          <a:off x="2711451" y="2565400"/>
           <a:ext cx="3313113" cy="3632200"/>
         </p:xfrm>
         <a:graphic>
           <a:graphicData uri="http://schemas.openxmlformats.org/presentationml/2006/ole">
             <mc:AlternateContent xmlns:mc="http://schemas.openxmlformats.org/markup-compatibility/2006">
               <mc:Choice xmlns:v="urn:schemas-microsoft-com:vml" Requires="v">
-                <p:oleObj spid="_x0000_s117774" r:id="rId3" imgW="3310415" imgH="3633531" progId="Excel.Chart.8">
+                <p:oleObj spid="_x0000_s117776" r:id="rId3" imgW="3310415" imgH="3633531" progId="Excel.Chart.8">
                   <p:embed/>
                 </p:oleObj>
               </mc:Choice>
@@ -31389,7 +31324,7 @@
                     </p:blipFill>
                     <p:spPr bwMode="auto">
                       <a:xfrm>
-                        <a:off x="1187450" y="2565400"/>
+                        <a:off x="2711451" y="2565400"/>
                         <a:ext cx="3313113" cy="3632200"/>
                       </a:xfrm>
                       <a:prstGeom prst="rect">
@@ -31422,14 +31357,14 @@
           <p:nvPr/>
         </p:nvGraphicFramePr>
         <p:xfrm>
-          <a:off x="5219700" y="2565400"/>
+          <a:off x="6743701" y="2565400"/>
           <a:ext cx="3313113" cy="3632200"/>
         </p:xfrm>
         <a:graphic>
           <a:graphicData uri="http://schemas.openxmlformats.org/presentationml/2006/ole">
             <mc:AlternateContent xmlns:mc="http://schemas.openxmlformats.org/markup-compatibility/2006">
               <mc:Choice xmlns:v="urn:schemas-microsoft-com:vml" Requires="v">
-                <p:oleObj spid="_x0000_s117775" r:id="rId5" imgW="3316511" imgH="3633531" progId="Excel.Chart.8">
+                <p:oleObj spid="_x0000_s117777" r:id="rId5" imgW="3316511" imgH="3633531" progId="Excel.Chart.8">
                   <p:embed/>
                 </p:oleObj>
               </mc:Choice>
@@ -31459,7 +31394,7 @@
                     </p:blipFill>
                     <p:spPr bwMode="auto">
                       <a:xfrm>
-                        <a:off x="5219700" y="2565400"/>
+                        <a:off x="6743701" y="2565400"/>
                         <a:ext cx="3313113" cy="3632200"/>
                       </a:xfrm>
                       <a:prstGeom prst="rect">
@@ -31491,7 +31426,7 @@
         </p:nvSpPr>
         <p:spPr>
           <a:xfrm rot="16200000">
-            <a:off x="4689476" y="4232275"/>
+            <a:off x="6213476" y="4232276"/>
             <a:ext cx="430212" cy="407987"/>
           </a:xfrm>
           <a:prstGeom prst="downArrow">
@@ -31536,6 +31471,18 @@
   <p:clrMapOvr>
     <a:masterClrMapping/>
   </p:clrMapOvr>
+  <mc:AlternateContent xmlns:mc="http://schemas.openxmlformats.org/markup-compatibility/2006">
+    <mc:Choice xmlns:p14="http://schemas.microsoft.com/office/powerpoint/2010/main" Requires="p14">
+      <p:transition spd="slow" p14:dur="900">
+        <p14:warp dir="in"/>
+      </p:transition>
+    </mc:Choice>
+    <mc:Fallback>
+      <p:transition spd="slow">
+        <p:fade/>
+      </p:transition>
+    </mc:Fallback>
+  </mc:AlternateContent>
 </p:sld>
 </file>
 
@@ -31604,14 +31551,14 @@
           </p:nvPr>
         </p:nvGraphicFramePr>
         <p:xfrm>
-          <a:off x="1263650" y="1701800"/>
+          <a:off x="2787650" y="1701800"/>
           <a:ext cx="3233738" cy="3959225"/>
         </p:xfrm>
         <a:graphic>
           <a:graphicData uri="http://schemas.openxmlformats.org/presentationml/2006/ole">
             <mc:AlternateContent xmlns:mc="http://schemas.openxmlformats.org/markup-compatibility/2006">
               <mc:Choice xmlns:v="urn:schemas-microsoft-com:vml" Requires="v">
-                <p:oleObj spid="_x0000_s118798" r:id="rId3" imgW="3237257" imgH="3962743" progId="Excel.Chart.8">
+                <p:oleObj spid="_x0000_s118800" r:id="rId3" imgW="3237257" imgH="3962743" progId="Excel.Chart.8">
                   <p:embed/>
                 </p:oleObj>
               </mc:Choice>
@@ -31641,7 +31588,7 @@
                     </p:blipFill>
                     <p:spPr bwMode="auto">
                       <a:xfrm>
-                        <a:off x="1263650" y="1701800"/>
+                        <a:off x="2787650" y="1701800"/>
                         <a:ext cx="3233738" cy="3959225"/>
                       </a:xfrm>
                       <a:prstGeom prst="rect">
@@ -31704,7 +31651,7 @@
         </p:nvSpPr>
         <p:spPr>
           <a:xfrm rot="16200000">
-            <a:off x="4776788" y="3584575"/>
+            <a:off x="6300788" y="3584575"/>
             <a:ext cx="430212" cy="407988"/>
           </a:xfrm>
           <a:prstGeom prst="downArrow">
@@ -31753,14 +31700,14 @@
           <p:nvPr/>
         </p:nvGraphicFramePr>
         <p:xfrm>
-          <a:off x="5437188" y="1701800"/>
+          <a:off x="6961188" y="1701801"/>
           <a:ext cx="3238500" cy="3959225"/>
         </p:xfrm>
         <a:graphic>
           <a:graphicData uri="http://schemas.openxmlformats.org/presentationml/2006/ole">
             <mc:AlternateContent xmlns:mc="http://schemas.openxmlformats.org/markup-compatibility/2006">
               <mc:Choice xmlns:v="urn:schemas-microsoft-com:vml" Requires="v">
-                <p:oleObj spid="_x0000_s118799" r:id="rId5" imgW="3237257" imgH="3962743" progId="Excel.Chart.8">
+                <p:oleObj spid="_x0000_s118801" r:id="rId5" imgW="3237257" imgH="3962743" progId="Excel.Chart.8">
                   <p:embed/>
                 </p:oleObj>
               </mc:Choice>
@@ -31790,7 +31737,7 @@
                     </p:blipFill>
                     <p:spPr bwMode="auto">
                       <a:xfrm>
-                        <a:off x="5437188" y="1701800"/>
+                        <a:off x="6961188" y="1701801"/>
                         <a:ext cx="3238500" cy="3959225"/>
                       </a:xfrm>
                       <a:prstGeom prst="rect">
@@ -31819,6 +31766,18 @@
   <p:clrMapOvr>
     <a:masterClrMapping/>
   </p:clrMapOvr>
+  <mc:AlternateContent xmlns:mc="http://schemas.openxmlformats.org/markup-compatibility/2006">
+    <mc:Choice xmlns:p14="http://schemas.microsoft.com/office/powerpoint/2010/main" Requires="p14">
+      <p:transition spd="slow" p14:dur="1600">
+        <p14:prism isContent="1" isInverted="1"/>
+      </p:transition>
+    </mc:Choice>
+    <mc:Fallback>
+      <p:transition spd="slow">
+        <p:fade/>
+      </p:transition>
+    </mc:Fallback>
+  </mc:AlternateContent>
 </p:sld>
 </file>
 
@@ -31888,7 +31847,7 @@
         </p:nvSpPr>
         <p:spPr>
           <a:xfrm>
-            <a:off x="1116013" y="1196975"/>
+            <a:off x="2640014" y="1196976"/>
             <a:ext cx="7570787" cy="1152525"/>
           </a:xfrm>
         </p:spPr>
@@ -31957,7 +31916,7 @@
         </p:nvSpPr>
         <p:spPr>
           <a:xfrm rot="16200000">
-            <a:off x="4681537" y="4376738"/>
+            <a:off x="6205538" y="4376738"/>
             <a:ext cx="430213" cy="407988"/>
           </a:xfrm>
           <a:prstGeom prst="downArrow">
@@ -32006,14 +31965,14 @@
           <p:nvPr/>
         </p:nvGraphicFramePr>
         <p:xfrm>
-          <a:off x="1023938" y="2781300"/>
+          <a:off x="2547938" y="2781301"/>
           <a:ext cx="3421062" cy="3419475"/>
         </p:xfrm>
         <a:graphic>
           <a:graphicData uri="http://schemas.openxmlformats.org/presentationml/2006/ole">
             <mc:AlternateContent xmlns:mc="http://schemas.openxmlformats.org/markup-compatibility/2006">
               <mc:Choice xmlns:v="urn:schemas-microsoft-com:vml" Requires="v">
-                <p:oleObj spid="_x0000_s119823" r:id="rId3" imgW="3420152" imgH="3420152" progId="Excel.Chart.8">
+                <p:oleObj spid="_x0000_s119825" r:id="rId3" imgW="3420152" imgH="3420152" progId="Excel.Chart.8">
                   <p:embed/>
                 </p:oleObj>
               </mc:Choice>
@@ -32043,7 +32002,7 @@
                     </p:blipFill>
                     <p:spPr bwMode="auto">
                       <a:xfrm>
-                        <a:off x="1023938" y="2781300"/>
+                        <a:off x="2547938" y="2781301"/>
                         <a:ext cx="3421062" cy="3419475"/>
                       </a:xfrm>
                       <a:prstGeom prst="rect">
@@ -32076,14 +32035,14 @@
           <p:nvPr/>
         </p:nvGraphicFramePr>
         <p:xfrm>
-          <a:off x="5219700" y="2781300"/>
+          <a:off x="6743701" y="2781301"/>
           <a:ext cx="3421063" cy="3419475"/>
         </p:xfrm>
         <a:graphic>
           <a:graphicData uri="http://schemas.openxmlformats.org/presentationml/2006/ole">
             <mc:AlternateContent xmlns:mc="http://schemas.openxmlformats.org/markup-compatibility/2006">
               <mc:Choice xmlns:v="urn:schemas-microsoft-com:vml" Requires="v">
-                <p:oleObj spid="_x0000_s119824" r:id="rId5" imgW="3420152" imgH="3420152" progId="Excel.Chart.8">
+                <p:oleObj spid="_x0000_s119826" r:id="rId5" imgW="3420152" imgH="3420152" progId="Excel.Chart.8">
                   <p:embed/>
                 </p:oleObj>
               </mc:Choice>
@@ -32113,7 +32072,7 @@
                     </p:blipFill>
                     <p:spPr bwMode="auto">
                       <a:xfrm>
-                        <a:off x="5219700" y="2781300"/>
+                        <a:off x="6743701" y="2781301"/>
                         <a:ext cx="3421063" cy="3419475"/>
                       </a:xfrm>
                       <a:prstGeom prst="rect">
@@ -32142,6 +32101,18 @@
   <p:clrMapOvr>
     <a:masterClrMapping/>
   </p:clrMapOvr>
+  <mc:AlternateContent xmlns:mc="http://schemas.openxmlformats.org/markup-compatibility/2006">
+    <mc:Choice xmlns:p14="http://schemas.microsoft.com/office/powerpoint/2010/main" Requires="p14">
+      <p:transition spd="slow" p14:dur="2000">
+        <p14:ferris dir="l"/>
+      </p:transition>
+    </mc:Choice>
+    <mc:Fallback>
+      <p:transition spd="slow">
+        <p:fade/>
+      </p:transition>
+    </mc:Fallback>
+  </mc:AlternateContent>
 </p:sld>
 </file>
 
@@ -32211,7 +32182,7 @@
         </p:nvSpPr>
         <p:spPr>
           <a:xfrm>
-            <a:off x="5508625" y="1052513"/>
+            <a:off x="7032626" y="1052513"/>
             <a:ext cx="3311525" cy="360362"/>
           </a:xfrm>
         </p:spPr>
@@ -32221,8 +32192,7 @@
           </a:bodyPr>
           <a:lstStyle/>
           <a:p>
-            <a:pPr marL="0" indent="0" eaLnBrk="1" hangingPunct="1">
-              <a:buFont typeface="Wingdings" pitchFamily="2" charset="2"/>
+            <a:pPr marL="0" indent="0">
               <a:buNone/>
               <a:defRPr/>
             </a:pPr>
@@ -32241,7 +32211,7 @@
         </p:nvSpPr>
         <p:spPr>
           <a:xfrm rot="16200000">
-            <a:off x="4776787" y="2360613"/>
+            <a:off x="6300788" y="2360613"/>
             <a:ext cx="430213" cy="407988"/>
           </a:xfrm>
           <a:prstGeom prst="downArrow">
@@ -32290,14 +32260,14 @@
           <p:nvPr/>
         </p:nvGraphicFramePr>
         <p:xfrm>
-          <a:off x="1187450" y="1484313"/>
+          <a:off x="2711450" y="1484313"/>
           <a:ext cx="3240088" cy="1981200"/>
         </p:xfrm>
         <a:graphic>
           <a:graphicData uri="http://schemas.openxmlformats.org/presentationml/2006/ole">
             <mc:AlternateContent xmlns:mc="http://schemas.openxmlformats.org/markup-compatibility/2006">
               <mc:Choice xmlns:v="urn:schemas-microsoft-com:vml" Requires="v">
-                <p:oleObj spid="_x0000_s120858" r:id="rId3" imgW="3237257" imgH="1975275" progId="Excel.Chart.8">
+                <p:oleObj spid="_x0000_s120862" r:id="rId3" imgW="3237257" imgH="1975275" progId="Excel.Chart.8">
                   <p:embed/>
                 </p:oleObj>
               </mc:Choice>
@@ -32327,7 +32297,7 @@
                     </p:blipFill>
                     <p:spPr bwMode="auto">
                       <a:xfrm>
-                        <a:off x="1187450" y="1484313"/>
+                        <a:off x="2711450" y="1484313"/>
                         <a:ext cx="3240088" cy="1981200"/>
                       </a:xfrm>
                       <a:prstGeom prst="rect">
@@ -32360,14 +32330,14 @@
           <p:nvPr/>
         </p:nvGraphicFramePr>
         <p:xfrm>
-          <a:off x="5508625" y="1484313"/>
+          <a:off x="7032625" y="1484313"/>
           <a:ext cx="3240088" cy="1981200"/>
         </p:xfrm>
         <a:graphic>
           <a:graphicData uri="http://schemas.openxmlformats.org/presentationml/2006/ole">
             <mc:AlternateContent xmlns:mc="http://schemas.openxmlformats.org/markup-compatibility/2006">
               <mc:Choice xmlns:v="urn:schemas-microsoft-com:vml" Requires="v">
-                <p:oleObj spid="_x0000_s120859" r:id="rId5" imgW="3237257" imgH="1975275" progId="Excel.Chart.8">
+                <p:oleObj spid="_x0000_s120863" r:id="rId5" imgW="3237257" imgH="1975275" progId="Excel.Chart.8">
                   <p:embed/>
                 </p:oleObj>
               </mc:Choice>
@@ -32397,7 +32367,7 @@
                     </p:blipFill>
                     <p:spPr bwMode="auto">
                       <a:xfrm>
-                        <a:off x="5508625" y="1484313"/>
+                        <a:off x="7032625" y="1484313"/>
                         <a:ext cx="3240088" cy="1981200"/>
                       </a:xfrm>
                       <a:prstGeom prst="rect">
@@ -32430,14 +32400,14 @@
           <p:nvPr/>
         </p:nvGraphicFramePr>
         <p:xfrm>
-          <a:off x="1187450" y="4149725"/>
+          <a:off x="2711450" y="4149726"/>
           <a:ext cx="3240088" cy="1979613"/>
         </p:xfrm>
         <a:graphic>
           <a:graphicData uri="http://schemas.openxmlformats.org/presentationml/2006/ole">
             <mc:AlternateContent xmlns:mc="http://schemas.openxmlformats.org/markup-compatibility/2006">
               <mc:Choice xmlns:v="urn:schemas-microsoft-com:vml" Requires="v">
-                <p:oleObj spid="_x0000_s120860" r:id="rId7" imgW="3237257" imgH="1975275" progId="Excel.Chart.8">
+                <p:oleObj spid="_x0000_s120864" r:id="rId7" imgW="3237257" imgH="1975275" progId="Excel.Chart.8">
                   <p:embed/>
                 </p:oleObj>
               </mc:Choice>
@@ -32467,7 +32437,7 @@
                     </p:blipFill>
                     <p:spPr bwMode="auto">
                       <a:xfrm>
-                        <a:off x="1187450" y="4149725"/>
+                        <a:off x="2711450" y="4149726"/>
                         <a:ext cx="3240088" cy="1979613"/>
                       </a:xfrm>
                       <a:prstGeom prst="rect">
@@ -32499,7 +32469,7 @@
         </p:nvSpPr>
         <p:spPr>
           <a:xfrm>
-            <a:off x="2616200" y="3597275"/>
+            <a:off x="4140201" y="3597275"/>
             <a:ext cx="430213" cy="407988"/>
           </a:xfrm>
           <a:prstGeom prst="downArrow">
@@ -32549,7 +32519,7 @@
         </p:nvSpPr>
         <p:spPr bwMode="auto">
           <a:xfrm>
-            <a:off x="3276600" y="3644900"/>
+            <a:off x="4800601" y="3644901"/>
             <a:ext cx="3311525" cy="360363"/>
           </a:xfrm>
           <a:prstGeom prst="rect">
@@ -32765,7 +32735,6 @@
           </a:lstStyle>
           <a:p>
             <a:pPr marL="0" indent="0">
-              <a:buFont typeface="Wingdings" pitchFamily="2" charset="2"/>
               <a:buNone/>
               <a:defRPr/>
             </a:pPr>
@@ -32785,14 +32754,14 @@
           <p:nvPr/>
         </p:nvGraphicFramePr>
         <p:xfrm>
-          <a:off x="4787900" y="4149725"/>
+          <a:off x="6311900" y="4149726"/>
           <a:ext cx="3240088" cy="1979613"/>
         </p:xfrm>
         <a:graphic>
           <a:graphicData uri="http://schemas.openxmlformats.org/presentationml/2006/ole">
             <mc:AlternateContent xmlns:mc="http://schemas.openxmlformats.org/markup-compatibility/2006">
               <mc:Choice xmlns:v="urn:schemas-microsoft-com:vml" Requires="v">
-                <p:oleObj spid="_x0000_s120861" r:id="rId9" imgW="3243353" imgH="1975275" progId="Excel.Chart.8">
+                <p:oleObj spid="_x0000_s120865" r:id="rId9" imgW="3243353" imgH="1975275" progId="Excel.Chart.8">
                   <p:embed/>
                 </p:oleObj>
               </mc:Choice>
@@ -32822,7 +32791,7 @@
                     </p:blipFill>
                     <p:spPr bwMode="auto">
                       <a:xfrm>
-                        <a:off x="4787900" y="4149725"/>
+                        <a:off x="6311900" y="4149726"/>
                         <a:ext cx="3240088" cy="1979613"/>
                       </a:xfrm>
                       <a:prstGeom prst="rect">
@@ -32851,6 +32820,18 @@
   <p:clrMapOvr>
     <a:masterClrMapping/>
   </p:clrMapOvr>
+  <mc:AlternateContent xmlns:mc="http://schemas.openxmlformats.org/markup-compatibility/2006">
+    <mc:Choice xmlns:p14="http://schemas.microsoft.com/office/powerpoint/2010/main" Requires="p14">
+      <p:transition spd="slow" p14:dur="2000">
+        <p14:prism isContent="1"/>
+      </p:transition>
+    </mc:Choice>
+    <mc:Fallback>
+      <p:transition spd="slow">
+        <p:fade/>
+      </p:transition>
+    </mc:Fallback>
+  </mc:AlternateContent>
 </p:sld>
 </file>
 
@@ -32881,7 +32862,7 @@
         </p:nvSpPr>
         <p:spPr bwMode="auto">
           <a:xfrm>
-            <a:off x="1111250" y="5229225"/>
+            <a:off x="2635250" y="5229226"/>
             <a:ext cx="3892550" cy="1439863"/>
           </a:xfrm>
           <a:prstGeom prst="rect">
@@ -33098,7 +33079,6 @@
               <a:spcAft>
                 <a:spcPts val="0"/>
               </a:spcAft>
-              <a:buFont typeface="Wingdings" pitchFamily="2" charset="2"/>
               <a:buNone/>
               <a:defRPr/>
             </a:pPr>
@@ -33123,7 +33103,6 @@
               <a:spcAft>
                 <a:spcPts val="0"/>
               </a:spcAft>
-              <a:buFont typeface="Wingdings" pitchFamily="2" charset="2"/>
               <a:buNone/>
               <a:defRPr/>
             </a:pPr>
@@ -33138,7 +33117,6 @@
               <a:spcAft>
                 <a:spcPts val="0"/>
               </a:spcAft>
-              <a:buFont typeface="Wingdings" pitchFamily="2" charset="2"/>
               <a:buNone/>
               <a:defRPr/>
             </a:pPr>
@@ -33153,7 +33131,6 @@
               <a:spcAft>
                 <a:spcPts val="0"/>
               </a:spcAft>
-              <a:buFont typeface="Wingdings" pitchFamily="2" charset="2"/>
               <a:buNone/>
               <a:defRPr/>
             </a:pPr>
@@ -33213,7 +33190,7 @@
         </p:nvSpPr>
         <p:spPr>
           <a:xfrm>
-            <a:off x="1042988" y="1196975"/>
+            <a:off x="2566989" y="1196976"/>
             <a:ext cx="3894137" cy="1439863"/>
           </a:xfrm>
         </p:spPr>
@@ -33221,11 +33198,10 @@
           <a:bodyPr/>
           <a:lstStyle/>
           <a:p>
-            <a:pPr marL="0" indent="0" eaLnBrk="1" hangingPunct="1">
+            <a:pPr marL="0" indent="0">
               <a:spcBef>
                 <a:spcPct val="0"/>
               </a:spcBef>
-              <a:buFont typeface="Wingdings" pitchFamily="2" charset="2"/>
               <a:buNone/>
             </a:pPr>
             <a:r>
@@ -33275,14 +33251,14 @@
           <p:nvPr/>
         </p:nvGraphicFramePr>
         <p:xfrm>
-          <a:off x="5651500" y="1268413"/>
+          <a:off x="7175501" y="1268414"/>
           <a:ext cx="3097213" cy="2289175"/>
         </p:xfrm>
         <a:graphic>
           <a:graphicData uri="http://schemas.openxmlformats.org/presentationml/2006/ole">
             <mc:AlternateContent xmlns:mc="http://schemas.openxmlformats.org/markup-compatibility/2006">
               <mc:Choice xmlns:v="urn:schemas-microsoft-com:vml" Requires="v">
-                <p:oleObj spid="_x0000_s121872" r:id="rId3" imgW="3097036" imgH="2292295" progId="Excel.Chart.8">
+                <p:oleObj spid="_x0000_s121874" r:id="rId3" imgW="3097036" imgH="2292295" progId="Excel.Chart.8">
                   <p:embed/>
                 </p:oleObj>
               </mc:Choice>
@@ -33312,7 +33288,7 @@
                     </p:blipFill>
                     <p:spPr bwMode="auto">
                       <a:xfrm>
-                        <a:off x="5651500" y="1268413"/>
+                        <a:off x="7175501" y="1268414"/>
                         <a:ext cx="3097213" cy="2289175"/>
                       </a:xfrm>
                       <a:prstGeom prst="rect">
@@ -33344,7 +33320,7 @@
         </p:nvSpPr>
         <p:spPr>
           <a:xfrm rot="16200000" flipH="1">
-            <a:off x="3003550" y="5516563"/>
+            <a:off x="4527550" y="5516563"/>
             <a:ext cx="107950" cy="107950"/>
           </a:xfrm>
           <a:prstGeom prst="triangle">
@@ -33393,14 +33369,14 @@
           <p:nvPr/>
         </p:nvGraphicFramePr>
         <p:xfrm>
-          <a:off x="5651500" y="3789363"/>
+          <a:off x="7175501" y="3789364"/>
           <a:ext cx="3097213" cy="2289175"/>
         </p:xfrm>
         <a:graphic>
           <a:graphicData uri="http://schemas.openxmlformats.org/presentationml/2006/ole">
             <mc:AlternateContent xmlns:mc="http://schemas.openxmlformats.org/markup-compatibility/2006">
               <mc:Choice xmlns:v="urn:schemas-microsoft-com:vml" Requires="v">
-                <p:oleObj spid="_x0000_s121873" r:id="rId5" imgW="3097036" imgH="2286198" progId="Excel.Chart.8">
+                <p:oleObj spid="_x0000_s121875" r:id="rId5" imgW="3097036" imgH="2286198" progId="Excel.Chart.8">
                   <p:embed/>
                 </p:oleObj>
               </mc:Choice>
@@ -33430,7 +33406,7 @@
                     </p:blipFill>
                     <p:spPr bwMode="auto">
                       <a:xfrm>
-                        <a:off x="5651500" y="3789363"/>
+                        <a:off x="7175501" y="3789364"/>
                         <a:ext cx="3097213" cy="2289175"/>
                       </a:xfrm>
                       <a:prstGeom prst="rect">
@@ -33464,7 +33440,7 @@
         </p:nvSpPr>
         <p:spPr bwMode="auto">
           <a:xfrm>
-            <a:off x="1111250" y="3716338"/>
+            <a:off x="2635250" y="3716338"/>
             <a:ext cx="3892550" cy="1441450"/>
           </a:xfrm>
           <a:prstGeom prst="rect">
@@ -33492,8 +33468,6 @@
               <a:buClr>
                 <a:schemeClr val="accent1"/>
               </a:buClr>
-              <a:buFont typeface="Wingdings" pitchFamily="2" charset="2"/>
-              <a:buNone/>
             </a:pPr>
             <a:r>
               <a:rPr lang="zh-CN" altLang="en-US" sz="1200" b="1"/>
@@ -33536,8 +33510,6 @@
               <a:buClr>
                 <a:schemeClr val="accent1"/>
               </a:buClr>
-              <a:buFont typeface="Wingdings" pitchFamily="2" charset="2"/>
-              <a:buNone/>
             </a:pPr>
             <a:r>
               <a:rPr lang="zh-CN" altLang="en-US" sz="1200" b="1"/>
@@ -33559,6 +33531,18 @@
   <p:clrMapOvr>
     <a:masterClrMapping/>
   </p:clrMapOvr>
+  <mc:AlternateContent xmlns:mc="http://schemas.openxmlformats.org/markup-compatibility/2006">
+    <mc:Choice xmlns:p14="http://schemas.microsoft.com/office/powerpoint/2010/main" Requires="p14">
+      <p:transition spd="slow" p14:dur="1600">
+        <p14:prism isContent="1" isInverted="1"/>
+      </p:transition>
+    </mc:Choice>
+    <mc:Fallback>
+      <p:transition spd="slow">
+        <p:fade/>
+      </p:transition>
+    </mc:Fallback>
+  </mc:AlternateContent>
 </p:sld>
 </file>
 
@@ -33667,6 +33651,18 @@
   <p:clrMapOvr>
     <a:masterClrMapping/>
   </p:clrMapOvr>
+  <mc:AlternateContent xmlns:mc="http://schemas.openxmlformats.org/markup-compatibility/2006">
+    <mc:Choice xmlns:p15="http://schemas.microsoft.com/office/powerpoint/2012/main" Requires="p15">
+      <p:transition xmlns:p14="http://schemas.microsoft.com/office/powerpoint/2010/main" spd="slow" p14:dur="2000">
+        <p15:prstTrans prst="crush"/>
+      </p:transition>
+    </mc:Choice>
+    <mc:Fallback>
+      <p:transition spd="slow">
+        <p:fade/>
+      </p:transition>
+    </mc:Fallback>
+  </mc:AlternateContent>
 </p:sld>
 </file>
 
@@ -33735,14 +33731,14 @@
           </p:nvPr>
         </p:nvGraphicFramePr>
         <p:xfrm>
-          <a:off x="971550" y="1125538"/>
+          <a:off x="2495550" y="1125538"/>
           <a:ext cx="4319588" cy="2303462"/>
         </p:xfrm>
         <a:graphic>
           <a:graphicData uri="http://schemas.openxmlformats.org/presentationml/2006/ole">
             <mc:AlternateContent xmlns:mc="http://schemas.openxmlformats.org/markup-compatibility/2006">
               <mc:Choice xmlns:v="urn:schemas-microsoft-com:vml" Requires="v">
-                <p:oleObj spid="_x0000_s122896" r:id="rId3" imgW="4322439" imgH="2304488" progId="Excel.Chart.8">
+                <p:oleObj spid="_x0000_s122898" r:id="rId3" imgW="4322439" imgH="2304488" progId="Excel.Chart.8">
                   <p:embed/>
                 </p:oleObj>
               </mc:Choice>
@@ -33772,7 +33768,7 @@
                     </p:blipFill>
                     <p:spPr bwMode="auto">
                       <a:xfrm>
-                        <a:off x="971550" y="1125538"/>
+                        <a:off x="2495550" y="1125538"/>
                         <a:ext cx="4319588" cy="2303462"/>
                       </a:xfrm>
                       <a:prstGeom prst="rect">
@@ -33837,7 +33833,7 @@
         </p:nvSpPr>
         <p:spPr bwMode="auto">
           <a:xfrm>
-            <a:off x="5435600" y="1125538"/>
+            <a:off x="6959601" y="1125539"/>
             <a:ext cx="3529013" cy="2447925"/>
           </a:xfrm>
           <a:prstGeom prst="rect">
@@ -33865,8 +33861,6 @@
               <a:buClr>
                 <a:schemeClr val="accent1"/>
               </a:buClr>
-              <a:buFont typeface="Wingdings" pitchFamily="2" charset="2"/>
-              <a:buNone/>
             </a:pPr>
             <a:r>
               <a:rPr lang="zh-CN" altLang="en-US" sz="1200" b="1"/>
@@ -33885,8 +33879,6 @@
               <a:buClr>
                 <a:schemeClr val="accent1"/>
               </a:buClr>
-              <a:buFont typeface="Wingdings" pitchFamily="2" charset="2"/>
-              <a:buNone/>
             </a:pPr>
             <a:r>
               <a:rPr lang="zh-CN" altLang="en-US" sz="1200" b="1"/>
@@ -33905,8 +33897,6 @@
               <a:buClr>
                 <a:schemeClr val="accent1"/>
               </a:buClr>
-              <a:buFont typeface="Wingdings" pitchFamily="2" charset="2"/>
-              <a:buNone/>
             </a:pPr>
             <a:r>
               <a:rPr lang="en-US" altLang="zh-CN" sz="1200" b="1"/>
@@ -33929,8 +33919,6 @@
               <a:buClr>
                 <a:schemeClr val="accent1"/>
               </a:buClr>
-              <a:buFont typeface="Wingdings" pitchFamily="2" charset="2"/>
-              <a:buNone/>
             </a:pPr>
             <a:r>
               <a:rPr lang="en-US" altLang="zh-CN" sz="1200" b="1"/>
@@ -33953,8 +33941,6 @@
               <a:buClr>
                 <a:schemeClr val="accent1"/>
               </a:buClr>
-              <a:buFont typeface="Wingdings" pitchFamily="2" charset="2"/>
-              <a:buNone/>
             </a:pPr>
             <a:r>
               <a:rPr lang="zh-CN" altLang="en-US" sz="1200" b="1"/>
@@ -33972,7 +33958,7 @@
         </p:nvSpPr>
         <p:spPr>
           <a:xfrm>
-            <a:off x="3033713" y="3573463"/>
+            <a:off x="4557713" y="3573464"/>
             <a:ext cx="430212" cy="407987"/>
           </a:xfrm>
           <a:prstGeom prst="downArrow">
@@ -34022,7 +34008,7 @@
         </p:nvSpPr>
         <p:spPr bwMode="auto">
           <a:xfrm>
-            <a:off x="6875463" y="4005263"/>
+            <a:off x="8399463" y="4005264"/>
             <a:ext cx="2089150" cy="2160587"/>
           </a:xfrm>
           <a:prstGeom prst="rect">
@@ -34239,7 +34225,6 @@
               <a:spcAft>
                 <a:spcPts val="0"/>
               </a:spcAft>
-              <a:buFont typeface="Wingdings" pitchFamily="2" charset="2"/>
               <a:buNone/>
               <a:defRPr/>
             </a:pPr>
@@ -34328,14 +34313,14 @@
           <p:nvPr/>
         </p:nvGraphicFramePr>
         <p:xfrm>
-          <a:off x="971550" y="4076700"/>
+          <a:off x="2495551" y="4076700"/>
           <a:ext cx="5832475" cy="2160588"/>
         </p:xfrm>
         <a:graphic>
           <a:graphicData uri="http://schemas.openxmlformats.org/presentationml/2006/ole">
             <mc:AlternateContent xmlns:mc="http://schemas.openxmlformats.org/markup-compatibility/2006">
               <mc:Choice xmlns:v="urn:schemas-microsoft-com:vml" Requires="v">
-                <p:oleObj spid="_x0000_s122897" r:id="rId5" imgW="5834378" imgH="2158171" progId="Excel.Chart.8">
+                <p:oleObj spid="_x0000_s122899" r:id="rId5" imgW="5834378" imgH="2158171" progId="Excel.Chart.8">
                   <p:embed/>
                 </p:oleObj>
               </mc:Choice>
@@ -34365,7 +34350,7 @@
                     </p:blipFill>
                     <p:spPr bwMode="auto">
                       <a:xfrm>
-                        <a:off x="971550" y="4076700"/>
+                        <a:off x="2495551" y="4076700"/>
                         <a:ext cx="5832475" cy="2160588"/>
                       </a:xfrm>
                       <a:prstGeom prst="rect">
@@ -34394,6 +34379,18 @@
   <p:clrMapOvr>
     <a:masterClrMapping/>
   </p:clrMapOvr>
+  <mc:AlternateContent xmlns:mc="http://schemas.openxmlformats.org/markup-compatibility/2006">
+    <mc:Choice xmlns:p14="http://schemas.microsoft.com/office/powerpoint/2010/main" Requires="p14">
+      <p:transition spd="slow" p14:dur="800">
+        <p14:flythrough dir="out"/>
+      </p:transition>
+    </mc:Choice>
+    <mc:Fallback>
+      <p:transition spd="slow">
+        <p:fade/>
+      </p:transition>
+    </mc:Fallback>
+  </mc:AlternateContent>
 </p:sld>
 </file>
 
@@ -34463,7 +34460,7 @@
         </p:nvSpPr>
         <p:spPr>
           <a:xfrm>
-            <a:off x="1042988" y="1196975"/>
+            <a:off x="2566988" y="1196976"/>
             <a:ext cx="7345362" cy="1439863"/>
           </a:xfrm>
         </p:spPr>
@@ -34471,11 +34468,10 @@
           <a:bodyPr/>
           <a:lstStyle/>
           <a:p>
-            <a:pPr marL="0" indent="0" eaLnBrk="1" hangingPunct="1">
+            <a:pPr marL="0" indent="0">
               <a:spcBef>
                 <a:spcPct val="0"/>
               </a:spcBef>
-              <a:buFont typeface="Wingdings" pitchFamily="2" charset="2"/>
               <a:buNone/>
             </a:pPr>
             <a:r>
@@ -34485,11 +34481,10 @@
             <a:endParaRPr lang="en-US" altLang="zh-CN" sz="1200"/>
           </a:p>
           <a:p>
-            <a:pPr marL="0" indent="0" eaLnBrk="1" hangingPunct="1">
+            <a:pPr marL="0" indent="0">
               <a:spcBef>
                 <a:spcPct val="0"/>
               </a:spcBef>
-              <a:buFont typeface="Wingdings" pitchFamily="2" charset="2"/>
               <a:buNone/>
             </a:pPr>
             <a:r>
@@ -34571,14 +34566,14 @@
           <p:nvPr/>
         </p:nvGraphicFramePr>
         <p:xfrm>
-          <a:off x="1403350" y="2781300"/>
+          <a:off x="2927350" y="2781301"/>
           <a:ext cx="6840538" cy="3198813"/>
         </p:xfrm>
         <a:graphic>
           <a:graphicData uri="http://schemas.openxmlformats.org/presentationml/2006/ole">
             <mc:AlternateContent xmlns:mc="http://schemas.openxmlformats.org/markup-compatibility/2006">
               <mc:Choice xmlns:v="urn:schemas-microsoft-com:vml" Requires="v">
-                <p:oleObj spid="_x0000_s123913" r:id="rId3" imgW="6840305" imgH="3200677" progId="Excel.Chart.8">
+                <p:oleObj spid="_x0000_s123914" r:id="rId3" imgW="6840305" imgH="3200677" progId="Excel.Chart.8">
                   <p:embed/>
                 </p:oleObj>
               </mc:Choice>
@@ -34608,7 +34603,7 @@
                     </p:blipFill>
                     <p:spPr bwMode="auto">
                       <a:xfrm>
-                        <a:off x="1403350" y="2781300"/>
+                        <a:off x="2927350" y="2781301"/>
                         <a:ext cx="6840538" cy="3198813"/>
                       </a:xfrm>
                       <a:prstGeom prst="rect">
@@ -34637,6 +34632,18 @@
   <p:clrMapOvr>
     <a:masterClrMapping/>
   </p:clrMapOvr>
+  <mc:AlternateContent xmlns:mc="http://schemas.openxmlformats.org/markup-compatibility/2006">
+    <mc:Choice xmlns:p14="http://schemas.microsoft.com/office/powerpoint/2010/main" Requires="p14">
+      <p:transition spd="slow" p14:dur="3000">
+        <p14:shred pattern="rectangle"/>
+      </p:transition>
+    </mc:Choice>
+    <mc:Fallback>
+      <p:transition spd="slow">
+        <p:fade/>
+      </p:transition>
+    </mc:Fallback>
+  </mc:AlternateContent>
 </p:sld>
 </file>
 
@@ -34706,7 +34713,7 @@
         </p:nvSpPr>
         <p:spPr>
           <a:xfrm>
-            <a:off x="5795963" y="1196975"/>
+            <a:off x="7319963" y="1196975"/>
             <a:ext cx="2952750" cy="2508250"/>
           </a:xfrm>
         </p:spPr>
@@ -34716,8 +34723,7 @@
           </a:bodyPr>
           <a:lstStyle/>
           <a:p>
-            <a:pPr marL="0" indent="0" eaLnBrk="1" hangingPunct="1">
-              <a:buFont typeface="Wingdings" pitchFamily="2" charset="2"/>
+            <a:pPr marL="0" indent="0">
               <a:buNone/>
               <a:defRPr/>
             </a:pPr>
@@ -34728,8 +34734,7 @@
             <a:endParaRPr lang="en-US" altLang="zh-CN" sz="1200" dirty="0"/>
           </a:p>
           <a:p>
-            <a:pPr marL="0" indent="0" eaLnBrk="1" hangingPunct="1">
-              <a:buFont typeface="Wingdings" pitchFamily="2" charset="2"/>
+            <a:pPr marL="0" indent="0">
               <a:buNone/>
               <a:defRPr/>
             </a:pPr>
@@ -34740,8 +34745,7 @@
             <a:endParaRPr lang="en-US" altLang="zh-CN" sz="1200" dirty="0"/>
           </a:p>
           <a:p>
-            <a:pPr marL="0" indent="0" eaLnBrk="1" hangingPunct="1">
-              <a:buFont typeface="Wingdings" pitchFamily="2" charset="2"/>
+            <a:pPr marL="0" indent="0">
               <a:buNone/>
               <a:defRPr/>
             </a:pPr>
@@ -34792,14 +34796,14 @@
           <p:nvPr/>
         </p:nvGraphicFramePr>
         <p:xfrm>
-          <a:off x="1042988" y="1125538"/>
+          <a:off x="2566989" y="1125539"/>
           <a:ext cx="4321175" cy="2232025"/>
         </p:xfrm>
         <a:graphic>
           <a:graphicData uri="http://schemas.openxmlformats.org/presentationml/2006/ole">
             <mc:AlternateContent xmlns:mc="http://schemas.openxmlformats.org/markup-compatibility/2006">
               <mc:Choice xmlns:v="urn:schemas-microsoft-com:vml" Requires="v">
-                <p:oleObj spid="_x0000_s124942" r:id="rId3" imgW="4322439" imgH="2231329" progId="Excel.Chart.8">
+                <p:oleObj spid="_x0000_s124944" r:id="rId3" imgW="4322439" imgH="2231329" progId="Excel.Chart.8">
                   <p:embed/>
                 </p:oleObj>
               </mc:Choice>
@@ -34829,7 +34833,7 @@
                     </p:blipFill>
                     <p:spPr bwMode="auto">
                       <a:xfrm>
-                        <a:off x="1042988" y="1125538"/>
+                        <a:off x="2566989" y="1125539"/>
                         <a:ext cx="4321175" cy="2232025"/>
                       </a:xfrm>
                       <a:prstGeom prst="rect">
@@ -34862,14 +34866,14 @@
           <p:nvPr/>
         </p:nvGraphicFramePr>
         <p:xfrm>
-          <a:off x="1042988" y="4005263"/>
+          <a:off x="2566989" y="4005263"/>
           <a:ext cx="7850187" cy="2366962"/>
         </p:xfrm>
         <a:graphic>
           <a:graphicData uri="http://schemas.openxmlformats.org/presentationml/2006/ole">
             <mc:AlternateContent xmlns:mc="http://schemas.openxmlformats.org/markup-compatibility/2006">
               <mc:Choice xmlns:v="urn:schemas-microsoft-com:vml" Requires="v">
-                <p:oleObj spid="_x0000_s124943" r:id="rId5" imgW="7852329" imgH="2365453" progId="Excel.Chart.8">
+                <p:oleObj spid="_x0000_s124945" r:id="rId5" imgW="7852329" imgH="2365453" progId="Excel.Chart.8">
                   <p:embed/>
                 </p:oleObj>
               </mc:Choice>
@@ -34899,7 +34903,7 @@
                     </p:blipFill>
                     <p:spPr bwMode="auto">
                       <a:xfrm>
-                        <a:off x="1042988" y="4005263"/>
+                        <a:off x="2566989" y="4005263"/>
                         <a:ext cx="7850187" cy="2366962"/>
                       </a:xfrm>
                       <a:prstGeom prst="rect">
@@ -34931,7 +34935,7 @@
         </p:nvSpPr>
         <p:spPr>
           <a:xfrm>
-            <a:off x="3033713" y="3500438"/>
+            <a:off x="4557713" y="3500439"/>
             <a:ext cx="430212" cy="407987"/>
           </a:xfrm>
           <a:prstGeom prst="downArrow">
@@ -34976,6 +34980,18 @@
   <p:clrMapOvr>
     <a:masterClrMapping/>
   </p:clrMapOvr>
+  <mc:AlternateContent xmlns:mc="http://schemas.openxmlformats.org/markup-compatibility/2006">
+    <mc:Choice xmlns:p14="http://schemas.microsoft.com/office/powerpoint/2010/main" Requires="p14">
+      <p:transition spd="slow" p14:dur="4000">
+        <p14:vortex dir="u"/>
+      </p:transition>
+    </mc:Choice>
+    <mc:Fallback>
+      <p:transition spd="slow">
+        <p:fade/>
+      </p:transition>
+    </mc:Fallback>
+  </mc:AlternateContent>
 </p:sld>
 </file>
 
@@ -35032,14 +35048,14 @@
           </p:nvPr>
         </p:nvGraphicFramePr>
         <p:xfrm>
-          <a:off x="1335088" y="1196975"/>
+          <a:off x="2859088" y="1196975"/>
           <a:ext cx="1938337" cy="1944688"/>
         </p:xfrm>
         <a:graphic>
           <a:graphicData uri="http://schemas.openxmlformats.org/presentationml/2006/ole">
             <mc:AlternateContent xmlns:mc="http://schemas.openxmlformats.org/markup-compatibility/2006">
               <mc:Choice xmlns:v="urn:schemas-microsoft-com:vml" Requires="v">
-                <p:oleObj spid="_x0000_s125991" r:id="rId3" imgW="1938696" imgH="1944793" progId="Excel.Chart.8">
+                <p:oleObj spid="_x0000_s125997" r:id="rId3" imgW="1938696" imgH="1944793" progId="Excel.Chart.8">
                   <p:embed/>
                 </p:oleObj>
               </mc:Choice>
@@ -35069,7 +35085,7 @@
                     </p:blipFill>
                     <p:spPr bwMode="auto">
                       <a:xfrm>
-                        <a:off x="1335088" y="1196975"/>
+                        <a:off x="2859088" y="1196975"/>
                         <a:ext cx="1938337" cy="1944688"/>
                       </a:xfrm>
                       <a:prstGeom prst="rect">
@@ -35134,7 +35150,7 @@
         </p:nvSpPr>
         <p:spPr bwMode="auto">
           <a:xfrm>
-            <a:off x="1905000" y="3192463"/>
+            <a:off x="3429001" y="3192464"/>
             <a:ext cx="722313" cy="307975"/>
           </a:xfrm>
           <a:prstGeom prst="rect">
@@ -35170,14 +35186,14 @@
           <p:nvPr/>
         </p:nvGraphicFramePr>
         <p:xfrm>
-          <a:off x="6659563" y="1185863"/>
+          <a:off x="8183564" y="1185864"/>
           <a:ext cx="1944687" cy="1944687"/>
         </p:xfrm>
         <a:graphic>
           <a:graphicData uri="http://schemas.openxmlformats.org/presentationml/2006/ole">
             <mc:AlternateContent xmlns:mc="http://schemas.openxmlformats.org/markup-compatibility/2006">
               <mc:Choice xmlns:v="urn:schemas-microsoft-com:vml" Requires="v">
-                <p:oleObj spid="_x0000_s125992" r:id="rId5" imgW="1938696" imgH="1944793" progId="Excel.Chart.8">
+                <p:oleObj spid="_x0000_s125998" r:id="rId5" imgW="1938696" imgH="1944793" progId="Excel.Chart.8">
                   <p:embed/>
                 </p:oleObj>
               </mc:Choice>
@@ -35207,7 +35223,7 @@
                     </p:blipFill>
                     <p:spPr bwMode="auto">
                       <a:xfrm>
-                        <a:off x="6659563" y="1185863"/>
+                        <a:off x="8183564" y="1185864"/>
                         <a:ext cx="1944687" cy="1944687"/>
                       </a:xfrm>
                       <a:prstGeom prst="rect">
@@ -35241,7 +35257,7 @@
         </p:nvSpPr>
         <p:spPr bwMode="auto">
           <a:xfrm>
-            <a:off x="7305675" y="3192463"/>
+            <a:off x="8829676" y="3192464"/>
             <a:ext cx="722313" cy="307975"/>
           </a:xfrm>
           <a:prstGeom prst="rect">
@@ -35277,14 +35293,14 @@
           <p:nvPr/>
         </p:nvGraphicFramePr>
         <p:xfrm>
-          <a:off x="1331913" y="3906838"/>
+          <a:off x="2855913" y="3906838"/>
           <a:ext cx="1943100" cy="1943100"/>
         </p:xfrm>
         <a:graphic>
           <a:graphicData uri="http://schemas.openxmlformats.org/presentationml/2006/ole">
             <mc:AlternateContent xmlns:mc="http://schemas.openxmlformats.org/markup-compatibility/2006">
               <mc:Choice xmlns:v="urn:schemas-microsoft-com:vml" Requires="v">
-                <p:oleObj spid="_x0000_s125993" r:id="rId7" imgW="1944793" imgH="1944793" progId="Excel.Chart.8">
+                <p:oleObj spid="_x0000_s125999" r:id="rId7" imgW="1944793" imgH="1944793" progId="Excel.Chart.8">
                   <p:embed/>
                 </p:oleObj>
               </mc:Choice>
@@ -35314,7 +35330,7 @@
                     </p:blipFill>
                     <p:spPr bwMode="auto">
                       <a:xfrm>
-                        <a:off x="1331913" y="3906838"/>
+                        <a:off x="2855913" y="3906838"/>
                         <a:ext cx="1943100" cy="1943100"/>
                       </a:xfrm>
                       <a:prstGeom prst="rect">
@@ -35348,7 +35364,7 @@
         </p:nvSpPr>
         <p:spPr bwMode="auto">
           <a:xfrm>
-            <a:off x="1965325" y="5949950"/>
+            <a:off x="3489326" y="5949951"/>
             <a:ext cx="722313" cy="307975"/>
           </a:xfrm>
           <a:prstGeom prst="rect">
@@ -35384,14 +35400,14 @@
           <p:nvPr/>
         </p:nvGraphicFramePr>
         <p:xfrm>
-          <a:off x="3995738" y="3897313"/>
+          <a:off x="5519739" y="3897313"/>
           <a:ext cx="1944687" cy="1943100"/>
         </p:xfrm>
         <a:graphic>
           <a:graphicData uri="http://schemas.openxmlformats.org/presentationml/2006/ole">
             <mc:AlternateContent xmlns:mc="http://schemas.openxmlformats.org/markup-compatibility/2006">
               <mc:Choice xmlns:v="urn:schemas-microsoft-com:vml" Requires="v">
-                <p:oleObj spid="_x0000_s125994" r:id="rId9" imgW="1938696" imgH="1944793" progId="Excel.Chart.8">
+                <p:oleObj spid="_x0000_s126000" r:id="rId9" imgW="1938696" imgH="1944793" progId="Excel.Chart.8">
                   <p:embed/>
                 </p:oleObj>
               </mc:Choice>
@@ -35421,7 +35437,7 @@
                     </p:blipFill>
                     <p:spPr bwMode="auto">
                       <a:xfrm>
-                        <a:off x="3995738" y="3897313"/>
+                        <a:off x="5519739" y="3897313"/>
                         <a:ext cx="1944687" cy="1943100"/>
                       </a:xfrm>
                       <a:prstGeom prst="rect">
@@ -35455,7 +35471,7 @@
         </p:nvSpPr>
         <p:spPr bwMode="auto">
           <a:xfrm>
-            <a:off x="4427538" y="5940425"/>
+            <a:off x="5951539" y="5940426"/>
             <a:ext cx="1082675" cy="307975"/>
           </a:xfrm>
           <a:prstGeom prst="rect">
@@ -35491,14 +35507,14 @@
           <p:nvPr/>
         </p:nvGraphicFramePr>
         <p:xfrm>
-          <a:off x="6661150" y="3886200"/>
+          <a:off x="8185150" y="3886200"/>
           <a:ext cx="1943100" cy="1943100"/>
         </p:xfrm>
         <a:graphic>
           <a:graphicData uri="http://schemas.openxmlformats.org/presentationml/2006/ole">
             <mc:AlternateContent xmlns:mc="http://schemas.openxmlformats.org/markup-compatibility/2006">
               <mc:Choice xmlns:v="urn:schemas-microsoft-com:vml" Requires="v">
-                <p:oleObj spid="_x0000_s125995" r:id="rId11" imgW="1938696" imgH="1944793" progId="Excel.Chart.8">
+                <p:oleObj spid="_x0000_s126001" r:id="rId11" imgW="1938696" imgH="1944793" progId="Excel.Chart.8">
                   <p:embed/>
                 </p:oleObj>
               </mc:Choice>
@@ -35528,7 +35544,7 @@
                     </p:blipFill>
                     <p:spPr bwMode="auto">
                       <a:xfrm>
-                        <a:off x="6661150" y="3886200"/>
+                        <a:off x="8185150" y="3886200"/>
                         <a:ext cx="1943100" cy="1943100"/>
                       </a:xfrm>
                       <a:prstGeom prst="rect">
@@ -35562,7 +35578,7 @@
         </p:nvSpPr>
         <p:spPr bwMode="auto">
           <a:xfrm>
-            <a:off x="7054850" y="5929313"/>
+            <a:off x="8578851" y="5929314"/>
             <a:ext cx="1262063" cy="307975"/>
           </a:xfrm>
           <a:prstGeom prst="rect">
@@ -35599,7 +35615,7 @@
         </p:nvSpPr>
         <p:spPr bwMode="auto">
           <a:xfrm>
-            <a:off x="4643438" y="3192463"/>
+            <a:off x="6167438" y="3192464"/>
             <a:ext cx="723900" cy="307975"/>
           </a:xfrm>
           <a:prstGeom prst="rect">
@@ -35635,14 +35651,14 @@
           <p:nvPr/>
         </p:nvGraphicFramePr>
         <p:xfrm>
-          <a:off x="3995738" y="1196975"/>
+          <a:off x="5519739" y="1196975"/>
           <a:ext cx="1944687" cy="1943100"/>
         </p:xfrm>
         <a:graphic>
           <a:graphicData uri="http://schemas.openxmlformats.org/presentationml/2006/ole">
             <mc:AlternateContent xmlns:mc="http://schemas.openxmlformats.org/markup-compatibility/2006">
               <mc:Choice xmlns:v="urn:schemas-microsoft-com:vml" Requires="v">
-                <p:oleObj spid="_x0000_s125996" r:id="rId13" imgW="1938696" imgH="1944793" progId="Excel.Chart.8">
+                <p:oleObj spid="_x0000_s126002" r:id="rId13" imgW="1938696" imgH="1944793" progId="Excel.Chart.8">
                   <p:embed/>
                 </p:oleObj>
               </mc:Choice>
@@ -35672,7 +35688,7 @@
                     </p:blipFill>
                     <p:spPr bwMode="auto">
                       <a:xfrm>
-                        <a:off x="3995738" y="1196975"/>
+                        <a:off x="5519739" y="1196975"/>
                         <a:ext cx="1944687" cy="1943100"/>
                       </a:xfrm>
                       <a:prstGeom prst="rect">
@@ -35701,6 +35717,18 @@
   <p:clrMapOvr>
     <a:masterClrMapping/>
   </p:clrMapOvr>
+  <mc:AlternateContent xmlns:mc="http://schemas.openxmlformats.org/markup-compatibility/2006">
+    <mc:Choice xmlns:p14="http://schemas.microsoft.com/office/powerpoint/2010/main" Requires="p14">
+      <p:transition spd="slow" p14:dur="3900">
+        <p14:glitter dir="r"/>
+      </p:transition>
+    </mc:Choice>
+    <mc:Fallback>
+      <p:transition spd="slow">
+        <p:fade/>
+      </p:transition>
+    </mc:Fallback>
+  </mc:AlternateContent>
 </p:sld>
 </file>
 
@@ -35766,7 +35794,7 @@
         </p:nvSpPr>
         <p:spPr>
           <a:xfrm>
-            <a:off x="1116013" y="1052513"/>
+            <a:off x="2640013" y="1052514"/>
             <a:ext cx="3600450" cy="5184775"/>
           </a:xfrm>
         </p:spPr>
@@ -35776,8 +35804,7 @@
           </a:bodyPr>
           <a:lstStyle/>
           <a:p>
-            <a:pPr marL="0" indent="0" eaLnBrk="1" hangingPunct="1">
-              <a:buFont typeface="Wingdings" pitchFamily="2" charset="2"/>
+            <a:pPr marL="0" indent="0">
               <a:buNone/>
               <a:defRPr/>
             </a:pPr>
@@ -35808,8 +35835,7 @@
             <a:endParaRPr lang="en-US" altLang="zh-CN" sz="1200" dirty="0"/>
           </a:p>
           <a:p>
-            <a:pPr marL="0" indent="0" eaLnBrk="1" hangingPunct="1">
-              <a:buFont typeface="Wingdings" pitchFamily="2" charset="2"/>
+            <a:pPr marL="0" indent="0">
               <a:buNone/>
               <a:defRPr/>
             </a:pPr>
@@ -35820,8 +35846,7 @@
             <a:endParaRPr lang="en-US" altLang="zh-CN" sz="1200" dirty="0"/>
           </a:p>
           <a:p>
-            <a:pPr marL="0" indent="0" eaLnBrk="1" hangingPunct="1">
-              <a:buFont typeface="Wingdings" pitchFamily="2" charset="2"/>
+            <a:pPr marL="0" indent="0">
               <a:buNone/>
               <a:defRPr/>
             </a:pPr>
@@ -35832,16 +35857,14 @@
             <a:endParaRPr lang="en-US" altLang="zh-CN" sz="1200" dirty="0"/>
           </a:p>
           <a:p>
-            <a:pPr marL="0" indent="0" eaLnBrk="1" hangingPunct="1">
-              <a:buFont typeface="Wingdings" pitchFamily="2" charset="2"/>
+            <a:pPr marL="0" indent="0">
               <a:buNone/>
               <a:defRPr/>
             </a:pPr>
             <a:endParaRPr lang="en-US" altLang="zh-CN" sz="1200" dirty="0"/>
           </a:p>
           <a:p>
-            <a:pPr marL="0" indent="0" eaLnBrk="1" hangingPunct="1">
-              <a:buFont typeface="Wingdings" pitchFamily="2" charset="2"/>
+            <a:pPr marL="0" indent="0">
               <a:buNone/>
               <a:defRPr/>
             </a:pPr>
@@ -35946,14 +35969,14 @@
           <p:nvPr/>
         </p:nvGraphicFramePr>
         <p:xfrm>
-          <a:off x="5219700" y="1052513"/>
+          <a:off x="6743701" y="1052514"/>
           <a:ext cx="3673475" cy="4752975"/>
         </p:xfrm>
         <a:graphic>
           <a:graphicData uri="http://schemas.openxmlformats.org/presentationml/2006/ole">
             <mc:AlternateContent xmlns:mc="http://schemas.openxmlformats.org/markup-compatibility/2006">
               <mc:Choice xmlns:v="urn:schemas-microsoft-com:vml" Requires="v">
-                <p:oleObj spid="_x0000_s126985" r:id="rId3" imgW="3676207" imgH="4749196" progId="Excel.Chart.8">
+                <p:oleObj spid="_x0000_s126986" r:id="rId3" imgW="3676207" imgH="4749196" progId="Excel.Chart.8">
                   <p:embed/>
                 </p:oleObj>
               </mc:Choice>
@@ -35983,7 +36006,7 @@
                     </p:blipFill>
                     <p:spPr bwMode="auto">
                       <a:xfrm>
-                        <a:off x="5219700" y="1052513"/>
+                        <a:off x="6743701" y="1052514"/>
                         <a:ext cx="3673475" cy="4752975"/>
                       </a:xfrm>
                       <a:prstGeom prst="rect">
@@ -36017,7 +36040,7 @@
         </p:nvSpPr>
         <p:spPr bwMode="auto">
           <a:xfrm>
-            <a:off x="6516688" y="5978525"/>
+            <a:off x="8040688" y="5978526"/>
             <a:ext cx="1262062" cy="307975"/>
           </a:xfrm>
           <a:prstGeom prst="rect">
@@ -36067,6 +36090,18 @@
   <p:clrMapOvr>
     <a:masterClrMapping/>
   </p:clrMapOvr>
+  <mc:AlternateContent xmlns:mc="http://schemas.openxmlformats.org/markup-compatibility/2006">
+    <mc:Choice xmlns:p14="http://schemas.microsoft.com/office/powerpoint/2010/main" Requires="p14">
+      <p:transition spd="slow" p14:dur="4400">
+        <p14:honeycomb/>
+      </p:transition>
+    </mc:Choice>
+    <mc:Fallback>
+      <p:transition spd="slow">
+        <p:fade/>
+      </p:transition>
+    </mc:Fallback>
+  </mc:AlternateContent>
 </p:sld>
 </file>
 
@@ -36132,7 +36167,7 @@
         </p:nvSpPr>
         <p:spPr>
           <a:xfrm>
-            <a:off x="1116013" y="1052513"/>
+            <a:off x="2640014" y="1052514"/>
             <a:ext cx="3527425" cy="5184775"/>
           </a:xfrm>
         </p:spPr>
@@ -36142,8 +36177,7 @@
           </a:bodyPr>
           <a:lstStyle/>
           <a:p>
-            <a:pPr marL="0" indent="0" eaLnBrk="1" hangingPunct="1">
-              <a:buFont typeface="Wingdings" pitchFamily="2" charset="2"/>
+            <a:pPr marL="0" indent="0">
               <a:buNone/>
               <a:defRPr/>
             </a:pPr>
@@ -36154,16 +36188,14 @@
             <a:endParaRPr lang="en-US" altLang="zh-CN" sz="1200" dirty="0"/>
           </a:p>
           <a:p>
-            <a:pPr marL="0" indent="0" eaLnBrk="1" hangingPunct="1">
-              <a:buFont typeface="Wingdings" pitchFamily="2" charset="2"/>
+            <a:pPr marL="0" indent="0">
               <a:buNone/>
               <a:defRPr/>
             </a:pPr>
             <a:endParaRPr lang="en-US" altLang="zh-CN" sz="1200" dirty="0"/>
           </a:p>
           <a:p>
-            <a:pPr marL="0" indent="0" eaLnBrk="1" hangingPunct="1">
-              <a:buFont typeface="Wingdings" pitchFamily="2" charset="2"/>
+            <a:pPr marL="0" indent="0">
               <a:buNone/>
               <a:defRPr/>
             </a:pPr>
@@ -36338,14 +36370,14 @@
           <p:nvPr/>
         </p:nvGraphicFramePr>
         <p:xfrm>
-          <a:off x="4787900" y="1125538"/>
+          <a:off x="6311900" y="1125539"/>
           <a:ext cx="4103688" cy="3959225"/>
         </p:xfrm>
         <a:graphic>
           <a:graphicData uri="http://schemas.openxmlformats.org/presentationml/2006/ole">
             <mc:AlternateContent xmlns:mc="http://schemas.openxmlformats.org/markup-compatibility/2006">
               <mc:Choice xmlns:v="urn:schemas-microsoft-com:vml" Requires="v">
-                <p:oleObj spid="_x0000_s128009" r:id="rId3" imgW="4109060" imgH="3956647" progId="Excel.Chart.8">
+                <p:oleObj spid="_x0000_s128010" r:id="rId3" imgW="4109060" imgH="3956647" progId="Excel.Chart.8">
                   <p:embed/>
                 </p:oleObj>
               </mc:Choice>
@@ -36375,7 +36407,7 @@
                     </p:blipFill>
                     <p:spPr bwMode="auto">
                       <a:xfrm>
-                        <a:off x="4787900" y="1125538"/>
+                        <a:off x="6311900" y="1125539"/>
                         <a:ext cx="4103688" cy="3959225"/>
                       </a:xfrm>
                       <a:prstGeom prst="rect">
@@ -36409,7 +36441,7 @@
         </p:nvSpPr>
         <p:spPr bwMode="auto">
           <a:xfrm>
-            <a:off x="6227763" y="5229225"/>
+            <a:off x="7751764" y="5229226"/>
             <a:ext cx="1531937" cy="307975"/>
           </a:xfrm>
           <a:prstGeom prst="rect">
@@ -36459,6 +36491,18 @@
   <p:clrMapOvr>
     <a:masterClrMapping/>
   </p:clrMapOvr>
+  <mc:AlternateContent xmlns:mc="http://schemas.openxmlformats.org/markup-compatibility/2006">
+    <mc:Choice xmlns:p14="http://schemas.microsoft.com/office/powerpoint/2010/main" Requires="p14">
+      <p:transition spd="slow" p14:dur="1500">
+        <p14:ripple dir="lu"/>
+      </p:transition>
+    </mc:Choice>
+    <mc:Fallback>
+      <p:transition spd="slow">
+        <p:fade/>
+      </p:transition>
+    </mc:Fallback>
+  </mc:AlternateContent>
 </p:sld>
 </file>
 
@@ -36524,7 +36568,7 @@
         </p:nvSpPr>
         <p:spPr>
           <a:xfrm>
-            <a:off x="1116013" y="1052513"/>
+            <a:off x="2640014" y="1052514"/>
             <a:ext cx="3743325" cy="5184775"/>
           </a:xfrm>
         </p:spPr>
@@ -36534,8 +36578,7 @@
           </a:bodyPr>
           <a:lstStyle/>
           <a:p>
-            <a:pPr marL="0" indent="0" eaLnBrk="1" hangingPunct="1">
-              <a:buFont typeface="Wingdings" pitchFamily="2" charset="2"/>
+            <a:pPr marL="0" indent="0">
               <a:buNone/>
               <a:defRPr/>
             </a:pPr>
@@ -36586,16 +36629,14 @@
             <a:endParaRPr lang="en-US" altLang="zh-CN" sz="1200" dirty="0"/>
           </a:p>
           <a:p>
-            <a:pPr marL="0" indent="0" eaLnBrk="1" hangingPunct="1">
-              <a:buFont typeface="Wingdings" pitchFamily="2" charset="2"/>
+            <a:pPr marL="0" indent="0">
               <a:buNone/>
               <a:defRPr/>
             </a:pPr>
             <a:endParaRPr lang="en-US" altLang="zh-CN" sz="1200" dirty="0"/>
           </a:p>
           <a:p>
-            <a:pPr marL="0" indent="0" eaLnBrk="1" hangingPunct="1">
-              <a:buFont typeface="Wingdings" pitchFamily="2" charset="2"/>
+            <a:pPr marL="0" indent="0">
               <a:buNone/>
               <a:defRPr/>
             </a:pPr>
@@ -36706,14 +36747,14 @@
           <p:nvPr/>
         </p:nvGraphicFramePr>
         <p:xfrm>
-          <a:off x="5292725" y="1125538"/>
+          <a:off x="6816726" y="1125539"/>
           <a:ext cx="3527425" cy="4554537"/>
         </p:xfrm>
         <a:graphic>
           <a:graphicData uri="http://schemas.openxmlformats.org/presentationml/2006/ole">
             <mc:AlternateContent xmlns:mc="http://schemas.openxmlformats.org/markup-compatibility/2006">
               <mc:Choice xmlns:v="urn:schemas-microsoft-com:vml" Requires="v">
-                <p:oleObj spid="_x0000_s129033" r:id="rId3" imgW="3529890" imgH="4554107" progId="Excel.Chart.8">
+                <p:oleObj spid="_x0000_s129034" r:id="rId3" imgW="3529890" imgH="4554107" progId="Excel.Chart.8">
                   <p:embed/>
                 </p:oleObj>
               </mc:Choice>
@@ -36743,7 +36784,7 @@
                     </p:blipFill>
                     <p:spPr bwMode="auto">
                       <a:xfrm>
-                        <a:off x="5292725" y="1125538"/>
+                        <a:off x="6816726" y="1125539"/>
                         <a:ext cx="3527425" cy="4554537"/>
                       </a:xfrm>
                       <a:prstGeom prst="rect">
@@ -36775,7 +36816,7 @@
         </p:nvCxnSpPr>
         <p:spPr>
           <a:xfrm>
-            <a:off x="7534275" y="5486400"/>
+            <a:off x="9058275" y="5486400"/>
             <a:ext cx="268288" cy="0"/>
           </a:xfrm>
           <a:prstGeom prst="line">
@@ -36812,7 +36853,7 @@
         </p:nvSpPr>
         <p:spPr bwMode="auto">
           <a:xfrm>
-            <a:off x="7756525" y="5354638"/>
+            <a:off x="9280525" y="5354638"/>
             <a:ext cx="698500" cy="246062"/>
           </a:xfrm>
           <a:prstGeom prst="rect">
@@ -36849,7 +36890,7 @@
         </p:nvSpPr>
         <p:spPr bwMode="auto">
           <a:xfrm>
-            <a:off x="6372225" y="5876925"/>
+            <a:off x="7896225" y="5876926"/>
             <a:ext cx="1531938" cy="307975"/>
           </a:xfrm>
           <a:prstGeom prst="rect">
@@ -36899,6 +36940,9 @@
   <p:clrMapOvr>
     <a:masterClrMapping/>
   </p:clrMapOvr>
+  <p:transition spd="slow">
+    <p:wedge/>
+  </p:transition>
 </p:sld>
 </file>
 
@@ -36964,7 +37008,7 @@
         </p:nvSpPr>
         <p:spPr>
           <a:xfrm>
-            <a:off x="1116013" y="1052513"/>
+            <a:off x="2640014" y="1052514"/>
             <a:ext cx="3743325" cy="5184775"/>
           </a:xfrm>
         </p:spPr>
@@ -36974,8 +37018,7 @@
           </a:bodyPr>
           <a:lstStyle/>
           <a:p>
-            <a:pPr marL="0" indent="0" eaLnBrk="1" hangingPunct="1">
-              <a:buFont typeface="Wingdings" pitchFamily="2" charset="2"/>
+            <a:pPr marL="0" indent="0">
               <a:buNone/>
               <a:defRPr/>
             </a:pPr>
@@ -36986,16 +37029,14 @@
             <a:endParaRPr lang="en-US" altLang="zh-CN" sz="1200" dirty="0"/>
           </a:p>
           <a:p>
-            <a:pPr marL="0" indent="0" eaLnBrk="1" hangingPunct="1">
-              <a:buFont typeface="Wingdings" pitchFamily="2" charset="2"/>
+            <a:pPr marL="0" indent="0">
               <a:buNone/>
               <a:defRPr/>
             </a:pPr>
             <a:endParaRPr lang="en-US" altLang="zh-CN" sz="1200" dirty="0"/>
           </a:p>
           <a:p>
-            <a:pPr marL="0" indent="0" eaLnBrk="1" hangingPunct="1">
-              <a:buFont typeface="Wingdings" pitchFamily="2" charset="2"/>
+            <a:pPr marL="0" indent="0">
               <a:buNone/>
               <a:defRPr/>
             </a:pPr>
@@ -37115,14 +37156,14 @@
           <p:nvPr/>
         </p:nvGraphicFramePr>
         <p:xfrm>
-          <a:off x="5364163" y="1052513"/>
+          <a:off x="6888164" y="1052513"/>
           <a:ext cx="3527425" cy="3168650"/>
         </p:xfrm>
         <a:graphic>
           <a:graphicData uri="http://schemas.openxmlformats.org/presentationml/2006/ole">
             <mc:AlternateContent xmlns:mc="http://schemas.openxmlformats.org/markup-compatibility/2006">
               <mc:Choice xmlns:v="urn:schemas-microsoft-com:vml" Requires="v">
-                <p:oleObj spid="_x0000_s130057" r:id="rId3" imgW="3529890" imgH="3164098" progId="Excel.Chart.8">
+                <p:oleObj spid="_x0000_s130058" r:id="rId3" imgW="3529890" imgH="3164098" progId="Excel.Chart.8">
                   <p:embed/>
                 </p:oleObj>
               </mc:Choice>
@@ -37152,7 +37193,7 @@
                     </p:blipFill>
                     <p:spPr bwMode="auto">
                       <a:xfrm>
-                        <a:off x="5364163" y="1052513"/>
+                        <a:off x="6888164" y="1052513"/>
                         <a:ext cx="3527425" cy="3168650"/>
                       </a:xfrm>
                       <a:prstGeom prst="rect">
@@ -37186,7 +37227,7 @@
         </p:nvSpPr>
         <p:spPr bwMode="auto">
           <a:xfrm>
-            <a:off x="6227763" y="4437063"/>
+            <a:off x="7751764" y="4437064"/>
             <a:ext cx="1620837" cy="307975"/>
           </a:xfrm>
           <a:prstGeom prst="rect">
@@ -37236,6 +37277,18 @@
   <p:clrMapOvr>
     <a:masterClrMapping/>
   </p:clrMapOvr>
+  <mc:AlternateContent xmlns:mc="http://schemas.openxmlformats.org/markup-compatibility/2006">
+    <mc:Choice xmlns:p14="http://schemas.microsoft.com/office/powerpoint/2010/main" Requires="p14">
+      <p:transition spd="slow" p14:dur="1200">
+        <p:dissolve/>
+      </p:transition>
+    </mc:Choice>
+    <mc:Fallback>
+      <p:transition spd="slow">
+        <p:dissolve/>
+      </p:transition>
+    </mc:Fallback>
+  </mc:AlternateContent>
 </p:sld>
 </file>
 
@@ -37301,7 +37354,7 @@
         </p:nvSpPr>
         <p:spPr>
           <a:xfrm>
-            <a:off x="1116013" y="1052513"/>
+            <a:off x="2640014" y="1052514"/>
             <a:ext cx="3743325" cy="5184775"/>
           </a:xfrm>
         </p:spPr>
@@ -37311,8 +37364,7 @@
           </a:bodyPr>
           <a:lstStyle/>
           <a:p>
-            <a:pPr marL="0" indent="0" eaLnBrk="1" hangingPunct="1">
-              <a:buFont typeface="Wingdings" pitchFamily="2" charset="2"/>
+            <a:pPr marL="0" indent="0">
               <a:buNone/>
               <a:defRPr/>
             </a:pPr>
@@ -37323,16 +37375,14 @@
             <a:endParaRPr lang="en-US" altLang="zh-CN" sz="1400" dirty="0"/>
           </a:p>
           <a:p>
-            <a:pPr marL="0" indent="0" eaLnBrk="1" hangingPunct="1">
-              <a:buFont typeface="Wingdings" pitchFamily="2" charset="2"/>
+            <a:pPr marL="0" indent="0">
               <a:buNone/>
               <a:defRPr/>
             </a:pPr>
             <a:endParaRPr lang="en-US" altLang="zh-CN" sz="1400" dirty="0"/>
           </a:p>
           <a:p>
-            <a:pPr marL="0" indent="0" eaLnBrk="1" hangingPunct="1">
-              <a:buFont typeface="Wingdings" pitchFamily="2" charset="2"/>
+            <a:pPr marL="0" indent="0">
               <a:buNone/>
               <a:defRPr/>
             </a:pPr>
@@ -37422,14 +37472,14 @@
           <p:nvPr/>
         </p:nvGraphicFramePr>
         <p:xfrm>
-          <a:off x="5364163" y="1052513"/>
+          <a:off x="6888163" y="1052513"/>
           <a:ext cx="3600450" cy="3744912"/>
         </p:xfrm>
         <a:graphic>
           <a:graphicData uri="http://schemas.openxmlformats.org/presentationml/2006/ole">
             <mc:AlternateContent xmlns:mc="http://schemas.openxmlformats.org/markup-compatibility/2006">
               <mc:Choice xmlns:v="urn:schemas-microsoft-com:vml" Requires="v">
-                <p:oleObj spid="_x0000_s131081" r:id="rId3" imgW="3603048" imgH="3743268" progId="Excel.Chart.8">
+                <p:oleObj spid="_x0000_s131082" r:id="rId3" imgW="3603048" imgH="3743268" progId="Excel.Chart.8">
                   <p:embed/>
                 </p:oleObj>
               </mc:Choice>
@@ -37459,7 +37509,7 @@
                     </p:blipFill>
                     <p:spPr bwMode="auto">
                       <a:xfrm>
-                        <a:off x="5364163" y="1052513"/>
+                        <a:off x="6888163" y="1052513"/>
                         <a:ext cx="3600450" cy="3744912"/>
                       </a:xfrm>
                       <a:prstGeom prst="rect">
@@ -37493,7 +37543,7 @@
         </p:nvSpPr>
         <p:spPr bwMode="auto">
           <a:xfrm>
-            <a:off x="6372225" y="4941888"/>
+            <a:off x="7896225" y="4941889"/>
             <a:ext cx="1531938" cy="306387"/>
           </a:xfrm>
           <a:prstGeom prst="rect">
@@ -37543,6 +37593,18 @@
   <p:clrMapOvr>
     <a:masterClrMapping/>
   </p:clrMapOvr>
+  <mc:AlternateContent xmlns:mc="http://schemas.openxmlformats.org/markup-compatibility/2006">
+    <mc:Choice xmlns:p15="http://schemas.microsoft.com/office/powerpoint/2012/main" Requires="p15">
+      <p:transition xmlns:p14="http://schemas.microsoft.com/office/powerpoint/2010/main" spd="slow" p14:dur="1250">
+        <p15:prstTrans prst="airplane" invX="1"/>
+      </p:transition>
+    </mc:Choice>
+    <mc:Fallback>
+      <p:transition spd="slow">
+        <p:fade/>
+      </p:transition>
+    </mc:Fallback>
+  </mc:AlternateContent>
 </p:sld>
 </file>
 
@@ -37608,7 +37670,7 @@
         </p:nvSpPr>
         <p:spPr>
           <a:xfrm>
-            <a:off x="1116013" y="1052513"/>
+            <a:off x="2640014" y="1052514"/>
             <a:ext cx="3743325" cy="5184775"/>
           </a:xfrm>
         </p:spPr>
@@ -37618,8 +37680,7 @@
           </a:bodyPr>
           <a:lstStyle/>
           <a:p>
-            <a:pPr marL="0" indent="0" eaLnBrk="1" hangingPunct="1">
-              <a:buFont typeface="Wingdings" pitchFamily="2" charset="2"/>
+            <a:pPr marL="0" indent="0">
               <a:buNone/>
               <a:defRPr/>
             </a:pPr>
@@ -37630,16 +37691,14 @@
             <a:endParaRPr lang="en-US" altLang="zh-CN" sz="1200" dirty="0"/>
           </a:p>
           <a:p>
-            <a:pPr marL="0" indent="0" eaLnBrk="1" hangingPunct="1">
-              <a:buFont typeface="Wingdings" pitchFamily="2" charset="2"/>
+            <a:pPr marL="0" indent="0">
               <a:buNone/>
               <a:defRPr/>
             </a:pPr>
             <a:endParaRPr lang="en-US" altLang="zh-CN" sz="1200" dirty="0"/>
           </a:p>
           <a:p>
-            <a:pPr marL="0" indent="0" eaLnBrk="1" hangingPunct="1">
-              <a:buFont typeface="Wingdings" pitchFamily="2" charset="2"/>
+            <a:pPr marL="0" indent="0">
               <a:buNone/>
               <a:defRPr/>
             </a:pPr>
@@ -37868,14 +37927,14 @@
           <p:nvPr/>
         </p:nvGraphicFramePr>
         <p:xfrm>
-          <a:off x="5076825" y="1125538"/>
+          <a:off x="6600825" y="1125538"/>
           <a:ext cx="3816350" cy="3408362"/>
         </p:xfrm>
         <a:graphic>
           <a:graphicData uri="http://schemas.openxmlformats.org/presentationml/2006/ole">
             <mc:AlternateContent xmlns:mc="http://schemas.openxmlformats.org/markup-compatibility/2006">
               <mc:Choice xmlns:v="urn:schemas-microsoft-com:vml" Requires="v">
-                <p:oleObj spid="_x0000_s132105" r:id="rId3" imgW="3816427" imgH="3407959" progId="Excel.Chart.8">
+                <p:oleObj spid="_x0000_s132106" r:id="rId3" imgW="3816427" imgH="3407959" progId="Excel.Chart.8">
                   <p:embed/>
                 </p:oleObj>
               </mc:Choice>
@@ -37905,7 +37964,7 @@
                     </p:blipFill>
                     <p:spPr bwMode="auto">
                       <a:xfrm>
-                        <a:off x="5076825" y="1125538"/>
+                        <a:off x="6600825" y="1125538"/>
                         <a:ext cx="3816350" cy="3408362"/>
                       </a:xfrm>
                       <a:prstGeom prst="rect">
@@ -37939,7 +37998,7 @@
         </p:nvSpPr>
         <p:spPr bwMode="auto">
           <a:xfrm>
-            <a:off x="5940425" y="4664075"/>
+            <a:off x="7464425" y="4664076"/>
             <a:ext cx="2159000" cy="307975"/>
           </a:xfrm>
           <a:prstGeom prst="rect">
@@ -37989,6 +38048,18 @@
   <p:clrMapOvr>
     <a:masterClrMapping/>
   </p:clrMapOvr>
+  <mc:AlternateContent xmlns:mc="http://schemas.openxmlformats.org/markup-compatibility/2006">
+    <mc:Choice xmlns:p15="http://schemas.microsoft.com/office/powerpoint/2012/main" Requires="p15">
+      <p:transition xmlns:p14="http://schemas.microsoft.com/office/powerpoint/2010/main" spd="slow" p14:dur="3250">
+        <p15:prstTrans prst="origami" invX="1"/>
+      </p:transition>
+    </mc:Choice>
+    <mc:Fallback>
+      <p:transition spd="slow">
+        <p:fade/>
+      </p:transition>
+    </mc:Fallback>
+  </mc:AlternateContent>
 </p:sld>
 </file>
 
@@ -38162,6 +38233,18 @@
   <p:clrMapOvr>
     <a:masterClrMapping/>
   </p:clrMapOvr>
+  <mc:AlternateContent xmlns:mc="http://schemas.openxmlformats.org/markup-compatibility/2006">
+    <mc:Choice xmlns:p14="http://schemas.microsoft.com/office/powerpoint/2010/main" Requires="p14">
+      <p:transition spd="slow" p14:dur="1250">
+        <p14:switch dir="r"/>
+      </p:transition>
+    </mc:Choice>
+    <mc:Fallback>
+      <p:transition spd="slow">
+        <p:fade/>
+      </p:transition>
+    </mc:Fallback>
+  </mc:AlternateContent>
 </p:sld>
 </file>
 
@@ -38220,7 +38303,7 @@
         </p:nvSpPr>
         <p:spPr>
           <a:xfrm>
-            <a:off x="1116013" y="1557338"/>
+            <a:off x="2640014" y="1557338"/>
             <a:ext cx="7056437" cy="4679950"/>
           </a:xfrm>
         </p:spPr>
@@ -38230,7 +38313,7 @@
           </a:bodyPr>
           <a:lstStyle/>
           <a:p>
-            <a:pPr eaLnBrk="1" hangingPunct="1">
+            <a:pPr>
               <a:lnSpc>
                 <a:spcPct val="120000"/>
               </a:lnSpc>
@@ -38264,7 +38347,7 @@
             </a:r>
           </a:p>
           <a:p>
-            <a:pPr lvl="1" eaLnBrk="1" hangingPunct="1">
+            <a:pPr lvl="1">
               <a:lnSpc>
                 <a:spcPct val="120000"/>
               </a:lnSpc>
@@ -38290,7 +38373,7 @@
             </a:r>
           </a:p>
           <a:p>
-            <a:pPr lvl="1" eaLnBrk="1" hangingPunct="1">
+            <a:pPr lvl="1">
               <a:lnSpc>
                 <a:spcPct val="120000"/>
               </a:lnSpc>
@@ -38312,7 +38395,7 @@
             </a:r>
           </a:p>
           <a:p>
-            <a:pPr lvl="1" eaLnBrk="1" hangingPunct="1">
+            <a:pPr lvl="1">
               <a:lnSpc>
                 <a:spcPct val="120000"/>
               </a:lnSpc>
@@ -38338,7 +38421,7 @@
             </a:r>
           </a:p>
           <a:p>
-            <a:pPr lvl="1" eaLnBrk="1" hangingPunct="1">
+            <a:pPr lvl="1">
               <a:lnSpc>
                 <a:spcPct val="120000"/>
               </a:lnSpc>
@@ -38357,7 +38440,7 @@
             <a:endParaRPr lang="en-US" altLang="zh-CN" sz="1600" dirty="0"/>
           </a:p>
           <a:p>
-            <a:pPr eaLnBrk="1" hangingPunct="1">
+            <a:pPr>
               <a:lnSpc>
                 <a:spcPct val="120000"/>
               </a:lnSpc>
@@ -38388,7 +38471,7 @@
             </a:endParaRPr>
           </a:p>
           <a:p>
-            <a:pPr marL="457200" lvl="1" indent="0" eaLnBrk="1" hangingPunct="1">
+            <a:pPr marL="457200" lvl="1" indent="0">
               <a:lnSpc>
                 <a:spcPct val="120000"/>
               </a:lnSpc>
@@ -38398,7 +38481,6 @@
               <a:spcAft>
                 <a:spcPts val="600"/>
               </a:spcAft>
-              <a:buFont typeface="Wingdings" pitchFamily="2" charset="2"/>
               <a:buNone/>
               <a:defRPr/>
             </a:pPr>
@@ -38425,7 +38507,7 @@
             <a:endParaRPr lang="en-US" altLang="zh-CN" sz="1600" dirty="0"/>
           </a:p>
           <a:p>
-            <a:pPr marL="457200" lvl="1" indent="0" eaLnBrk="1" hangingPunct="1">
+            <a:pPr marL="457200" lvl="1" indent="0">
               <a:lnSpc>
                 <a:spcPct val="120000"/>
               </a:lnSpc>
@@ -38435,7 +38517,6 @@
               <a:spcAft>
                 <a:spcPts val="600"/>
               </a:spcAft>
-              <a:buFont typeface="Wingdings" pitchFamily="2" charset="2"/>
               <a:buNone/>
               <a:defRPr/>
             </a:pPr>
@@ -38487,6 +38568,18 @@
   <p:clrMapOvr>
     <a:masterClrMapping/>
   </p:clrMapOvr>
+  <mc:AlternateContent xmlns:mc="http://schemas.openxmlformats.org/markup-compatibility/2006">
+    <mc:Choice xmlns:p15="http://schemas.microsoft.com/office/powerpoint/2012/main" Requires="p15">
+      <p:transition xmlns:p14="http://schemas.microsoft.com/office/powerpoint/2010/main" spd="slow" p14:dur="1250">
+        <p15:prstTrans prst="pageCurlSingle"/>
+      </p:transition>
+    </mc:Choice>
+    <mc:Fallback>
+      <p:transition spd="slow">
+        <p:fade/>
+      </p:transition>
+    </mc:Fallback>
+  </mc:AlternateContent>
 </p:sld>
 </file>
 
@@ -38591,6 +38684,18 @@
   <p:clrMapOvr>
     <a:masterClrMapping/>
   </p:clrMapOvr>
+  <mc:AlternateContent xmlns:mc="http://schemas.openxmlformats.org/markup-compatibility/2006">
+    <mc:Choice xmlns:p15="http://schemas.microsoft.com/office/powerpoint/2012/main" Requires="p15">
+      <p:transition xmlns:p14="http://schemas.microsoft.com/office/powerpoint/2010/main" spd="slow" p14:dur="6000">
+        <p15:prstTrans prst="curtains"/>
+      </p:transition>
+    </mc:Choice>
+    <mc:Fallback>
+      <p:transition spd="slow">
+        <p:fade/>
+      </p:transition>
+    </mc:Fallback>
+  </mc:AlternateContent>
 </p:sld>
 </file>
 
@@ -38735,6 +38840,18 @@
   <p:clrMapOvr>
     <a:masterClrMapping/>
   </p:clrMapOvr>
+  <mc:AlternateContent xmlns:mc="http://schemas.openxmlformats.org/markup-compatibility/2006">
+    <mc:Choice xmlns:p14="http://schemas.microsoft.com/office/powerpoint/2010/main" Requires="p14">
+      <p:transition spd="slow" p14:dur="1600">
+        <p14:gallery dir="l"/>
+      </p:transition>
+    </mc:Choice>
+    <mc:Fallback>
+      <p:transition spd="slow">
+        <p:fade/>
+      </p:transition>
+    </mc:Fallback>
+  </mc:AlternateContent>
 </p:sld>
 </file>
 
@@ -38803,14 +38920,14 @@
           </p:nvPr>
         </p:nvGraphicFramePr>
         <p:xfrm>
-          <a:off x="1077913" y="2052638"/>
+          <a:off x="2471738" y="2052638"/>
           <a:ext cx="6210300" cy="4194175"/>
         </p:xfrm>
         <a:graphic>
           <a:graphicData uri="http://schemas.openxmlformats.org/presentationml/2006/ole">
             <mc:AlternateContent xmlns:mc="http://schemas.openxmlformats.org/markup-compatibility/2006">
               <mc:Choice xmlns:v="urn:schemas-microsoft-com:vml" Requires="v">
-                <p:oleObj spid="_x0000_s106503" r:id="rId3" imgW="7571888" imgH="5114987" progId="Excel.Chart.8">
+                <p:oleObj spid="_x0000_s106504" r:id="rId3" imgW="7571888" imgH="5114987" progId="Excel.Chart.8">
                   <p:embed/>
                 </p:oleObj>
               </mc:Choice>
@@ -38840,7 +38957,7 @@
                     </p:blipFill>
                     <p:spPr bwMode="auto">
                       <a:xfrm>
-                        <a:off x="1077913" y="2052638"/>
+                        <a:off x="2471738" y="2052638"/>
                         <a:ext cx="6210300" cy="4194175"/>
                       </a:xfrm>
                       <a:prstGeom prst="rect">
@@ -38900,6 +39017,18 @@
   <p:clrMapOvr>
     <a:masterClrMapping/>
   </p:clrMapOvr>
+  <mc:AlternateContent xmlns:mc="http://schemas.openxmlformats.org/markup-compatibility/2006">
+    <mc:Choice xmlns:p14="http://schemas.microsoft.com/office/powerpoint/2010/main" Requires="p14">
+      <p:transition spd="slow" p14:dur="1600">
+        <p14:gallery dir="l"/>
+      </p:transition>
+    </mc:Choice>
+    <mc:Fallback>
+      <p:transition spd="slow">
+        <p:fade/>
+      </p:transition>
+    </mc:Fallback>
+  </mc:AlternateContent>
 </p:sld>
 </file>
 
@@ -39374,6 +39503,18 @@
   <p:clrMapOvr>
     <a:masterClrMapping/>
   </p:clrMapOvr>
+  <mc:AlternateContent xmlns:mc="http://schemas.openxmlformats.org/markup-compatibility/2006">
+    <mc:Choice xmlns:p14="http://schemas.microsoft.com/office/powerpoint/2010/main" Requires="p14">
+      <p:transition spd="slow" p14:dur="1600">
+        <p14:gallery dir="l"/>
+      </p:transition>
+    </mc:Choice>
+    <mc:Fallback>
+      <p:transition spd="slow">
+        <p:fade/>
+      </p:transition>
+    </mc:Fallback>
+  </mc:AlternateContent>
 </p:sld>
 </file>
 
@@ -39443,7 +39584,7 @@
         </p:nvSpPr>
         <p:spPr>
           <a:xfrm>
-            <a:off x="1116013" y="1196975"/>
+            <a:off x="2640014" y="1196976"/>
             <a:ext cx="7570787" cy="1871663"/>
           </a:xfrm>
         </p:spPr>
@@ -39524,14 +39665,14 @@
           <p:nvPr/>
         </p:nvGraphicFramePr>
         <p:xfrm>
-          <a:off x="1187450" y="3284538"/>
+          <a:off x="2711450" y="3284539"/>
           <a:ext cx="3240088" cy="3024187"/>
         </p:xfrm>
         <a:graphic>
           <a:graphicData uri="http://schemas.openxmlformats.org/presentationml/2006/ole">
             <mc:AlternateContent xmlns:mc="http://schemas.openxmlformats.org/markup-compatibility/2006">
               <mc:Choice xmlns:v="urn:schemas-microsoft-com:vml" Requires="v">
-                <p:oleObj spid="_x0000_s109582" r:id="rId3" imgW="3237257" imgH="3023878" progId="Excel.Chart.8">
+                <p:oleObj spid="_x0000_s109584" r:id="rId3" imgW="3237257" imgH="3023878" progId="Excel.Chart.8">
                   <p:embed/>
                 </p:oleObj>
               </mc:Choice>
@@ -39561,7 +39702,7 @@
                     </p:blipFill>
                     <p:spPr bwMode="auto">
                       <a:xfrm>
-                        <a:off x="1187450" y="3284538"/>
+                        <a:off x="2711450" y="3284539"/>
                         <a:ext cx="3240088" cy="3024187"/>
                       </a:xfrm>
                       <a:prstGeom prst="rect">
@@ -39594,14 +39735,14 @@
           <p:nvPr/>
         </p:nvGraphicFramePr>
         <p:xfrm>
-          <a:off x="5364163" y="3284538"/>
+          <a:off x="6888164" y="3284539"/>
           <a:ext cx="3240087" cy="3024187"/>
         </p:xfrm>
         <a:graphic>
           <a:graphicData uri="http://schemas.openxmlformats.org/presentationml/2006/ole">
             <mc:AlternateContent xmlns:mc="http://schemas.openxmlformats.org/markup-compatibility/2006">
               <mc:Choice xmlns:v="urn:schemas-microsoft-com:vml" Requires="v">
-                <p:oleObj spid="_x0000_s109583" r:id="rId5" imgW="3237257" imgH="3023878" progId="Excel.Chart.8">
+                <p:oleObj spid="_x0000_s109585" r:id="rId5" imgW="3237257" imgH="3023878" progId="Excel.Chart.8">
                   <p:embed/>
                 </p:oleObj>
               </mc:Choice>
@@ -39631,7 +39772,7 @@
                     </p:blipFill>
                     <p:spPr bwMode="auto">
                       <a:xfrm>
-                        <a:off x="5364163" y="3284538"/>
+                        <a:off x="6888164" y="3284539"/>
                         <a:ext cx="3240087" cy="3024187"/>
                       </a:xfrm>
                       <a:prstGeom prst="rect">
@@ -39663,7 +39804,7 @@
         </p:nvSpPr>
         <p:spPr>
           <a:xfrm rot="16200000">
-            <a:off x="4729163" y="4810125"/>
+            <a:off x="6253163" y="4810125"/>
             <a:ext cx="430212" cy="407988"/>
           </a:xfrm>
           <a:prstGeom prst="downArrow">
@@ -39711,7 +39852,7 @@
         </p:nvSpPr>
         <p:spPr>
           <a:xfrm>
-            <a:off x="3924300" y="5476875"/>
+            <a:off x="5448301" y="5476876"/>
             <a:ext cx="360363" cy="360363"/>
           </a:xfrm>
           <a:prstGeom prst="ellipse">
@@ -39751,6 +39892,18 @@
   <p:clrMapOvr>
     <a:masterClrMapping/>
   </p:clrMapOvr>
+  <mc:AlternateContent xmlns:mc="http://schemas.openxmlformats.org/markup-compatibility/2006">
+    <mc:Choice xmlns:p14="http://schemas.microsoft.com/office/powerpoint/2010/main" Requires="p14">
+      <p:transition spd="slow" p14:dur="1600">
+        <p14:gallery dir="l"/>
+      </p:transition>
+    </mc:Choice>
+    <mc:Fallback>
+      <p:transition spd="slow">
+        <p:fade/>
+      </p:transition>
+    </mc:Fallback>
+  </mc:AlternateContent>
 </p:sld>
 </file>
 
@@ -39820,7 +39973,7 @@
         </p:nvSpPr>
         <p:spPr>
           <a:xfrm>
-            <a:off x="1116013" y="1196975"/>
+            <a:off x="2640014" y="1196976"/>
             <a:ext cx="7570787" cy="2016125"/>
           </a:xfrm>
         </p:spPr>
@@ -39921,14 +40074,14 @@
           <p:nvPr/>
         </p:nvGraphicFramePr>
         <p:xfrm>
-          <a:off x="1116013" y="3284538"/>
+          <a:off x="2640014" y="3284538"/>
           <a:ext cx="3095625" cy="2520950"/>
         </p:xfrm>
         <a:graphic>
           <a:graphicData uri="http://schemas.openxmlformats.org/presentationml/2006/ole">
             <mc:AlternateContent xmlns:mc="http://schemas.openxmlformats.org/markup-compatibility/2006">
               <mc:Choice xmlns:v="urn:schemas-microsoft-com:vml" Requires="v">
-                <p:oleObj spid="_x0000_s110606" r:id="rId3" imgW="3097036" imgH="2517866" progId="Excel.Chart.8">
+                <p:oleObj spid="_x0000_s110608" r:id="rId3" imgW="3097036" imgH="2517866" progId="Excel.Chart.8">
                   <p:embed/>
                 </p:oleObj>
               </mc:Choice>
@@ -39958,7 +40111,7 @@
                     </p:blipFill>
                     <p:spPr bwMode="auto">
                       <a:xfrm>
-                        <a:off x="1116013" y="3284538"/>
+                        <a:off x="2640014" y="3284538"/>
                         <a:ext cx="3095625" cy="2520950"/>
                       </a:xfrm>
                       <a:prstGeom prst="rect">
@@ -39991,14 +40144,14 @@
           <p:nvPr/>
         </p:nvGraphicFramePr>
         <p:xfrm>
-          <a:off x="5292725" y="3284538"/>
+          <a:off x="6816726" y="3284538"/>
           <a:ext cx="3095625" cy="2520950"/>
         </p:xfrm>
         <a:graphic>
           <a:graphicData uri="http://schemas.openxmlformats.org/presentationml/2006/ole">
             <mc:AlternateContent xmlns:mc="http://schemas.openxmlformats.org/markup-compatibility/2006">
               <mc:Choice xmlns:v="urn:schemas-microsoft-com:vml" Requires="v">
-                <p:oleObj spid="_x0000_s110607" r:id="rId5" imgW="3097036" imgH="2517866" progId="Excel.Chart.8">
+                <p:oleObj spid="_x0000_s110609" r:id="rId5" imgW="3097036" imgH="2517866" progId="Excel.Chart.8">
                   <p:embed/>
                 </p:oleObj>
               </mc:Choice>
@@ -40028,7 +40181,7 @@
                     </p:blipFill>
                     <p:spPr bwMode="auto">
                       <a:xfrm>
-                        <a:off x="5292725" y="3284538"/>
+                        <a:off x="6816726" y="3284538"/>
                         <a:ext cx="3095625" cy="2520950"/>
                       </a:xfrm>
                       <a:prstGeom prst="rect">
@@ -40060,7 +40213,7 @@
         </p:nvSpPr>
         <p:spPr>
           <a:xfrm>
-            <a:off x="1927225" y="5927725"/>
+            <a:off x="3451225" y="5927726"/>
             <a:ext cx="1492250" cy="307975"/>
           </a:xfrm>
           <a:prstGeom prst="rect">
@@ -40095,7 +40248,7 @@
         </p:nvSpPr>
         <p:spPr>
           <a:xfrm>
-            <a:off x="6029325" y="5921375"/>
+            <a:off x="7553326" y="5921376"/>
             <a:ext cx="1711325" cy="307975"/>
           </a:xfrm>
           <a:prstGeom prst="rect">
@@ -40127,6 +40280,18 @@
   <p:clrMapOvr>
     <a:masterClrMapping/>
   </p:clrMapOvr>
+  <mc:AlternateContent xmlns:mc="http://schemas.openxmlformats.org/markup-compatibility/2006">
+    <mc:Choice xmlns:p14="http://schemas.microsoft.com/office/powerpoint/2010/main" Requires="p14">
+      <p:transition spd="slow" p14:dur="1250">
+        <p14:flip dir="r"/>
+      </p:transition>
+    </mc:Choice>
+    <mc:Fallback>
+      <p:transition spd="slow">
+        <p:fade/>
+      </p:transition>
+    </mc:Fallback>
+  </mc:AlternateContent>
 </p:sld>
 </file>
 
@@ -43729,7 +43894,7 @@
         <a:srgbClr val="6AAC90"/>
       </a:accent4>
       <a:accent5>
-        <a:srgbClr val="5F9C9D"/>
+        <a:srgbClr val="54849A"/>
       </a:accent5>
       <a:accent6>
         <a:srgbClr val="9E5E9B"/>
@@ -43738,7 +43903,7 @@
         <a:srgbClr val="58C1BA"/>
       </a:hlink>
       <a:folHlink>
-        <a:srgbClr val="9DD0CB"/>
+        <a:srgbClr val="9DFFCB"/>
       </a:folHlink>
     </a:clrScheme>
     <a:fontScheme name="离子">
